--- a/Clase_33/33_Flask_Introduccion_Postgres.pptx
+++ b/Clase_33/33_Flask_Introduccion_Postgres.pptx
@@ -51,27 +51,28 @@
     <p:embeddedFont>
       <p:font typeface="Montserrat ExtraBold" panose="00000900000000000000" pitchFamily="2" charset="0"/>
       <p:bold r:id="rId33"/>
+      <p:boldItalic r:id="rId34"/>
     </p:embeddedFont>
     <p:embeddedFont>
       <p:font typeface="Montserrat Medium" panose="00000600000000000000" pitchFamily="2" charset="0"/>
-      <p:regular r:id="rId34"/>
-      <p:bold r:id="rId35"/>
-      <p:italic r:id="rId36"/>
-      <p:boldItalic r:id="rId37"/>
+      <p:regular r:id="rId35"/>
+      <p:bold r:id="rId36"/>
+      <p:italic r:id="rId37"/>
+      <p:boldItalic r:id="rId38"/>
     </p:embeddedFont>
     <p:embeddedFont>
       <p:font typeface="Montserrat SemiBold" panose="00000700000000000000" pitchFamily="2" charset="0"/>
-      <p:regular r:id="rId38"/>
-      <p:bold r:id="rId39"/>
-      <p:italic r:id="rId40"/>
-      <p:boldItalic r:id="rId41"/>
+      <p:regular r:id="rId39"/>
+      <p:bold r:id="rId40"/>
+      <p:italic r:id="rId41"/>
+      <p:boldItalic r:id="rId42"/>
     </p:embeddedFont>
     <p:embeddedFont>
       <p:font typeface="Roboto" panose="02000000000000000000" pitchFamily="2" charset="0"/>
-      <p:regular r:id="rId42"/>
-      <p:bold r:id="rId43"/>
-      <p:italic r:id="rId44"/>
-      <p:boldItalic r:id="rId45"/>
+      <p:regular r:id="rId43"/>
+      <p:bold r:id="rId44"/>
+      <p:italic r:id="rId45"/>
+      <p:boldItalic r:id="rId46"/>
     </p:embeddedFont>
   </p:embeddedFontLst>
   <p:defaultTextStyle>
@@ -319,7 +320,7 @@
       </p15:sldGuideLst>
     </p:ext>
     <p:ext uri="GoogleSlidesCustomDataVersion2">
-      <go:slidesCustomData xmlns="" xmlns:mc="http://schemas.openxmlformats.org/markup-compatibility/2006" xmlns:mv="urn:schemas-microsoft-com:mac:vml" xmlns:c="http://schemas.openxmlformats.org/drawingml/2006/chart" xmlns:dgm="http://schemas.openxmlformats.org/drawingml/2006/diagram" xmlns:o="urn:schemas-microsoft-com:office:office" xmlns:v="urn:schemas-microsoft-com:vml" xmlns:pvml="urn:schemas-microsoft-com:office:powerpoint" xmlns:com="http://schemas.openxmlformats.org/drawingml/2006/compatibility" xmlns:p14="http://schemas.microsoft.com/office/powerpoint/2010/main" xmlns:p15="http://schemas.microsoft.com/office/powerpoint/2012/main" xmlns:ahyp="http://schemas.microsoft.com/office/drawing/2018/hyperlinkcolor" xmlns:go="http://customooxmlschemas.google.com/" r:id="rId46" roundtripDataSignature="AMtx7miqj/cY42VnVu/CNPoI+liWaAluZQ=="/>
+      <go:slidesCustomData xmlns:go="http://customooxmlschemas.google.com/" xmlns:ahyp="http://schemas.microsoft.com/office/drawing/2018/hyperlinkcolor" xmlns:p15="http://schemas.microsoft.com/office/powerpoint/2012/main" xmlns:p14="http://schemas.microsoft.com/office/powerpoint/2010/main" xmlns:com="http://schemas.openxmlformats.org/drawingml/2006/compatibility" xmlns:pvml="urn:schemas-microsoft-com:office:powerpoint" xmlns:v="urn:schemas-microsoft-com:vml" xmlns:o="urn:schemas-microsoft-com:office:office" xmlns:dgm="http://schemas.openxmlformats.org/drawingml/2006/diagram" xmlns:c="http://schemas.openxmlformats.org/drawingml/2006/chart" xmlns:mv="urn:schemas-microsoft-com:mac:vml" xmlns:mc="http://schemas.openxmlformats.org/markup-compatibility/2006" xmlns="" r:id="rId47" roundtripDataSignature="AMtx7miqj/cY42VnVu/CNPoI+liWaAluZQ=="/>
     </p:ext>
   </p:extLst>
 </p:presentation>
@@ -2255,14 +2256,14 @@
               <a:buNone/>
             </a:pPr>
             <a:r>
-              <a:rPr lang="es-419">
+              <a:rPr lang="es-419" dirty="0">
                 <a:solidFill>
                   <a:schemeClr val="dk1"/>
                 </a:solidFill>
               </a:rPr>
               <a:t>En Flask, g es un objeto especial proporcionado por Flask que actúa como un espacio de almacenamiento global durante el ciclo de vida de una solicitud.</a:t>
             </a:r>
-            <a:endParaRPr>
+            <a:endParaRPr dirty="0">
               <a:solidFill>
                 <a:schemeClr val="dk1"/>
               </a:solidFill>
@@ -2287,7 +2288,7 @@
               <a:buNone/>
             </a:pPr>
             <a:r>
-              <a:rPr lang="es-419" b="1">
+              <a:rPr lang="es-419" b="1" dirty="0">
                 <a:solidFill>
                   <a:schemeClr val="dk1"/>
                 </a:solidFill>
@@ -2295,14 +2296,14 @@
               <a:t>Contexto de Solicitud</a:t>
             </a:r>
             <a:r>
-              <a:rPr lang="es-419">
+              <a:rPr lang="es-419" dirty="0">
                 <a:solidFill>
                   <a:schemeClr val="dk1"/>
                 </a:solidFill>
               </a:rPr>
               <a:t>: g está disponible durante toda la duración de una solicitud HTTP. Cada solicitud tiene su propio objeto g, lo que significa que los datos almacenados en g durante una solicitud no serán accesibles en otra solicitud.</a:t>
             </a:r>
-            <a:endParaRPr>
+            <a:endParaRPr dirty="0">
               <a:solidFill>
                 <a:schemeClr val="dk1"/>
               </a:solidFill>
@@ -2327,7 +2328,7 @@
               <a:buNone/>
             </a:pPr>
             <a:r>
-              <a:rPr lang="es-419" b="1">
+              <a:rPr lang="es-419" b="1" dirty="0">
                 <a:solidFill>
                   <a:schemeClr val="dk1"/>
                 </a:solidFill>
@@ -2335,14 +2336,14 @@
               <a:t>Almacenamiento Temporal</a:t>
             </a:r>
             <a:r>
-              <a:rPr lang="es-419">
+              <a:rPr lang="es-419" dirty="0">
                 <a:solidFill>
                   <a:schemeClr val="dk1"/>
                 </a:solidFill>
               </a:rPr>
               <a:t>: Se utiliza para almacenar datos que deben estar disponibles en diferentes partes del código durante el manejo de una solicitud, como conexiones a bases de datos, configuraciones temporales, o cualquier otra información que necesites compartir entre diferentes funciones o módulos durante una solicitud.</a:t>
             </a:r>
-            <a:endParaRPr>
+            <a:endParaRPr dirty="0">
               <a:solidFill>
                 <a:schemeClr val="dk1"/>
               </a:solidFill>
@@ -2362,7 +2363,7 @@
               <a:buSzPts val="1100"/>
               <a:buNone/>
             </a:pPr>
-            <a:endParaRPr b="1">
+            <a:endParaRPr b="1" dirty="0">
               <a:solidFill>
                 <a:schemeClr val="dk1"/>
               </a:solidFill>
@@ -2387,14 +2388,30 @@
               <a:buNone/>
             </a:pPr>
             <a:r>
-              <a:rPr lang="es-419" b="1">
+              <a:rPr lang="es-419" b="1" dirty="0">
                 <a:solidFill>
                   <a:schemeClr val="dk1"/>
                 </a:solidFill>
               </a:rPr>
-              <a:t>¿Para qué se utiliza flask.g?</a:t>
-            </a:r>
-            <a:endParaRPr b="1">
+              <a:t>¿Para qué se utiliza </a:t>
+            </a:r>
+            <a:r>
+              <a:rPr lang="es-419" b="1" dirty="0" err="1">
+                <a:solidFill>
+                  <a:schemeClr val="dk1"/>
+                </a:solidFill>
+              </a:rPr>
+              <a:t>flask.g</a:t>
+            </a:r>
+            <a:r>
+              <a:rPr lang="es-419" b="1" dirty="0">
+                <a:solidFill>
+                  <a:schemeClr val="dk1"/>
+                </a:solidFill>
+              </a:rPr>
+              <a:t>?</a:t>
+            </a:r>
+            <a:endParaRPr b="1" dirty="0">
               <a:solidFill>
                 <a:schemeClr val="dk1"/>
               </a:solidFill>
@@ -2419,14 +2436,22 @@
               <a:buNone/>
             </a:pPr>
             <a:r>
-              <a:rPr lang="es-419">
+              <a:rPr lang="es-419" dirty="0" err="1">
                 <a:solidFill>
                   <a:schemeClr val="dk1"/>
                 </a:solidFill>
               </a:rPr>
-              <a:t>flask.g es útil para almacenar información temporal y específica de la solicitud que debe ser accesible en cualquier lugar de tu aplicación durante la vida de esa solicitud. Algunos ejemplos comunes de uso incluyen:</a:t>
-            </a:r>
-            <a:endParaRPr>
+              <a:t>flask.g</a:t>
+            </a:r>
+            <a:r>
+              <a:rPr lang="es-419" dirty="0">
+                <a:solidFill>
+                  <a:schemeClr val="dk1"/>
+                </a:solidFill>
+              </a:rPr>
+              <a:t> es útil para almacenar información temporal y específica de la solicitud que debe ser accesible en cualquier lugar de tu aplicación durante la vida de esa solicitud. Algunos ejemplos comunes de uso incluyen:</a:t>
+            </a:r>
+            <a:endParaRPr dirty="0">
               <a:solidFill>
                 <a:schemeClr val="dk1"/>
               </a:solidFill>
@@ -2451,7 +2476,7 @@
               <a:buNone/>
             </a:pPr>
             <a:r>
-              <a:rPr lang="es-419">
+              <a:rPr lang="es-419" dirty="0">
                 <a:solidFill>
                   <a:schemeClr val="dk1"/>
                 </a:solidFill>
@@ -2459,7 +2484,7 @@
               <a:t>•</a:t>
             </a:r>
             <a:r>
-              <a:rPr lang="es-419" b="1">
+              <a:rPr lang="es-419" b="1" dirty="0">
                 <a:solidFill>
                   <a:schemeClr val="dk1"/>
                 </a:solidFill>
@@ -2467,14 +2492,14 @@
               <a:t>Conexiones a Bases de Datos</a:t>
             </a:r>
             <a:r>
-              <a:rPr lang="es-419">
+              <a:rPr lang="es-419" dirty="0">
                 <a:solidFill>
                   <a:schemeClr val="dk1"/>
                 </a:solidFill>
               </a:rPr>
               <a:t>: Mantener una conexión a la base de datos abierta durante una solicitud y cerrarla al final.</a:t>
             </a:r>
-            <a:endParaRPr>
+            <a:endParaRPr dirty="0">
               <a:solidFill>
                 <a:schemeClr val="dk1"/>
               </a:solidFill>
@@ -2499,7 +2524,7 @@
               <a:buNone/>
             </a:pPr>
             <a:r>
-              <a:rPr lang="es-419">
+              <a:rPr lang="es-419" dirty="0">
                 <a:solidFill>
                   <a:schemeClr val="dk1"/>
                 </a:solidFill>
@@ -2507,7 +2532,7 @@
               <a:t>•</a:t>
             </a:r>
             <a:r>
-              <a:rPr lang="es-419" b="1">
+              <a:rPr lang="es-419" b="1" dirty="0">
                 <a:solidFill>
                   <a:schemeClr val="dk1"/>
                 </a:solidFill>
@@ -2515,14 +2540,14 @@
               <a:t>Datos de Usuario</a:t>
             </a:r>
             <a:r>
-              <a:rPr lang="es-419">
+              <a:rPr lang="es-419" dirty="0">
                 <a:solidFill>
                   <a:schemeClr val="dk1"/>
                 </a:solidFill>
               </a:rPr>
               <a:t>: Almacenar información sobre el usuario autenticado para que sea fácilmente accesible en cualquier parte del código.</a:t>
             </a:r>
-            <a:endParaRPr>
+            <a:endParaRPr dirty="0">
               <a:solidFill>
                 <a:schemeClr val="dk1"/>
               </a:solidFill>
@@ -2547,7 +2572,7 @@
               <a:buNone/>
             </a:pPr>
             <a:r>
-              <a:rPr lang="es-419">
+              <a:rPr lang="es-419" dirty="0">
                 <a:solidFill>
                   <a:schemeClr val="dk1"/>
                 </a:solidFill>
@@ -2555,7 +2580,7 @@
               <a:t>•</a:t>
             </a:r>
             <a:r>
-              <a:rPr lang="es-419" b="1">
+              <a:rPr lang="es-419" b="1" dirty="0">
                 <a:solidFill>
                   <a:schemeClr val="dk1"/>
                 </a:solidFill>
@@ -2563,14 +2588,14 @@
               <a:t>Configuraciones Temporales</a:t>
             </a:r>
             <a:r>
-              <a:rPr lang="es-419">
+              <a:rPr lang="es-419" dirty="0">
                 <a:solidFill>
                   <a:schemeClr val="dk1"/>
                 </a:solidFill>
               </a:rPr>
               <a:t>: Almacenar configuraciones temporales o datos de contexto que son relevantes solo durante la solicitud actual.</a:t>
             </a:r>
-            <a:endParaRPr>
+            <a:endParaRPr dirty="0">
               <a:solidFill>
                 <a:schemeClr val="dk1"/>
               </a:solidFill>
@@ -2590,7 +2615,7 @@
               <a:buSzPts val="1100"/>
               <a:buNone/>
             </a:pPr>
-            <a:endParaRPr b="1">
+            <a:endParaRPr b="1" dirty="0">
               <a:solidFill>
                 <a:schemeClr val="dk1"/>
               </a:solidFill>
@@ -2615,14 +2640,22 @@
               <a:buNone/>
             </a:pPr>
             <a:r>
-              <a:rPr lang="es-419" b="1">
+              <a:rPr lang="es-419" b="1" dirty="0">
                 <a:solidFill>
                   <a:schemeClr val="dk1"/>
                 </a:solidFill>
               </a:rPr>
-              <a:t>Buenas Prácticas con flask.g</a:t>
-            </a:r>
-            <a:endParaRPr b="1">
+              <a:t>Buenas Prácticas con </a:t>
+            </a:r>
+            <a:r>
+              <a:rPr lang="es-419" b="1" dirty="0" err="1">
+                <a:solidFill>
+                  <a:schemeClr val="dk1"/>
+                </a:solidFill>
+              </a:rPr>
+              <a:t>flask.g</a:t>
+            </a:r>
+            <a:endParaRPr b="1" dirty="0">
               <a:solidFill>
                 <a:schemeClr val="dk1"/>
               </a:solidFill>
@@ -2647,7 +2680,7 @@
               <a:buNone/>
             </a:pPr>
             <a:r>
-              <a:rPr lang="es-419">
+              <a:rPr lang="es-419" dirty="0">
                 <a:solidFill>
                   <a:schemeClr val="dk1"/>
                 </a:solidFill>
@@ -2655,7 +2688,7 @@
               <a:t>1.</a:t>
             </a:r>
             <a:r>
-              <a:rPr lang="es-419" b="1">
+              <a:rPr lang="es-419" b="1" dirty="0">
                 <a:solidFill>
                   <a:schemeClr val="dk1"/>
                 </a:solidFill>
@@ -2663,14 +2696,14 @@
               <a:t>Uso Específico por Solicitud</a:t>
             </a:r>
             <a:r>
-              <a:rPr lang="es-419">
+              <a:rPr lang="es-419" dirty="0">
                 <a:solidFill>
                   <a:schemeClr val="dk1"/>
                 </a:solidFill>
               </a:rPr>
               <a:t>: Utiliza g solo para datos que deben persistir durante el ciclo de vida de una solicitud. No almacenes datos globales o permanentes en g.</a:t>
             </a:r>
-            <a:endParaRPr>
+            <a:endParaRPr dirty="0">
               <a:solidFill>
                 <a:schemeClr val="dk1"/>
               </a:solidFill>
@@ -2695,7 +2728,7 @@
               <a:buNone/>
             </a:pPr>
             <a:r>
-              <a:rPr lang="es-419">
+              <a:rPr lang="es-419" dirty="0">
                 <a:solidFill>
                   <a:schemeClr val="dk1"/>
                 </a:solidFill>
@@ -2703,7 +2736,7 @@
               <a:t>2.</a:t>
             </a:r>
             <a:r>
-              <a:rPr lang="es-419" b="1">
+              <a:rPr lang="es-419" b="1" dirty="0">
                 <a:solidFill>
                   <a:schemeClr val="dk1"/>
                 </a:solidFill>
@@ -2711,14 +2744,30 @@
               <a:t>Limpieza de Recursos</a:t>
             </a:r>
             <a:r>
-              <a:rPr lang="es-419">
+              <a:rPr lang="es-419" dirty="0">
                 <a:solidFill>
                   <a:schemeClr val="dk1"/>
                 </a:solidFill>
               </a:rPr>
-              <a:t>: Asegúrate de limpiar los recursos que almacenas en g al final de la solicitud. Flask proporciona mecanismos como teardown_appcontext para registrar funciones de limpieza.</a:t>
-            </a:r>
-            <a:endParaRPr>
+              <a:t>: Asegúrate de limpiar los recursos que almacenas en g al final de la solicitud. Flask proporciona mecanismos como </a:t>
+            </a:r>
+            <a:r>
+              <a:rPr lang="es-419" dirty="0" err="1">
+                <a:solidFill>
+                  <a:schemeClr val="dk1"/>
+                </a:solidFill>
+              </a:rPr>
+              <a:t>teardown_appcontext</a:t>
+            </a:r>
+            <a:r>
+              <a:rPr lang="es-419" dirty="0">
+                <a:solidFill>
+                  <a:schemeClr val="dk1"/>
+                </a:solidFill>
+              </a:rPr>
+              <a:t> para registrar funciones de limpieza.</a:t>
+            </a:r>
+            <a:endParaRPr dirty="0">
               <a:solidFill>
                 <a:schemeClr val="dk1"/>
               </a:solidFill>
@@ -2743,7 +2792,7 @@
               <a:buNone/>
             </a:pPr>
             <a:r>
-              <a:rPr lang="es-419">
+              <a:rPr lang="es-419" dirty="0">
                 <a:solidFill>
                   <a:schemeClr val="dk1"/>
                 </a:solidFill>
@@ -2751,7 +2800,7 @@
               <a:t>3.</a:t>
             </a:r>
             <a:r>
-              <a:rPr lang="es-419" b="1">
+              <a:rPr lang="es-419" b="1" dirty="0">
                 <a:solidFill>
                   <a:schemeClr val="dk1"/>
                 </a:solidFill>
@@ -2759,14 +2808,46 @@
               <a:t>Nombres Descriptivos</a:t>
             </a:r>
             <a:r>
-              <a:rPr lang="es-419">
+              <a:rPr lang="es-419" dirty="0">
                 <a:solidFill>
                   <a:schemeClr val="dk1"/>
                 </a:solidFill>
               </a:rPr>
-              <a:t>: Usa nombres descriptivos para los atributos que agregues a g para evitar colisiones y hacer el código más legible. Por ejemplo, usa g.db_connection en lugar de simplemente g.db.</a:t>
-            </a:r>
-            <a:endParaRPr>
+              <a:t>: Usa nombres descriptivos para los atributos que agregues a g para evitar colisiones y hacer el código más legible. Por ejemplo, usa </a:t>
+            </a:r>
+            <a:r>
+              <a:rPr lang="es-419" dirty="0" err="1">
+                <a:solidFill>
+                  <a:schemeClr val="dk1"/>
+                </a:solidFill>
+              </a:rPr>
+              <a:t>g.db_connection</a:t>
+            </a:r>
+            <a:r>
+              <a:rPr lang="es-419" dirty="0">
+                <a:solidFill>
+                  <a:schemeClr val="dk1"/>
+                </a:solidFill>
+              </a:rPr>
+              <a:t> en lugar de simplemente </a:t>
+            </a:r>
+            <a:r>
+              <a:rPr lang="es-419" dirty="0" err="1">
+                <a:solidFill>
+                  <a:schemeClr val="dk1"/>
+                </a:solidFill>
+              </a:rPr>
+              <a:t>g.db</a:t>
+            </a:r>
+            <a:r>
+              <a:rPr lang="es-419" dirty="0">
+                <a:solidFill>
+                  <a:schemeClr val="dk1"/>
+                </a:solidFill>
+              </a:rPr>
+              <a:t>.</a:t>
+            </a:r>
+            <a:endParaRPr dirty="0">
               <a:solidFill>
                 <a:schemeClr val="dk1"/>
               </a:solidFill>
@@ -2791,7 +2872,7 @@
               <a:buNone/>
             </a:pPr>
             <a:r>
-              <a:rPr lang="es-419">
+              <a:rPr lang="es-419" dirty="0">
                 <a:solidFill>
                   <a:schemeClr val="dk1"/>
                 </a:solidFill>
@@ -2799,7 +2880,7 @@
               <a:t>4.</a:t>
             </a:r>
             <a:r>
-              <a:rPr lang="es-419" b="1">
+              <a:rPr lang="es-419" b="1" dirty="0">
                 <a:solidFill>
                   <a:schemeClr val="dk1"/>
                 </a:solidFill>
@@ -2807,14 +2888,14 @@
               <a:t>Limitación de Uso</a:t>
             </a:r>
             <a:r>
-              <a:rPr lang="es-419">
+              <a:rPr lang="es-419" dirty="0">
                 <a:solidFill>
                   <a:schemeClr val="dk1"/>
                 </a:solidFill>
               </a:rPr>
               <a:t>: Limita el uso de g a lo necesario. Aunque es conveniente, abusar de g puede llevar a un código menos estructurado y más difícil de mantener.</a:t>
             </a:r>
-            <a:endParaRPr>
+            <a:endParaRPr dirty="0">
               <a:solidFill>
                 <a:schemeClr val="dk1"/>
               </a:solidFill>
@@ -2839,14 +2920,14 @@
               <a:buNone/>
             </a:pPr>
             <a:r>
-              <a:rPr lang="es-419">
+              <a:rPr lang="es-419" dirty="0">
                 <a:solidFill>
                   <a:schemeClr val="dk1"/>
                 </a:solidFill>
               </a:rPr>
               <a:t>https://www.geeksforgeeks.org/when-should-flask-g-be-used/</a:t>
             </a:r>
-            <a:endParaRPr>
+            <a:endParaRPr dirty="0">
               <a:solidFill>
                 <a:schemeClr val="dk1"/>
               </a:solidFill>
@@ -2866,7 +2947,7 @@
               <a:buSzPts val="1100"/>
               <a:buNone/>
             </a:pPr>
-            <a:endParaRPr/>
+            <a:endParaRPr dirty="0"/>
           </a:p>
         </p:txBody>
       </p:sp>
@@ -9170,7 +9251,7 @@
               <a:buNone/>
             </a:pPr>
             <a:r>
-              <a:rPr lang="es-419" dirty="0" err="1"/>
+              <a:rPr lang="es-419" dirty="0"/>
               <a:t>Flask</a:t>
             </a:r>
             <a:br>
@@ -9227,10 +9308,10 @@
               <a:buNone/>
             </a:pPr>
             <a:r>
-              <a:rPr lang="es-419"/>
+              <a:rPr lang="es-419" dirty="0"/>
               <a:t>Flask: Introducción</a:t>
             </a:r>
-            <a:endParaRPr/>
+            <a:endParaRPr dirty="0"/>
           </a:p>
         </p:txBody>
       </p:sp>
@@ -9302,7 +9383,7 @@
               <a:buNone/>
             </a:pPr>
             <a:r>
-              <a:rPr lang="es-419" sz="1300" b="1" i="0" u="none" strike="noStrike" cap="none">
+              <a:rPr lang="es-419" sz="1300" b="1" i="0" u="none" strike="noStrike" cap="none" dirty="0">
                 <a:solidFill>
                   <a:srgbClr val="000000"/>
                 </a:solidFill>
@@ -9311,9 +9392,21 @@
                 <a:cs typeface="Montserrat"/>
                 <a:sym typeface="Montserrat"/>
               </a:rPr>
-              <a:t>Instalación de flask</a:t>
-            </a:r>
-            <a:endParaRPr sz="1300" b="0" i="0" u="none" strike="noStrike" cap="none">
+              <a:t>Instalación de </a:t>
+            </a:r>
+            <a:r>
+              <a:rPr lang="es-419" sz="1300" b="1" i="0" u="none" strike="noStrike" cap="none" dirty="0" err="1">
+                <a:solidFill>
+                  <a:srgbClr val="000000"/>
+                </a:solidFill>
+                <a:latin typeface="Montserrat"/>
+                <a:ea typeface="Montserrat"/>
+                <a:cs typeface="Montserrat"/>
+                <a:sym typeface="Montserrat"/>
+              </a:rPr>
+              <a:t>flask</a:t>
+            </a:r>
+            <a:endParaRPr sz="1300" b="0" i="0" u="none" strike="noStrike" cap="none" dirty="0">
               <a:solidFill>
                 <a:srgbClr val="000000"/>
               </a:solidFill>
@@ -9395,7 +9488,7 @@
               <a:buNone/>
             </a:pPr>
             <a:r>
-              <a:rPr lang="es-419" sz="1400" b="0" i="1" u="none" strike="noStrike" cap="none">
+              <a:rPr lang="es-419" sz="1400" b="0" i="1" u="none" strike="noStrike" cap="none" dirty="0" err="1">
                 <a:solidFill>
                   <a:srgbClr val="0C4B33"/>
                 </a:solidFill>
@@ -9404,9 +9497,57 @@
                 <a:cs typeface="Arial"/>
                 <a:sym typeface="Arial"/>
               </a:rPr>
-              <a:t>pip install flask</a:t>
-            </a:r>
-            <a:endParaRPr sz="1400" b="0" i="0" u="none" strike="noStrike" cap="none">
+              <a:t>pip</a:t>
+            </a:r>
+            <a:r>
+              <a:rPr lang="es-419" sz="1400" b="0" i="1" u="none" strike="noStrike" cap="none" dirty="0">
+                <a:solidFill>
+                  <a:srgbClr val="0C4B33"/>
+                </a:solidFill>
+                <a:latin typeface="Arial"/>
+                <a:ea typeface="Arial"/>
+                <a:cs typeface="Arial"/>
+                <a:sym typeface="Arial"/>
+              </a:rPr>
+              <a:t> </a:t>
+            </a:r>
+            <a:r>
+              <a:rPr lang="es-419" sz="1400" b="0" i="1" u="none" strike="noStrike" cap="none" dirty="0" err="1">
+                <a:solidFill>
+                  <a:srgbClr val="0C4B33"/>
+                </a:solidFill>
+                <a:latin typeface="Arial"/>
+                <a:ea typeface="Arial"/>
+                <a:cs typeface="Arial"/>
+                <a:sym typeface="Arial"/>
+              </a:rPr>
+              <a:t>install</a:t>
+            </a:r>
+            <a:r>
+              <a:rPr lang="es-419" sz="1400" b="0" i="1" u="none" strike="noStrike" cap="none" dirty="0">
+                <a:solidFill>
+                  <a:srgbClr val="0C4B33"/>
+                </a:solidFill>
+                <a:latin typeface="Arial"/>
+                <a:ea typeface="Arial"/>
+                <a:cs typeface="Arial"/>
+                <a:sym typeface="Arial"/>
+              </a:rPr>
+              <a:t> </a:t>
+            </a:r>
+            <a:r>
+              <a:rPr lang="es-419" sz="1400" b="0" i="1" u="none" strike="noStrike" cap="none" dirty="0" err="1">
+                <a:solidFill>
+                  <a:srgbClr val="0C4B33"/>
+                </a:solidFill>
+                <a:latin typeface="Arial"/>
+                <a:ea typeface="Arial"/>
+                <a:cs typeface="Arial"/>
+                <a:sym typeface="Arial"/>
+              </a:rPr>
+              <a:t>flask</a:t>
+            </a:r>
+            <a:endParaRPr sz="1400" b="0" i="0" u="none" strike="noStrike" cap="none" dirty="0">
               <a:solidFill>
                 <a:srgbClr val="000000"/>
               </a:solidFill>
@@ -10265,7 +10406,7 @@
               <a:buNone/>
             </a:pPr>
             <a:r>
-              <a:rPr lang="es-419" sz="2500" b="1" i="0" u="none" strike="noStrike" cap="none">
+              <a:rPr lang="es-419" sz="2500" b="1" i="0" u="none" strike="noStrike" cap="none" dirty="0">
                 <a:solidFill>
                   <a:srgbClr val="333333"/>
                 </a:solidFill>
@@ -10276,7 +10417,7 @@
               </a:rPr>
               <a:t>Estructura de directorios Flask</a:t>
             </a:r>
-            <a:endParaRPr sz="2500" b="1" i="0" u="none" strike="noStrike" cap="none">
+            <a:endParaRPr sz="2500" b="1" i="0" u="none" strike="noStrike" cap="none" dirty="0">
               <a:solidFill>
                 <a:srgbClr val="333333"/>
               </a:solidFill>
@@ -10331,7 +10472,7 @@
               <a:buNone/>
             </a:pPr>
             <a:r>
-              <a:rPr lang="es-419" sz="900" b="1" i="0" u="none" strike="noStrike" cap="none">
+              <a:rPr lang="es-419" sz="900" b="1" i="0" u="none" strike="noStrike" cap="none" dirty="0">
                 <a:solidFill>
                   <a:srgbClr val="000000"/>
                 </a:solidFill>
@@ -10343,7 +10484,7 @@
               <a:t>app/: </a:t>
             </a:r>
             <a:r>
-              <a:rPr lang="es-419" sz="900" b="0" i="0" u="none" strike="noStrike" cap="none">
+              <a:rPr lang="es-419" sz="900" b="0" i="0" u="none" strike="noStrike" cap="none" dirty="0">
                 <a:solidFill>
                   <a:srgbClr val="000000"/>
                 </a:solidFill>
@@ -10354,7 +10495,7 @@
               </a:rPr>
               <a:t>Carpeta principal de la aplicación.</a:t>
             </a:r>
-            <a:endParaRPr sz="1400" b="0" i="0" u="none" strike="noStrike" cap="none">
+            <a:endParaRPr sz="1400" b="0" i="0" u="none" strike="noStrike" cap="none" dirty="0">
               <a:solidFill>
                 <a:srgbClr val="000000"/>
               </a:solidFill>
@@ -10382,7 +10523,7 @@
               <a:buFont typeface="Arial"/>
               <a:buNone/>
             </a:pPr>
-            <a:endParaRPr sz="900" b="0" i="0" u="none" strike="noStrike" cap="none">
+            <a:endParaRPr sz="900" b="0" i="0" u="none" strike="noStrike" cap="none" dirty="0">
               <a:solidFill>
                 <a:srgbClr val="000000"/>
               </a:solidFill>
@@ -10411,7 +10552,7 @@
               <a:buNone/>
             </a:pPr>
             <a:r>
-              <a:rPr lang="es-419" sz="900" b="1" i="0" u="none" strike="noStrike" cap="none">
+              <a:rPr lang="es-419" sz="900" b="1" i="0" u="none" strike="noStrike" cap="none" dirty="0">
                 <a:solidFill>
                   <a:srgbClr val="000000"/>
                 </a:solidFill>
@@ -10423,7 +10564,7 @@
               <a:t>__init__.py: </a:t>
             </a:r>
             <a:r>
-              <a:rPr lang="es-419" sz="900" b="0" i="0" u="none" strike="noStrike" cap="none">
+              <a:rPr lang="es-419" sz="900" b="0" i="0" u="none" strike="noStrike" cap="none" dirty="0">
                 <a:solidFill>
                   <a:srgbClr val="000000"/>
                 </a:solidFill>
@@ -10434,7 +10575,7 @@
               </a:rPr>
               <a:t>Un archivo vacío que le indica a Python que este directorio debería ser considerado como un paquete Python.</a:t>
             </a:r>
-            <a:endParaRPr sz="1400" b="0" i="0" u="none" strike="noStrike" cap="none">
+            <a:endParaRPr sz="1400" b="0" i="0" u="none" strike="noStrike" cap="none" dirty="0">
               <a:solidFill>
                 <a:srgbClr val="000000"/>
               </a:solidFill>
@@ -10462,7 +10603,7 @@
               <a:buFont typeface="Arial"/>
               <a:buNone/>
             </a:pPr>
-            <a:endParaRPr sz="900" b="0" i="0" u="none" strike="noStrike" cap="none">
+            <a:endParaRPr sz="900" b="0" i="0" u="none" strike="noStrike" cap="none" dirty="0">
               <a:solidFill>
                 <a:srgbClr val="000000"/>
               </a:solidFill>
@@ -10491,7 +10632,7 @@
               <a:buNone/>
             </a:pPr>
             <a:r>
-              <a:rPr lang="es-419" sz="900" b="1" i="0" u="none" strike="noStrike" cap="none">
+              <a:rPr lang="es-419" sz="900" b="1" i="0" u="none" strike="noStrike" cap="none" dirty="0">
                 <a:solidFill>
                   <a:srgbClr val="000000"/>
                 </a:solidFill>
@@ -10503,7 +10644,7 @@
               <a:t>views.py: </a:t>
             </a:r>
             <a:r>
-              <a:rPr lang="es-419" sz="900" b="0" i="0" u="none" strike="noStrike" cap="none">
+              <a:rPr lang="es-419" sz="900" b="0" i="0" u="none" strike="noStrike" cap="none" dirty="0">
                 <a:solidFill>
                   <a:srgbClr val="000000"/>
                 </a:solidFill>
@@ -10512,9 +10653,33 @@
                 <a:cs typeface="Montserrat Medium"/>
                 <a:sym typeface="Montserrat Medium"/>
               </a:rPr>
-              <a:t>define las rutas y la logica de negocio de la aplicación.</a:t>
-            </a:r>
-            <a:endParaRPr sz="1400" b="0" i="0" u="none" strike="noStrike" cap="none">
+              <a:t>define las rutas y la </a:t>
+            </a:r>
+            <a:r>
+              <a:rPr lang="es-419" sz="900" b="0" i="0" u="none" strike="noStrike" cap="none" dirty="0" err="1">
+                <a:solidFill>
+                  <a:srgbClr val="000000"/>
+                </a:solidFill>
+                <a:latin typeface="Montserrat Medium"/>
+                <a:ea typeface="Montserrat Medium"/>
+                <a:cs typeface="Montserrat Medium"/>
+                <a:sym typeface="Montserrat Medium"/>
+              </a:rPr>
+              <a:t>logica</a:t>
+            </a:r>
+            <a:r>
+              <a:rPr lang="es-419" sz="900" b="0" i="0" u="none" strike="noStrike" cap="none" dirty="0">
+                <a:solidFill>
+                  <a:srgbClr val="000000"/>
+                </a:solidFill>
+                <a:latin typeface="Montserrat Medium"/>
+                <a:ea typeface="Montserrat Medium"/>
+                <a:cs typeface="Montserrat Medium"/>
+                <a:sym typeface="Montserrat Medium"/>
+              </a:rPr>
+              <a:t> de negocio de la aplicación.</a:t>
+            </a:r>
+            <a:endParaRPr sz="1400" b="0" i="0" u="none" strike="noStrike" cap="none" dirty="0">
               <a:solidFill>
                 <a:srgbClr val="000000"/>
               </a:solidFill>
@@ -10542,7 +10707,7 @@
               <a:buFont typeface="Arial"/>
               <a:buNone/>
             </a:pPr>
-            <a:endParaRPr sz="900" b="0" i="0" u="none" strike="noStrike" cap="none">
+            <a:endParaRPr sz="900" b="0" i="0" u="none" strike="noStrike" cap="none" dirty="0">
               <a:solidFill>
                 <a:srgbClr val="000000"/>
               </a:solidFill>
@@ -10571,7 +10736,7 @@
               <a:buNone/>
             </a:pPr>
             <a:r>
-              <a:rPr lang="es-419" sz="900" b="1" i="0" u="none" strike="noStrike" cap="none">
+              <a:rPr lang="es-419" sz="900" b="1" i="0" u="none" strike="noStrike" cap="none" dirty="0">
                 <a:solidFill>
                   <a:srgbClr val="000000"/>
                 </a:solidFill>
@@ -10583,7 +10748,7 @@
               <a:t>models.py:</a:t>
             </a:r>
             <a:r>
-              <a:rPr lang="es-419" sz="900" b="0" i="0" u="none" strike="noStrike" cap="none">
+              <a:rPr lang="es-419" sz="900" b="0" i="0" u="none" strike="noStrike" cap="none" dirty="0">
                 <a:solidFill>
                   <a:srgbClr val="000000"/>
                 </a:solidFill>
@@ -10594,7 +10759,7 @@
               </a:rPr>
               <a:t> define los modelos de datos que se implementaran en la aplicación.</a:t>
             </a:r>
-            <a:endParaRPr sz="1400" b="0" i="0" u="none" strike="noStrike" cap="none">
+            <a:endParaRPr sz="1400" b="0" i="0" u="none" strike="noStrike" cap="none" dirty="0">
               <a:solidFill>
                 <a:srgbClr val="000000"/>
               </a:solidFill>
@@ -10622,7 +10787,7 @@
               <a:buFont typeface="Arial"/>
               <a:buNone/>
             </a:pPr>
-            <a:endParaRPr sz="900" b="0" i="0" u="none" strike="noStrike" cap="none">
+            <a:endParaRPr sz="900" b="0" i="0" u="none" strike="noStrike" cap="none" dirty="0">
               <a:solidFill>
                 <a:srgbClr val="000000"/>
               </a:solidFill>
@@ -10651,7 +10816,7 @@
               <a:buNone/>
             </a:pPr>
             <a:r>
-              <a:rPr lang="es-419" sz="900" b="1" i="0" u="none" strike="noStrike" cap="none">
+              <a:rPr lang="es-419" sz="900" b="1" i="0" u="none" strike="noStrike" cap="none" dirty="0">
                 <a:solidFill>
                   <a:srgbClr val="000000"/>
                 </a:solidFill>
@@ -10663,7 +10828,7 @@
               <a:t>database.py:</a:t>
             </a:r>
             <a:r>
-              <a:rPr lang="es-419" sz="900" b="0" i="0" u="none" strike="noStrike" cap="none">
+              <a:rPr lang="es-419" sz="900" b="0" i="0" u="none" strike="noStrike" cap="none" dirty="0">
                 <a:solidFill>
                   <a:srgbClr val="000000"/>
                 </a:solidFill>
@@ -10674,7 +10839,7 @@
               </a:rPr>
               <a:t> Contiene la configuración de la base de datos.</a:t>
             </a:r>
-            <a:endParaRPr sz="1400" b="0" i="0" u="none" strike="noStrike" cap="none">
+            <a:endParaRPr sz="1400" b="0" i="0" u="none" strike="noStrike" cap="none" dirty="0">
               <a:solidFill>
                 <a:srgbClr val="000000"/>
               </a:solidFill>
@@ -10702,7 +10867,7 @@
               <a:buFont typeface="Arial"/>
               <a:buNone/>
             </a:pPr>
-            <a:endParaRPr sz="900" b="0" i="0" u="none" strike="noStrike" cap="none">
+            <a:endParaRPr sz="900" b="0" i="0" u="none" strike="noStrike" cap="none" dirty="0">
               <a:solidFill>
                 <a:srgbClr val="000000"/>
               </a:solidFill>
@@ -10731,7 +10896,7 @@
               <a:buNone/>
             </a:pPr>
             <a:r>
-              <a:rPr lang="es-419" sz="900" b="1" i="0" u="none" strike="noStrike" cap="none">
+              <a:rPr lang="es-419" sz="900" b="1" i="0" u="none" strike="noStrike" cap="none" dirty="0" err="1">
                 <a:solidFill>
                   <a:srgbClr val="000000"/>
                 </a:solidFill>
@@ -10740,10 +10905,10 @@
                 <a:cs typeface="Montserrat Medium"/>
                 <a:sym typeface="Montserrat Medium"/>
               </a:rPr>
-              <a:t>venv/: </a:t>
-            </a:r>
-            <a:r>
-              <a:rPr lang="es-419" sz="900" b="0" i="0" u="none" strike="noStrike" cap="none">
+              <a:t>venv</a:t>
+            </a:r>
+            <a:r>
+              <a:rPr lang="es-419" sz="900" b="1" i="0" u="none" strike="noStrike" cap="none" dirty="0">
                 <a:solidFill>
                   <a:srgbClr val="000000"/>
                 </a:solidFill>
@@ -10752,9 +10917,21 @@
                 <a:cs typeface="Montserrat Medium"/>
                 <a:sym typeface="Montserrat Medium"/>
               </a:rPr>
-              <a:t>entorno virtual</a:t>
-            </a:r>
-            <a:endParaRPr sz="900" b="0" i="0" u="none" strike="noStrike" cap="none">
+              <a:t>/: </a:t>
+            </a:r>
+            <a:r>
+              <a:rPr lang="es-419" sz="900" b="0" i="0" u="none" strike="noStrike" cap="none" dirty="0">
+                <a:solidFill>
+                  <a:srgbClr val="000000"/>
+                </a:solidFill>
+                <a:latin typeface="Montserrat Medium"/>
+                <a:ea typeface="Montserrat Medium"/>
+                <a:cs typeface="Montserrat Medium"/>
+                <a:sym typeface="Montserrat Medium"/>
+              </a:rPr>
+              <a:t>entorno virtual (NO VA)</a:t>
+            </a:r>
+            <a:endParaRPr sz="900" b="0" i="0" u="none" strike="noStrike" cap="none" dirty="0">
               <a:solidFill>
                 <a:srgbClr val="000000"/>
               </a:solidFill>
@@ -10782,7 +10959,7 @@
               <a:buFont typeface="Arial"/>
               <a:buNone/>
             </a:pPr>
-            <a:endParaRPr sz="900" b="0" i="0" u="none" strike="noStrike" cap="none">
+            <a:endParaRPr sz="900" b="0" i="0" u="none" strike="noStrike" cap="none" dirty="0">
               <a:solidFill>
                 <a:srgbClr val="000000"/>
               </a:solidFill>
@@ -10811,7 +10988,7 @@
               <a:buNone/>
             </a:pPr>
             <a:r>
-              <a:rPr lang="es-419" sz="900" b="1" i="0" u="none" strike="noStrike" cap="none">
+              <a:rPr lang="es-419" sz="900" b="1" i="0" u="none" strike="noStrike" cap="none" dirty="0">
                 <a:solidFill>
                   <a:srgbClr val="000000"/>
                 </a:solidFill>
@@ -10823,7 +11000,7 @@
               <a:t>run.py:</a:t>
             </a:r>
             <a:r>
-              <a:rPr lang="es-419" sz="900" b="0" i="0" u="none" strike="noStrike" cap="none">
+              <a:rPr lang="es-419" sz="900" b="0" i="0" u="none" strike="noStrike" cap="none" dirty="0">
                 <a:solidFill>
                   <a:srgbClr val="000000"/>
                 </a:solidFill>
@@ -10834,7 +11011,7 @@
               </a:rPr>
               <a:t> Script para ejecutar la aplicación.</a:t>
             </a:r>
-            <a:endParaRPr sz="1400" b="0" i="0" u="none" strike="noStrike" cap="none">
+            <a:endParaRPr sz="1400" b="0" i="0" u="none" strike="noStrike" cap="none" dirty="0">
               <a:solidFill>
                 <a:srgbClr val="000000"/>
               </a:solidFill>
@@ -10862,7 +11039,7 @@
               <a:buFont typeface="Arial"/>
               <a:buNone/>
             </a:pPr>
-            <a:endParaRPr sz="900" b="0" i="0" u="none" strike="noStrike" cap="none">
+            <a:endParaRPr sz="900" b="0" i="0" u="none" strike="noStrike" cap="none" dirty="0">
               <a:solidFill>
                 <a:srgbClr val="000000"/>
               </a:solidFill>
@@ -10891,7 +11068,7 @@
               <a:buNone/>
             </a:pPr>
             <a:r>
-              <a:rPr lang="es-419" sz="900" b="1" i="0" u="none" strike="noStrike" cap="none">
+              <a:rPr lang="es-419" sz="900" b="1" i="0" u="none" strike="noStrike" cap="none" dirty="0">
                 <a:solidFill>
                   <a:srgbClr val="000000"/>
                 </a:solidFill>
@@ -10903,7 +11080,7 @@
               <a:t>requirements.txt:</a:t>
             </a:r>
             <a:r>
-              <a:rPr lang="es-419" sz="900" b="0" i="0" u="none" strike="noStrike" cap="none">
+              <a:rPr lang="es-419" sz="900" b="0" i="0" u="none" strike="noStrike" cap="none" dirty="0">
                 <a:solidFill>
                   <a:srgbClr val="000000"/>
                 </a:solidFill>
@@ -10914,7 +11091,7 @@
               </a:rPr>
               <a:t> Archivo que contiene la lista de dependencias del proyecto.</a:t>
             </a:r>
-            <a:endParaRPr sz="1400" b="0" i="0" u="none" strike="noStrike" cap="none">
+            <a:endParaRPr sz="1400" b="0" i="0" u="none" strike="noStrike" cap="none" dirty="0">
               <a:solidFill>
                 <a:srgbClr val="000000"/>
               </a:solidFill>
@@ -10942,7 +11119,7 @@
               <a:buFont typeface="Arial"/>
               <a:buNone/>
             </a:pPr>
-            <a:endParaRPr sz="900" b="0" i="0" u="none" strike="noStrike" cap="none">
+            <a:endParaRPr sz="900" b="0" i="0" u="none" strike="noStrike" cap="none" dirty="0">
               <a:solidFill>
                 <a:srgbClr val="000000"/>
               </a:solidFill>
@@ -10971,7 +11148,7 @@
               <a:buNone/>
             </a:pPr>
             <a:r>
-              <a:rPr lang="es-419" sz="900" b="1" i="0" u="none" strike="noStrike" cap="none">
+              <a:rPr lang="es-419" sz="900" b="1" i="0" u="none" strike="noStrike" cap="none" dirty="0">
                 <a:solidFill>
                   <a:srgbClr val="000000"/>
                 </a:solidFill>
@@ -10980,10 +11157,10 @@
                 <a:cs typeface="Montserrat Medium"/>
                 <a:sym typeface="Montserrat Medium"/>
               </a:rPr>
-              <a:t>.env: </a:t>
-            </a:r>
-            <a:r>
-              <a:rPr lang="es-419" sz="900" b="0" i="0" u="none" strike="noStrike" cap="none">
+              <a:t>.</a:t>
+            </a:r>
+            <a:r>
+              <a:rPr lang="es-419" sz="900" b="1" i="0" u="none" strike="noStrike" cap="none" dirty="0" err="1">
                 <a:solidFill>
                   <a:srgbClr val="000000"/>
                 </a:solidFill>
@@ -10992,9 +11169,33 @@
                 <a:cs typeface="Montserrat Medium"/>
                 <a:sym typeface="Montserrat Medium"/>
               </a:rPr>
+              <a:t>env</a:t>
+            </a:r>
+            <a:r>
+              <a:rPr lang="es-419" sz="900" b="1" i="0" u="none" strike="noStrike" cap="none" dirty="0">
+                <a:solidFill>
+                  <a:srgbClr val="000000"/>
+                </a:solidFill>
+                <a:latin typeface="Montserrat Medium"/>
+                <a:ea typeface="Montserrat Medium"/>
+                <a:cs typeface="Montserrat Medium"/>
+                <a:sym typeface="Montserrat Medium"/>
+              </a:rPr>
+              <a:t>: </a:t>
+            </a:r>
+            <a:r>
+              <a:rPr lang="es-419" sz="900" b="0" i="0" u="none" strike="noStrike" cap="none" dirty="0">
+                <a:solidFill>
+                  <a:srgbClr val="000000"/>
+                </a:solidFill>
+                <a:latin typeface="Montserrat Medium"/>
+                <a:ea typeface="Montserrat Medium"/>
+                <a:cs typeface="Montserrat Medium"/>
+                <a:sym typeface="Montserrat Medium"/>
+              </a:rPr>
               <a:t>archivo que contiene la definición de las variables de entornos del proyecto. </a:t>
             </a:r>
-            <a:endParaRPr sz="1400" b="0" i="0" u="none" strike="noStrike" cap="none">
+            <a:endParaRPr sz="1400" b="0" i="0" u="none" strike="noStrike" cap="none" dirty="0">
               <a:solidFill>
                 <a:srgbClr val="000000"/>
               </a:solidFill>
@@ -11022,7 +11223,7 @@
               <a:buFont typeface="Arial"/>
               <a:buNone/>
             </a:pPr>
-            <a:endParaRPr sz="900" b="0" i="0" u="none" strike="noStrike" cap="none">
+            <a:endParaRPr sz="900" b="0" i="0" u="none" strike="noStrike" cap="none" dirty="0">
               <a:solidFill>
                 <a:srgbClr val="000000"/>
               </a:solidFill>
@@ -11050,7 +11251,7 @@
               <a:buFont typeface="Arial"/>
               <a:buNone/>
             </a:pPr>
-            <a:endParaRPr sz="900" b="0" i="0" u="none" strike="noStrike" cap="none">
+            <a:endParaRPr sz="900" b="0" i="0" u="none" strike="noStrike" cap="none" dirty="0">
               <a:solidFill>
                 <a:srgbClr val="000000"/>
               </a:solidFill>
@@ -11223,7 +11424,7 @@
               <a:buNone/>
             </a:pPr>
             <a:r>
-              <a:rPr lang="es-419" sz="1400" b="0" i="0" u="none" strike="noStrike" cap="none">
+              <a:rPr lang="es-419" sz="1400" b="0" i="0" u="none" strike="noStrike" cap="none" dirty="0">
                 <a:solidFill>
                   <a:srgbClr val="000000"/>
                 </a:solidFill>
@@ -11232,9 +11433,33 @@
                 <a:cs typeface="Montserrat Medium"/>
                 <a:sym typeface="Montserrat Medium"/>
               </a:rPr>
-              <a:t>Para completar el ejemplo anterior, en el archivo controllers.py de la aplicación deberemos crear una nueva función index, que retorna una respuesta del tipo JSON. Posteriormente en el archivo run.py, creamos nuestra aplicación Flask y asociamos la función del controlador con una ruta y un método HTTP.</a:t>
-            </a:r>
-            <a:endParaRPr sz="1400" b="0" i="0" u="none" strike="noStrike" cap="none">
+              <a:t>Para completar el ejemplo anterior, en el archivo controllers.py de la aplicación deberemos crear una nueva función </a:t>
+            </a:r>
+            <a:r>
+              <a:rPr lang="es-419" sz="1400" b="0" i="0" u="none" strike="noStrike" cap="none" dirty="0" err="1">
+                <a:solidFill>
+                  <a:srgbClr val="000000"/>
+                </a:solidFill>
+                <a:latin typeface="Montserrat Medium"/>
+                <a:ea typeface="Montserrat Medium"/>
+                <a:cs typeface="Montserrat Medium"/>
+                <a:sym typeface="Montserrat Medium"/>
+              </a:rPr>
+              <a:t>index</a:t>
+            </a:r>
+            <a:r>
+              <a:rPr lang="es-419" sz="1400" b="0" i="0" u="none" strike="noStrike" cap="none" dirty="0">
+                <a:solidFill>
+                  <a:srgbClr val="000000"/>
+                </a:solidFill>
+                <a:latin typeface="Montserrat Medium"/>
+                <a:ea typeface="Montserrat Medium"/>
+                <a:cs typeface="Montserrat Medium"/>
+                <a:sym typeface="Montserrat Medium"/>
+              </a:rPr>
+              <a:t>, que retorna una respuesta del tipo JSON. Posteriormente en el archivo run.py, creamos nuestra aplicación Flask y asociamos la función del controlador con una ruta y un método HTTP.</a:t>
+            </a:r>
+            <a:endParaRPr sz="1400" b="0" i="0" u="none" strike="noStrike" cap="none" dirty="0">
               <a:solidFill>
                 <a:srgbClr val="000000"/>
               </a:solidFill>
@@ -11291,7 +11516,7 @@
               <a:buNone/>
             </a:pPr>
             <a:r>
-              <a:rPr lang="es-419" sz="1400" b="0" i="0" u="none" strike="noStrike" cap="none">
+              <a:rPr lang="es-419" sz="1400" b="0" i="0" u="none" strike="noStrike" cap="none" dirty="0" err="1">
                 <a:solidFill>
                   <a:srgbClr val="C792EA"/>
                 </a:solidFill>
@@ -11306,7 +11531,7 @@
               <a:t>from</a:t>
             </a:r>
             <a:r>
-              <a:rPr lang="es-419" sz="1400" b="0" i="0" u="none" strike="noStrike" cap="none">
+              <a:rPr lang="es-419" sz="1400" b="0" i="0" u="none" strike="noStrike" cap="none" dirty="0">
                 <a:solidFill>
                   <a:srgbClr val="BFC7D5"/>
                 </a:solidFill>
@@ -11318,10 +11543,40 @@
                 <a:cs typeface="Consolas"/>
                 <a:sym typeface="Consolas"/>
               </a:rPr>
-              <a:t> flask </a:t>
-            </a:r>
-            <a:r>
-              <a:rPr lang="es-419" sz="1400" b="0" i="0" u="none" strike="noStrike" cap="none">
+              <a:t> </a:t>
+            </a:r>
+            <a:r>
+              <a:rPr lang="es-419" sz="1400" b="0" i="0" u="none" strike="noStrike" cap="none" dirty="0" err="1">
+                <a:solidFill>
+                  <a:srgbClr val="BFC7D5"/>
+                </a:solidFill>
+                <a:highlight>
+                  <a:srgbClr val="292D3E"/>
+                </a:highlight>
+                <a:latin typeface="Consolas"/>
+                <a:ea typeface="Consolas"/>
+                <a:cs typeface="Consolas"/>
+                <a:sym typeface="Consolas"/>
+              </a:rPr>
+              <a:t>flask</a:t>
+            </a:r>
+            <a:r>
+              <a:rPr lang="es-419" sz="1400" b="0" i="0" u="none" strike="noStrike" cap="none" dirty="0">
+                <a:solidFill>
+                  <a:srgbClr val="BFC7D5"/>
+                </a:solidFill>
+                <a:highlight>
+                  <a:srgbClr val="292D3E"/>
+                </a:highlight>
+                <a:latin typeface="Consolas"/>
+                <a:ea typeface="Consolas"/>
+                <a:cs typeface="Consolas"/>
+                <a:sym typeface="Consolas"/>
+              </a:rPr>
+              <a:t> </a:t>
+            </a:r>
+            <a:r>
+              <a:rPr lang="es-419" sz="1400" b="0" i="0" u="none" strike="noStrike" cap="none" dirty="0" err="1">
                 <a:solidFill>
                   <a:srgbClr val="C792EA"/>
                 </a:solidFill>
@@ -11336,7 +11591,7 @@
               <a:t>import</a:t>
             </a:r>
             <a:r>
-              <a:rPr lang="es-419" sz="1400" b="0" i="0" u="none" strike="noStrike" cap="none">
+              <a:rPr lang="es-419" sz="1400" b="0" i="0" u="none" strike="noStrike" cap="none" dirty="0">
                 <a:solidFill>
                   <a:srgbClr val="BFC7D5"/>
                 </a:solidFill>
@@ -11348,9 +11603,24 @@
                 <a:cs typeface="Consolas"/>
                 <a:sym typeface="Consolas"/>
               </a:rPr>
-              <a:t> jsonify</a:t>
-            </a:r>
-            <a:endParaRPr sz="1400" b="0" i="0" u="none" strike="noStrike" cap="none">
+              <a:t> </a:t>
+            </a:r>
+            <a:r>
+              <a:rPr lang="es-419" sz="1400" b="0" i="0" u="none" strike="noStrike" cap="none" dirty="0" err="1">
+                <a:solidFill>
+                  <a:srgbClr val="BFC7D5"/>
+                </a:solidFill>
+                <a:highlight>
+                  <a:srgbClr val="292D3E"/>
+                </a:highlight>
+                <a:latin typeface="Consolas"/>
+                <a:ea typeface="Consolas"/>
+                <a:cs typeface="Consolas"/>
+                <a:sym typeface="Consolas"/>
+              </a:rPr>
+              <a:t>jsonify</a:t>
+            </a:r>
+            <a:endParaRPr sz="1400" b="0" i="0" u="none" strike="noStrike" cap="none" dirty="0">
               <a:solidFill>
                 <a:srgbClr val="BFC7D5"/>
               </a:solidFill>
@@ -11382,7 +11652,7 @@
               <a:buNone/>
             </a:pPr>
             <a:br>
-              <a:rPr lang="es-419" sz="1400" b="0" i="0" u="none" strike="noStrike" cap="none">
+              <a:rPr lang="es-419" sz="1400" b="0" i="0" u="none" strike="noStrike" cap="none" dirty="0">
                 <a:solidFill>
                   <a:srgbClr val="BFC7D5"/>
                 </a:solidFill>
@@ -11396,7 +11666,7 @@
               </a:rPr>
             </a:br>
             <a:r>
-              <a:rPr lang="es-419" sz="1400" b="0" i="0" u="none" strike="noStrike" cap="none">
+              <a:rPr lang="es-419" sz="1400" b="0" i="0" u="none" strike="noStrike" cap="none" dirty="0" err="1">
                 <a:solidFill>
                   <a:srgbClr val="C792EA"/>
                 </a:solidFill>
@@ -11411,7 +11681,7 @@
               <a:t>def</a:t>
             </a:r>
             <a:r>
-              <a:rPr lang="es-419" sz="1400" b="0" i="0" u="none" strike="noStrike" cap="none">
+              <a:rPr lang="es-419" sz="1400" b="0" i="0" u="none" strike="noStrike" cap="none" dirty="0">
                 <a:solidFill>
                   <a:srgbClr val="BFC7D5"/>
                 </a:solidFill>
@@ -11426,7 +11696,7 @@
               <a:t> </a:t>
             </a:r>
             <a:r>
-              <a:rPr lang="es-419" sz="1400" b="0" i="0" u="none" strike="noStrike" cap="none">
+              <a:rPr lang="es-419" sz="1400" b="0" i="0" u="none" strike="noStrike" cap="none" dirty="0" err="1">
                 <a:solidFill>
                   <a:srgbClr val="82AAFF"/>
                 </a:solidFill>
@@ -11441,7 +11711,7 @@
               <a:t>index</a:t>
             </a:r>
             <a:r>
-              <a:rPr lang="es-419" sz="1400" b="0" i="0" u="none" strike="noStrike" cap="none">
+              <a:rPr lang="es-419" sz="1400" b="0" i="0" u="none" strike="noStrike" cap="none" dirty="0">
                 <a:solidFill>
                   <a:srgbClr val="D9F5DD"/>
                 </a:solidFill>
@@ -11456,7 +11726,7 @@
               <a:t>()</a:t>
             </a:r>
             <a:r>
-              <a:rPr lang="es-419" sz="1400" b="0" i="0" u="none" strike="noStrike" cap="none">
+              <a:rPr lang="es-419" sz="1400" b="0" i="0" u="none" strike="noStrike" cap="none" dirty="0">
                 <a:solidFill>
                   <a:srgbClr val="BFC7D5"/>
                 </a:solidFill>
@@ -11470,7 +11740,7 @@
               </a:rPr>
               <a:t>:</a:t>
             </a:r>
-            <a:endParaRPr sz="1400" b="0" i="0" u="none" strike="noStrike" cap="none">
+            <a:endParaRPr sz="1400" b="0" i="0" u="none" strike="noStrike" cap="none" dirty="0">
               <a:solidFill>
                 <a:srgbClr val="000000"/>
               </a:solidFill>
@@ -11499,7 +11769,7 @@
               <a:buNone/>
             </a:pPr>
             <a:r>
-              <a:rPr lang="es-419" sz="1400" b="0" i="0" u="none" strike="noStrike" cap="none">
+              <a:rPr lang="es-419" sz="1400" b="0" i="0" u="none" strike="noStrike" cap="none" dirty="0">
                 <a:solidFill>
                   <a:srgbClr val="BFC7D5"/>
                 </a:solidFill>
@@ -11514,7 +11784,7 @@
               <a:t>    </a:t>
             </a:r>
             <a:r>
-              <a:rPr lang="es-419" sz="1400" b="0" i="0" u="none" strike="noStrike" cap="none">
+              <a:rPr lang="es-419" sz="1400" b="0" i="0" u="none" strike="noStrike" cap="none" dirty="0" err="1">
                 <a:solidFill>
                   <a:srgbClr val="C792EA"/>
                 </a:solidFill>
@@ -11529,7 +11799,7 @@
               <a:t>return</a:t>
             </a:r>
             <a:r>
-              <a:rPr lang="es-419" sz="1400" b="0" i="0" u="none" strike="noStrike" cap="none">
+              <a:rPr lang="es-419" sz="1400" b="0" i="0" u="none" strike="noStrike" cap="none" dirty="0">
                 <a:solidFill>
                   <a:srgbClr val="BFC7D5"/>
                 </a:solidFill>
@@ -11544,7 +11814,7 @@
               <a:t> </a:t>
             </a:r>
             <a:r>
-              <a:rPr lang="es-419" sz="1400" b="0" i="0" u="none" strike="noStrike" cap="none">
+              <a:rPr lang="es-419" sz="1400" b="0" i="0" u="none" strike="noStrike" cap="none" dirty="0" err="1">
                 <a:solidFill>
                   <a:srgbClr val="B2CCD6"/>
                 </a:solidFill>
@@ -11559,7 +11829,7 @@
               <a:t>jsonify</a:t>
             </a:r>
             <a:r>
-              <a:rPr lang="es-419" sz="1400" b="0" i="0" u="none" strike="noStrike" cap="none">
+              <a:rPr lang="es-419" sz="1400" b="0" i="0" u="none" strike="noStrike" cap="none" dirty="0">
                 <a:solidFill>
                   <a:srgbClr val="BFC7D5"/>
                 </a:solidFill>
@@ -11574,7 +11844,7 @@
               <a:t>(</a:t>
             </a:r>
             <a:r>
-              <a:rPr lang="es-419" sz="1400" b="0" i="0" u="none" strike="noStrike" cap="none">
+              <a:rPr lang="es-419" sz="1400" b="0" i="0" u="none" strike="noStrike" cap="none" dirty="0">
                 <a:solidFill>
                   <a:srgbClr val="7986E7"/>
                 </a:solidFill>
@@ -11589,7 +11859,7 @@
               <a:t>{</a:t>
             </a:r>
             <a:r>
-              <a:rPr lang="es-419" sz="1400" b="0" i="0" u="none" strike="noStrike" cap="none">
+              <a:rPr lang="es-419" sz="1400" b="0" i="0" u="none" strike="noStrike" cap="none" dirty="0">
                 <a:solidFill>
                   <a:srgbClr val="D9F5DD"/>
                 </a:solidFill>
@@ -11604,7 +11874,7 @@
               <a:t>'</a:t>
             </a:r>
             <a:r>
-              <a:rPr lang="es-419" sz="1400" b="0" i="0" u="none" strike="noStrike" cap="none">
+              <a:rPr lang="es-419" sz="1400" b="0" i="0" u="none" strike="noStrike" cap="none" dirty="0" err="1">
                 <a:solidFill>
                   <a:srgbClr val="C3E88D"/>
                 </a:solidFill>
@@ -11619,7 +11889,7 @@
               <a:t>message</a:t>
             </a:r>
             <a:r>
-              <a:rPr lang="es-419" sz="1400" b="0" i="0" u="none" strike="noStrike" cap="none">
+              <a:rPr lang="es-419" sz="1400" b="0" i="0" u="none" strike="noStrike" cap="none" dirty="0">
                 <a:solidFill>
                   <a:srgbClr val="D9F5DD"/>
                 </a:solidFill>
@@ -11634,7 +11904,7 @@
               <a:t>'</a:t>
             </a:r>
             <a:r>
-              <a:rPr lang="es-419" sz="1400" b="0" i="0" u="none" strike="noStrike" cap="none">
+              <a:rPr lang="es-419" sz="1400" b="0" i="0" u="none" strike="noStrike" cap="none" dirty="0">
                 <a:solidFill>
                   <a:srgbClr val="7986E7"/>
                 </a:solidFill>
@@ -11649,7 +11919,7 @@
               <a:t>: </a:t>
             </a:r>
             <a:r>
-              <a:rPr lang="es-419" sz="1400" b="0" i="0" u="none" strike="noStrike" cap="none">
+              <a:rPr lang="es-419" sz="1400" b="0" i="0" u="none" strike="noStrike" cap="none" dirty="0">
                 <a:solidFill>
                   <a:srgbClr val="D9F5DD"/>
                 </a:solidFill>
@@ -11664,7 +11934,7 @@
               <a:t>'</a:t>
             </a:r>
             <a:r>
-              <a:rPr lang="es-419" sz="1400" b="0" i="0" u="none" strike="noStrike" cap="none">
+              <a:rPr lang="es-419" sz="1400" b="0" i="0" u="none" strike="noStrike" cap="none" dirty="0" err="1">
                 <a:solidFill>
                   <a:srgbClr val="C3E88D"/>
                 </a:solidFill>
@@ -11676,10 +11946,10 @@
                 <a:cs typeface="Consolas"/>
                 <a:sym typeface="Consolas"/>
               </a:rPr>
-              <a:t>Hello World API TO</a:t>
-            </a:r>
-            <a:r>
-              <a:rPr lang="es-419">
+              <a:t>Hello</a:t>
+            </a:r>
+            <a:r>
+              <a:rPr lang="es-419" sz="1400" b="0" i="0" u="none" strike="noStrike" cap="none" dirty="0">
                 <a:solidFill>
                   <a:srgbClr val="C3E88D"/>
                 </a:solidFill>
@@ -11691,10 +11961,70 @@
                 <a:cs typeface="Consolas"/>
                 <a:sym typeface="Consolas"/>
               </a:rPr>
-              <a:t>DO Lists</a:t>
-            </a:r>
-            <a:r>
-              <a:rPr lang="es-419" sz="1400" b="0" i="0" u="none" strike="noStrike" cap="none">
+              <a:t> </a:t>
+            </a:r>
+            <a:r>
+              <a:rPr lang="es-419" sz="1400" b="0" i="0" u="none" strike="noStrike" cap="none" dirty="0" err="1">
+                <a:solidFill>
+                  <a:srgbClr val="C3E88D"/>
+                </a:solidFill>
+                <a:highlight>
+                  <a:srgbClr val="292D3E"/>
+                </a:highlight>
+                <a:latin typeface="Consolas"/>
+                <a:ea typeface="Consolas"/>
+                <a:cs typeface="Consolas"/>
+                <a:sym typeface="Consolas"/>
+              </a:rPr>
+              <a:t>World</a:t>
+            </a:r>
+            <a:r>
+              <a:rPr lang="es-419" sz="1400" b="0" i="0" u="none" strike="noStrike" cap="none" dirty="0">
+                <a:solidFill>
+                  <a:srgbClr val="C3E88D"/>
+                </a:solidFill>
+                <a:highlight>
+                  <a:srgbClr val="292D3E"/>
+                </a:highlight>
+                <a:latin typeface="Consolas"/>
+                <a:ea typeface="Consolas"/>
+                <a:cs typeface="Consolas"/>
+                <a:sym typeface="Consolas"/>
+              </a:rPr>
+              <a:t> API TO</a:t>
+            </a:r>
+            <a:r>
+              <a:rPr lang="es-419" dirty="0">
+                <a:solidFill>
+                  <a:srgbClr val="C3E88D"/>
+                </a:solidFill>
+                <a:highlight>
+                  <a:srgbClr val="292D3E"/>
+                </a:highlight>
+                <a:latin typeface="Consolas"/>
+                <a:ea typeface="Consolas"/>
+                <a:cs typeface="Consolas"/>
+                <a:sym typeface="Consolas"/>
+              </a:rPr>
+              <a:t>DO </a:t>
+            </a:r>
+            <a:r>
+              <a:rPr lang="es-419" dirty="0" err="1">
+                <a:solidFill>
+                  <a:srgbClr val="C3E88D"/>
+                </a:solidFill>
+                <a:highlight>
+                  <a:srgbClr val="292D3E"/>
+                </a:highlight>
+                <a:latin typeface="Consolas"/>
+                <a:ea typeface="Consolas"/>
+                <a:cs typeface="Consolas"/>
+                <a:sym typeface="Consolas"/>
+              </a:rPr>
+              <a:t>Lists</a:t>
+            </a:r>
+            <a:r>
+              <a:rPr lang="es-419" sz="1400" b="0" i="0" u="none" strike="noStrike" cap="none" dirty="0">
                 <a:solidFill>
                   <a:srgbClr val="D9F5DD"/>
                 </a:solidFill>
@@ -11709,7 +12039,7 @@
               <a:t>'</a:t>
             </a:r>
             <a:r>
-              <a:rPr lang="es-419" sz="1400" b="0" i="0" u="none" strike="noStrike" cap="none">
+              <a:rPr lang="es-419" sz="1400" b="0" i="0" u="none" strike="noStrike" cap="none" dirty="0">
                 <a:solidFill>
                   <a:srgbClr val="7986E7"/>
                 </a:solidFill>
@@ -11724,7 +12054,7 @@
               <a:t>}</a:t>
             </a:r>
             <a:r>
-              <a:rPr lang="es-419" sz="1400" b="0" i="0" u="none" strike="noStrike" cap="none">
+              <a:rPr lang="es-419" sz="1400" b="0" i="0" u="none" strike="noStrike" cap="none" dirty="0">
                 <a:solidFill>
                   <a:srgbClr val="BFC7D5"/>
                 </a:solidFill>
@@ -11738,7 +12068,7 @@
               </a:rPr>
               <a:t>)</a:t>
             </a:r>
-            <a:endParaRPr sz="1400" b="0" i="0" u="none" strike="noStrike" cap="none">
+            <a:endParaRPr sz="1400" b="0" i="0" u="none" strike="noStrike" cap="none" dirty="0">
               <a:solidFill>
                 <a:srgbClr val="000000"/>
               </a:solidFill>
@@ -11795,7 +12125,7 @@
               <a:buNone/>
             </a:pPr>
             <a:r>
-              <a:rPr lang="es-419" sz="1100" b="0" i="0" u="none" strike="noStrike" cap="none">
+              <a:rPr lang="es-419" sz="1100" b="0" i="0" u="none" strike="noStrike" cap="none" dirty="0" err="1">
                 <a:solidFill>
                   <a:srgbClr val="C792EA"/>
                 </a:solidFill>
@@ -11810,7 +12140,7 @@
               <a:t>from</a:t>
             </a:r>
             <a:r>
-              <a:rPr lang="es-419" sz="1100" b="0" i="0" u="none" strike="noStrike" cap="none">
+              <a:rPr lang="es-419" sz="1100" b="0" i="0" u="none" strike="noStrike" cap="none" dirty="0">
                 <a:solidFill>
                   <a:srgbClr val="BFC7D5"/>
                 </a:solidFill>
@@ -11822,10 +12152,40 @@
                 <a:cs typeface="Consolas"/>
                 <a:sym typeface="Consolas"/>
               </a:rPr>
-              <a:t> flask </a:t>
-            </a:r>
-            <a:r>
-              <a:rPr lang="es-419" sz="1100" b="0" i="0" u="none" strike="noStrike" cap="none">
+              <a:t> </a:t>
+            </a:r>
+            <a:r>
+              <a:rPr lang="es-419" sz="1100" b="0" i="0" u="none" strike="noStrike" cap="none" dirty="0" err="1">
+                <a:solidFill>
+                  <a:srgbClr val="BFC7D5"/>
+                </a:solidFill>
+                <a:highlight>
+                  <a:srgbClr val="292D3E"/>
+                </a:highlight>
+                <a:latin typeface="Consolas"/>
+                <a:ea typeface="Consolas"/>
+                <a:cs typeface="Consolas"/>
+                <a:sym typeface="Consolas"/>
+              </a:rPr>
+              <a:t>flask</a:t>
+            </a:r>
+            <a:r>
+              <a:rPr lang="es-419" sz="1100" b="0" i="0" u="none" strike="noStrike" cap="none" dirty="0">
+                <a:solidFill>
+                  <a:srgbClr val="BFC7D5"/>
+                </a:solidFill>
+                <a:highlight>
+                  <a:srgbClr val="292D3E"/>
+                </a:highlight>
+                <a:latin typeface="Consolas"/>
+                <a:ea typeface="Consolas"/>
+                <a:cs typeface="Consolas"/>
+                <a:sym typeface="Consolas"/>
+              </a:rPr>
+              <a:t> </a:t>
+            </a:r>
+            <a:r>
+              <a:rPr lang="es-419" sz="1100" b="0" i="0" u="none" strike="noStrike" cap="none" dirty="0" err="1">
                 <a:solidFill>
                   <a:srgbClr val="C792EA"/>
                 </a:solidFill>
@@ -11840,7 +12200,7 @@
               <a:t>import</a:t>
             </a:r>
             <a:r>
-              <a:rPr lang="es-419" sz="1100" b="0" i="0" u="none" strike="noStrike" cap="none">
+              <a:rPr lang="es-419" sz="1100" b="0" i="0" u="none" strike="noStrike" cap="none" dirty="0">
                 <a:solidFill>
                   <a:srgbClr val="BFC7D5"/>
                 </a:solidFill>
@@ -11854,7 +12214,7 @@
               </a:rPr>
               <a:t> Flask</a:t>
             </a:r>
-            <a:endParaRPr sz="1400" b="0" i="0" u="none" strike="noStrike" cap="none">
+            <a:endParaRPr sz="1400" b="0" i="0" u="none" strike="noStrike" cap="none" dirty="0">
               <a:solidFill>
                 <a:srgbClr val="000000"/>
               </a:solidFill>
@@ -11883,7 +12243,7 @@
               <a:buNone/>
             </a:pPr>
             <a:r>
-              <a:rPr lang="es-419" sz="1100" b="0" i="0" u="none" strike="noStrike" cap="none">
+              <a:rPr lang="es-419" sz="1100" b="0" i="0" u="none" strike="noStrike" cap="none" dirty="0" err="1">
                 <a:solidFill>
                   <a:srgbClr val="C792EA"/>
                 </a:solidFill>
@@ -11898,7 +12258,7 @@
               <a:t>from</a:t>
             </a:r>
             <a:r>
-              <a:rPr lang="es-419" sz="1100" b="0" i="0" u="none" strike="noStrike" cap="none">
+              <a:rPr lang="es-419" sz="1100" b="0" i="0" u="none" strike="noStrike" cap="none" dirty="0">
                 <a:solidFill>
                   <a:srgbClr val="BFC7D5"/>
                 </a:solidFill>
@@ -11910,10 +12270,40 @@
                 <a:cs typeface="Consolas"/>
                 <a:sym typeface="Consolas"/>
               </a:rPr>
-              <a:t> app.views </a:t>
-            </a:r>
-            <a:r>
-              <a:rPr lang="es-419" sz="1100" b="0" i="0" u="none" strike="noStrike" cap="none">
+              <a:t> </a:t>
+            </a:r>
+            <a:r>
+              <a:rPr lang="es-419" sz="1100" b="0" i="0" u="none" strike="noStrike" cap="none" dirty="0" err="1">
+                <a:solidFill>
+                  <a:srgbClr val="BFC7D5"/>
+                </a:solidFill>
+                <a:highlight>
+                  <a:srgbClr val="292D3E"/>
+                </a:highlight>
+                <a:latin typeface="Consolas"/>
+                <a:ea typeface="Consolas"/>
+                <a:cs typeface="Consolas"/>
+                <a:sym typeface="Consolas"/>
+              </a:rPr>
+              <a:t>app.views</a:t>
+            </a:r>
+            <a:r>
+              <a:rPr lang="es-419" sz="1100" b="0" i="0" u="none" strike="noStrike" cap="none" dirty="0">
+                <a:solidFill>
+                  <a:srgbClr val="BFC7D5"/>
+                </a:solidFill>
+                <a:highlight>
+                  <a:srgbClr val="292D3E"/>
+                </a:highlight>
+                <a:latin typeface="Consolas"/>
+                <a:ea typeface="Consolas"/>
+                <a:cs typeface="Consolas"/>
+                <a:sym typeface="Consolas"/>
+              </a:rPr>
+              <a:t> </a:t>
+            </a:r>
+            <a:r>
+              <a:rPr lang="es-419" sz="1100" b="0" i="0" u="none" strike="noStrike" cap="none" dirty="0" err="1">
                 <a:solidFill>
                   <a:srgbClr val="C792EA"/>
                 </a:solidFill>
@@ -11928,7 +12318,7 @@
               <a:t>import</a:t>
             </a:r>
             <a:r>
-              <a:rPr lang="es-419" sz="1100" b="0" i="0" u="none" strike="noStrike" cap="none">
+              <a:rPr lang="es-419" sz="1100" b="0" i="0" u="none" strike="noStrike" cap="none" dirty="0">
                 <a:solidFill>
                   <a:srgbClr val="BFC7D5"/>
                 </a:solidFill>
@@ -11943,7 +12333,7 @@
               <a:t> </a:t>
             </a:r>
             <a:r>
-              <a:rPr lang="es-419" sz="1100" b="0" i="0" u="none" strike="noStrike" cap="none">
+              <a:rPr lang="es-419" sz="1100" b="0" i="0" u="none" strike="noStrike" cap="none" dirty="0">
                 <a:solidFill>
                   <a:srgbClr val="89DDFF"/>
                 </a:solidFill>
@@ -11957,7 +12347,7 @@
               </a:rPr>
               <a:t>*</a:t>
             </a:r>
-            <a:endParaRPr sz="1100" b="0" i="0" u="none" strike="noStrike" cap="none">
+            <a:endParaRPr sz="1100" b="0" i="0" u="none" strike="noStrike" cap="none" dirty="0">
               <a:solidFill>
                 <a:srgbClr val="BFC7D5"/>
               </a:solidFill>
@@ -11989,7 +12379,7 @@
               <a:buNone/>
             </a:pPr>
             <a:br>
-              <a:rPr lang="es-419" sz="1100" b="0" i="0" u="none" strike="noStrike" cap="none">
+              <a:rPr lang="es-419" sz="1100" b="0" i="0" u="none" strike="noStrike" cap="none" dirty="0">
                 <a:solidFill>
                   <a:srgbClr val="BFC7D5"/>
                 </a:solidFill>
@@ -12003,7 +12393,7 @@
               </a:rPr>
             </a:br>
             <a:r>
-              <a:rPr lang="es-419" sz="1100" b="0" i="0" u="none" strike="noStrike" cap="none">
+              <a:rPr lang="es-419" sz="1100" b="0" i="0" u="none" strike="noStrike" cap="none" dirty="0">
                 <a:solidFill>
                   <a:srgbClr val="BFC7D5"/>
                 </a:solidFill>
@@ -12018,7 +12408,7 @@
               <a:t>app </a:t>
             </a:r>
             <a:r>
-              <a:rPr lang="es-419" sz="1100" b="0" i="0" u="none" strike="noStrike" cap="none">
+              <a:rPr lang="es-419" sz="1100" b="0" i="0" u="none" strike="noStrike" cap="none" dirty="0">
                 <a:solidFill>
                   <a:srgbClr val="C792EA"/>
                 </a:solidFill>
@@ -12033,7 +12423,7 @@
               <a:t>=</a:t>
             </a:r>
             <a:r>
-              <a:rPr lang="es-419" sz="1100" b="0" i="0" u="none" strike="noStrike" cap="none">
+              <a:rPr lang="es-419" sz="1100" b="0" i="0" u="none" strike="noStrike" cap="none" dirty="0">
                 <a:solidFill>
                   <a:srgbClr val="BFC7D5"/>
                 </a:solidFill>
@@ -12048,7 +12438,7 @@
               <a:t> </a:t>
             </a:r>
             <a:r>
-              <a:rPr lang="es-419" sz="1100" b="0" i="0" u="none" strike="noStrike" cap="none">
+              <a:rPr lang="es-419" sz="1100" b="0" i="0" u="none" strike="noStrike" cap="none" dirty="0">
                 <a:solidFill>
                   <a:srgbClr val="B2CCD6"/>
                 </a:solidFill>
@@ -12063,7 +12453,7 @@
               <a:t>Flask</a:t>
             </a:r>
             <a:r>
-              <a:rPr lang="es-419" sz="1100" b="0" i="0" u="none" strike="noStrike" cap="none">
+              <a:rPr lang="es-419" sz="1100" b="0" i="0" u="none" strike="noStrike" cap="none" dirty="0">
                 <a:solidFill>
                   <a:srgbClr val="BFC7D5"/>
                 </a:solidFill>
@@ -12078,7 +12468,7 @@
               <a:t>(</a:t>
             </a:r>
             <a:r>
-              <a:rPr lang="es-419" sz="1100" b="0" i="0" u="none" strike="noStrike" cap="none">
+              <a:rPr lang="es-419" sz="1100" b="0" i="0" u="none" strike="noStrike" cap="none" dirty="0">
                 <a:solidFill>
                   <a:srgbClr val="7986E7"/>
                 </a:solidFill>
@@ -12090,10 +12480,40 @@
                 <a:cs typeface="Consolas"/>
                 <a:sym typeface="Consolas"/>
               </a:rPr>
-              <a:t>__name__</a:t>
-            </a:r>
-            <a:r>
-              <a:rPr lang="es-419" sz="1100" b="0" i="0" u="none" strike="noStrike" cap="none">
+              <a:t>__</a:t>
+            </a:r>
+            <a:r>
+              <a:rPr lang="es-419" sz="1100" b="0" i="0" u="none" strike="noStrike" cap="none" dirty="0" err="1">
+                <a:solidFill>
+                  <a:srgbClr val="7986E7"/>
+                </a:solidFill>
+                <a:highlight>
+                  <a:srgbClr val="292D3E"/>
+                </a:highlight>
+                <a:latin typeface="Consolas"/>
+                <a:ea typeface="Consolas"/>
+                <a:cs typeface="Consolas"/>
+                <a:sym typeface="Consolas"/>
+              </a:rPr>
+              <a:t>name</a:t>
+            </a:r>
+            <a:r>
+              <a:rPr lang="es-419" sz="1100" b="0" i="0" u="none" strike="noStrike" cap="none" dirty="0">
+                <a:solidFill>
+                  <a:srgbClr val="7986E7"/>
+                </a:solidFill>
+                <a:highlight>
+                  <a:srgbClr val="292D3E"/>
+                </a:highlight>
+                <a:latin typeface="Consolas"/>
+                <a:ea typeface="Consolas"/>
+                <a:cs typeface="Consolas"/>
+                <a:sym typeface="Consolas"/>
+              </a:rPr>
+              <a:t>__</a:t>
+            </a:r>
+            <a:r>
+              <a:rPr lang="es-419" sz="1100" b="0" i="0" u="none" strike="noStrike" cap="none" dirty="0">
                 <a:solidFill>
                   <a:srgbClr val="BFC7D5"/>
                 </a:solidFill>
@@ -12107,7 +12527,7 @@
               </a:rPr>
               <a:t>)</a:t>
             </a:r>
-            <a:endParaRPr sz="1400" b="0" i="0" u="none" strike="noStrike" cap="none">
+            <a:endParaRPr sz="1400" b="0" i="0" u="none" strike="noStrike" cap="none" dirty="0">
               <a:solidFill>
                 <a:srgbClr val="000000"/>
               </a:solidFill>
@@ -12136,7 +12556,7 @@
               <a:buNone/>
             </a:pPr>
             <a:br>
-              <a:rPr lang="es-419" sz="1100" b="0" i="0" u="none" strike="noStrike" cap="none">
+              <a:rPr lang="es-419" sz="1100" b="0" i="0" u="none" strike="noStrike" cap="none" dirty="0">
                 <a:solidFill>
                   <a:srgbClr val="BFC7D5"/>
                 </a:solidFill>
@@ -12150,7 +12570,7 @@
               </a:rPr>
             </a:br>
             <a:r>
-              <a:rPr lang="es-419" sz="1100" b="0" i="0" u="none" strike="noStrike" cap="none">
+              <a:rPr lang="es-419" sz="1100" b="0" i="0" u="none" strike="noStrike" cap="none" dirty="0">
                 <a:solidFill>
                   <a:srgbClr val="697098"/>
                 </a:solidFill>
@@ -12165,7 +12585,7 @@
               <a:t>#</a:t>
             </a:r>
             <a:r>
-              <a:rPr lang="es-419" sz="1100" b="0" i="1" u="none" strike="noStrike" cap="none">
+              <a:rPr lang="es-419" sz="1100" b="0" i="1" u="none" strike="noStrike" cap="none" dirty="0">
                 <a:solidFill>
                   <a:srgbClr val="697098"/>
                 </a:solidFill>
@@ -12179,7 +12599,7 @@
               </a:rPr>
               <a:t> Rutas de la API-REST</a:t>
             </a:r>
-            <a:endParaRPr sz="1100" b="0" i="0" u="none" strike="noStrike" cap="none">
+            <a:endParaRPr sz="1100" b="0" i="0" u="none" strike="noStrike" cap="none" dirty="0">
               <a:solidFill>
                 <a:srgbClr val="BFC7D5"/>
               </a:solidFill>
@@ -12211,7 +12631,7 @@
               <a:buNone/>
             </a:pPr>
             <a:r>
-              <a:rPr lang="es-419" sz="1100" b="0" i="0" u="none" strike="noStrike" cap="none">
+              <a:rPr lang="es-419" sz="1100" b="0" i="0" u="none" strike="noStrike" cap="none" dirty="0" err="1">
                 <a:solidFill>
                   <a:srgbClr val="BFC7D5"/>
                 </a:solidFill>
@@ -12226,7 +12646,7 @@
               <a:t>app.</a:t>
             </a:r>
             <a:r>
-              <a:rPr lang="es-419" sz="1100" b="0" i="0" u="none" strike="noStrike" cap="none">
+              <a:rPr lang="es-419" sz="1100" b="0" i="0" u="none" strike="noStrike" cap="none" dirty="0" err="1">
                 <a:solidFill>
                   <a:srgbClr val="B2CCD6"/>
                 </a:solidFill>
@@ -12241,7 +12661,7 @@
               <a:t>route</a:t>
             </a:r>
             <a:r>
-              <a:rPr lang="es-419" sz="1100" b="0" i="0" u="none" strike="noStrike" cap="none">
+              <a:rPr lang="es-419" sz="1100" b="0" i="0" u="none" strike="noStrike" cap="none" dirty="0">
                 <a:solidFill>
                   <a:srgbClr val="BFC7D5"/>
                 </a:solidFill>
@@ -12256,7 +12676,7 @@
               <a:t>(</a:t>
             </a:r>
             <a:r>
-              <a:rPr lang="es-419" sz="1100" b="0" i="0" u="none" strike="noStrike" cap="none">
+              <a:rPr lang="es-419" sz="1100" b="0" i="0" u="none" strike="noStrike" cap="none" dirty="0">
                 <a:solidFill>
                   <a:srgbClr val="D9F5DD"/>
                 </a:solidFill>
@@ -12271,7 +12691,7 @@
               <a:t>'</a:t>
             </a:r>
             <a:r>
-              <a:rPr lang="es-419" sz="1100" b="0" i="0" u="none" strike="noStrike" cap="none">
+              <a:rPr lang="es-419" sz="1100" b="0" i="0" u="none" strike="noStrike" cap="none" dirty="0">
                 <a:solidFill>
                   <a:srgbClr val="C3E88D"/>
                 </a:solidFill>
@@ -12286,7 +12706,7 @@
               <a:t>/</a:t>
             </a:r>
             <a:r>
-              <a:rPr lang="es-419" sz="1100" b="0" i="0" u="none" strike="noStrike" cap="none">
+              <a:rPr lang="es-419" sz="1100" b="0" i="0" u="none" strike="noStrike" cap="none" dirty="0">
                 <a:solidFill>
                   <a:srgbClr val="D9F5DD"/>
                 </a:solidFill>
@@ -12301,7 +12721,7 @@
               <a:t>',</a:t>
             </a:r>
             <a:r>
-              <a:rPr lang="es-419" sz="1100" b="0" i="0" u="none" strike="noStrike" cap="none">
+              <a:rPr lang="es-419" sz="1100" b="0" i="0" u="none" strike="noStrike" cap="none" dirty="0">
                 <a:solidFill>
                   <a:srgbClr val="7986E7"/>
                 </a:solidFill>
@@ -12313,10 +12733,25 @@
                 <a:cs typeface="Consolas"/>
                 <a:sym typeface="Consolas"/>
               </a:rPr>
-              <a:t> methods</a:t>
-            </a:r>
-            <a:r>
-              <a:rPr lang="es-419" sz="1100" b="0" i="0" u="none" strike="noStrike" cap="none">
+              <a:t> </a:t>
+            </a:r>
+            <a:r>
+              <a:rPr lang="es-419" sz="1100" b="0" i="0" u="none" strike="noStrike" cap="none" dirty="0" err="1">
+                <a:solidFill>
+                  <a:srgbClr val="7986E7"/>
+                </a:solidFill>
+                <a:highlight>
+                  <a:srgbClr val="292D3E"/>
+                </a:highlight>
+                <a:latin typeface="Consolas"/>
+                <a:ea typeface="Consolas"/>
+                <a:cs typeface="Consolas"/>
+                <a:sym typeface="Consolas"/>
+              </a:rPr>
+              <a:t>methods</a:t>
+            </a:r>
+            <a:r>
+              <a:rPr lang="es-419" sz="1100" b="0" i="0" u="none" strike="noStrike" cap="none" dirty="0">
                 <a:solidFill>
                   <a:srgbClr val="C792EA"/>
                 </a:solidFill>
@@ -12331,7 +12766,7 @@
               <a:t>=</a:t>
             </a:r>
             <a:r>
-              <a:rPr lang="es-419" sz="1100" b="0" i="0" u="none" strike="noStrike" cap="none">
+              <a:rPr lang="es-419" sz="1100" b="0" i="0" u="none" strike="noStrike" cap="none" dirty="0">
                 <a:solidFill>
                   <a:srgbClr val="D9F5DD"/>
                 </a:solidFill>
@@ -12346,7 +12781,7 @@
               <a:t>['</a:t>
             </a:r>
             <a:r>
-              <a:rPr lang="es-419" sz="1100" b="0" i="0" u="none" strike="noStrike" cap="none">
+              <a:rPr lang="es-419" sz="1100" b="0" i="0" u="none" strike="noStrike" cap="none" dirty="0">
                 <a:solidFill>
                   <a:srgbClr val="C3E88D"/>
                 </a:solidFill>
@@ -12361,7 +12796,7 @@
               <a:t>GET</a:t>
             </a:r>
             <a:r>
-              <a:rPr lang="es-419" sz="1100" b="0" i="0" u="none" strike="noStrike" cap="none">
+              <a:rPr lang="es-419" sz="1100" b="0" i="0" u="none" strike="noStrike" cap="none" dirty="0">
                 <a:solidFill>
                   <a:srgbClr val="D9F5DD"/>
                 </a:solidFill>
@@ -12376,7 +12811,7 @@
               <a:t>']</a:t>
             </a:r>
             <a:r>
-              <a:rPr lang="es-419" sz="1100" b="0" i="0" u="none" strike="noStrike" cap="none">
+              <a:rPr lang="es-419" sz="1100" b="0" i="0" u="none" strike="noStrike" cap="none" dirty="0">
                 <a:solidFill>
                   <a:srgbClr val="BFC7D5"/>
                 </a:solidFill>
@@ -12391,7 +12826,7 @@
               <a:t>)(</a:t>
             </a:r>
             <a:r>
-              <a:rPr lang="es-419" sz="1100" b="0" i="0" u="none" strike="noStrike" cap="none">
+              <a:rPr lang="es-419" sz="1100" b="0" i="0" u="none" strike="noStrike" cap="none" dirty="0" err="1">
                 <a:solidFill>
                   <a:srgbClr val="7986E7"/>
                 </a:solidFill>
@@ -12406,7 +12841,7 @@
               <a:t>index</a:t>
             </a:r>
             <a:r>
-              <a:rPr lang="es-419" sz="1100" b="0" i="0" u="none" strike="noStrike" cap="none">
+              <a:rPr lang="es-419" sz="1100" b="0" i="0" u="none" strike="noStrike" cap="none" dirty="0">
                 <a:solidFill>
                   <a:srgbClr val="BFC7D5"/>
                 </a:solidFill>
@@ -12420,7 +12855,7 @@
               </a:rPr>
               <a:t>)</a:t>
             </a:r>
-            <a:endParaRPr sz="1400" b="0" i="0" u="none" strike="noStrike" cap="none">
+            <a:endParaRPr sz="1400" b="0" i="0" u="none" strike="noStrike" cap="none" dirty="0">
               <a:solidFill>
                 <a:srgbClr val="000000"/>
               </a:solidFill>
@@ -12449,7 +12884,7 @@
               <a:buNone/>
             </a:pPr>
             <a:br>
-              <a:rPr lang="es-419" sz="1100" b="0" i="0" u="none" strike="noStrike" cap="none">
+              <a:rPr lang="es-419" sz="1100" b="0" i="0" u="none" strike="noStrike" cap="none" dirty="0">
                 <a:solidFill>
                   <a:srgbClr val="BFC7D5"/>
                 </a:solidFill>
@@ -12463,7 +12898,7 @@
               </a:rPr>
             </a:br>
             <a:r>
-              <a:rPr lang="es-419" sz="1100" b="0" i="0" u="none" strike="noStrike" cap="none">
+              <a:rPr lang="es-419" sz="1100" b="0" i="0" u="none" strike="noStrike" cap="none" dirty="0" err="1">
                 <a:solidFill>
                   <a:srgbClr val="C792EA"/>
                 </a:solidFill>
@@ -12478,7 +12913,7 @@
               <a:t>if</a:t>
             </a:r>
             <a:r>
-              <a:rPr lang="es-419" sz="1100" b="0" i="0" u="none" strike="noStrike" cap="none">
+              <a:rPr lang="es-419" sz="1100" b="0" i="0" u="none" strike="noStrike" cap="none" dirty="0">
                 <a:solidFill>
                   <a:srgbClr val="BFC7D5"/>
                 </a:solidFill>
@@ -12490,10 +12925,40 @@
                 <a:cs typeface="Consolas"/>
                 <a:sym typeface="Consolas"/>
               </a:rPr>
-              <a:t> __name__ </a:t>
-            </a:r>
-            <a:r>
-              <a:rPr lang="es-419" sz="1100" b="0" i="0" u="none" strike="noStrike" cap="none">
+              <a:t> __</a:t>
+            </a:r>
+            <a:r>
+              <a:rPr lang="es-419" sz="1100" b="0" i="0" u="none" strike="noStrike" cap="none" dirty="0" err="1">
+                <a:solidFill>
+                  <a:srgbClr val="BFC7D5"/>
+                </a:solidFill>
+                <a:highlight>
+                  <a:srgbClr val="292D3E"/>
+                </a:highlight>
+                <a:latin typeface="Consolas"/>
+                <a:ea typeface="Consolas"/>
+                <a:cs typeface="Consolas"/>
+                <a:sym typeface="Consolas"/>
+              </a:rPr>
+              <a:t>name</a:t>
+            </a:r>
+            <a:r>
+              <a:rPr lang="es-419" sz="1100" b="0" i="0" u="none" strike="noStrike" cap="none" dirty="0">
+                <a:solidFill>
+                  <a:srgbClr val="BFC7D5"/>
+                </a:solidFill>
+                <a:highlight>
+                  <a:srgbClr val="292D3E"/>
+                </a:highlight>
+                <a:latin typeface="Consolas"/>
+                <a:ea typeface="Consolas"/>
+                <a:cs typeface="Consolas"/>
+                <a:sym typeface="Consolas"/>
+              </a:rPr>
+              <a:t>__ </a:t>
+            </a:r>
+            <a:r>
+              <a:rPr lang="es-419" sz="1100" b="0" i="0" u="none" strike="noStrike" cap="none" dirty="0">
                 <a:solidFill>
                   <a:srgbClr val="C792EA"/>
                 </a:solidFill>
@@ -12508,7 +12973,7 @@
               <a:t>==</a:t>
             </a:r>
             <a:r>
-              <a:rPr lang="es-419" sz="1100" b="0" i="0" u="none" strike="noStrike" cap="none">
+              <a:rPr lang="es-419" sz="1100" b="0" i="0" u="none" strike="noStrike" cap="none" dirty="0">
                 <a:solidFill>
                   <a:srgbClr val="BFC7D5"/>
                 </a:solidFill>
@@ -12523,7 +12988,7 @@
               <a:t> </a:t>
             </a:r>
             <a:r>
-              <a:rPr lang="es-419" sz="1100" b="0" i="0" u="none" strike="noStrike" cap="none">
+              <a:rPr lang="es-419" sz="1100" b="0" i="0" u="none" strike="noStrike" cap="none" dirty="0">
                 <a:solidFill>
                   <a:srgbClr val="D9F5DD"/>
                 </a:solidFill>
@@ -12538,7 +13003,7 @@
               <a:t>'</a:t>
             </a:r>
             <a:r>
-              <a:rPr lang="es-419" sz="1100" b="0" i="0" u="none" strike="noStrike" cap="none">
+              <a:rPr lang="es-419" sz="1100" b="0" i="0" u="none" strike="noStrike" cap="none" dirty="0">
                 <a:solidFill>
                   <a:srgbClr val="C3E88D"/>
                 </a:solidFill>
@@ -12550,10 +13015,40 @@
                 <a:cs typeface="Consolas"/>
                 <a:sym typeface="Consolas"/>
               </a:rPr>
-              <a:t>__main__</a:t>
-            </a:r>
-            <a:r>
-              <a:rPr lang="es-419" sz="1100" b="0" i="0" u="none" strike="noStrike" cap="none">
+              <a:t>__</a:t>
+            </a:r>
+            <a:r>
+              <a:rPr lang="es-419" sz="1100" b="0" i="0" u="none" strike="noStrike" cap="none" dirty="0" err="1">
+                <a:solidFill>
+                  <a:srgbClr val="C3E88D"/>
+                </a:solidFill>
+                <a:highlight>
+                  <a:srgbClr val="292D3E"/>
+                </a:highlight>
+                <a:latin typeface="Consolas"/>
+                <a:ea typeface="Consolas"/>
+                <a:cs typeface="Consolas"/>
+                <a:sym typeface="Consolas"/>
+              </a:rPr>
+              <a:t>main</a:t>
+            </a:r>
+            <a:r>
+              <a:rPr lang="es-419" sz="1100" b="0" i="0" u="none" strike="noStrike" cap="none" dirty="0">
+                <a:solidFill>
+                  <a:srgbClr val="C3E88D"/>
+                </a:solidFill>
+                <a:highlight>
+                  <a:srgbClr val="292D3E"/>
+                </a:highlight>
+                <a:latin typeface="Consolas"/>
+                <a:ea typeface="Consolas"/>
+                <a:cs typeface="Consolas"/>
+                <a:sym typeface="Consolas"/>
+              </a:rPr>
+              <a:t>__</a:t>
+            </a:r>
+            <a:r>
+              <a:rPr lang="es-419" sz="1100" b="0" i="0" u="none" strike="noStrike" cap="none" dirty="0">
                 <a:solidFill>
                   <a:srgbClr val="D9F5DD"/>
                 </a:solidFill>
@@ -12568,7 +13063,7 @@
               <a:t>'</a:t>
             </a:r>
             <a:r>
-              <a:rPr lang="es-419" sz="1100" b="0" i="0" u="none" strike="noStrike" cap="none">
+              <a:rPr lang="es-419" sz="1100" b="0" i="0" u="none" strike="noStrike" cap="none" dirty="0">
                 <a:solidFill>
                   <a:srgbClr val="BFC7D5"/>
                 </a:solidFill>
@@ -12582,7 +13077,7 @@
               </a:rPr>
               <a:t>:</a:t>
             </a:r>
-            <a:endParaRPr sz="1400" b="0" i="0" u="none" strike="noStrike" cap="none">
+            <a:endParaRPr sz="1400" b="0" i="0" u="none" strike="noStrike" cap="none" dirty="0">
               <a:solidFill>
                 <a:srgbClr val="000000"/>
               </a:solidFill>
@@ -12611,7 +13106,7 @@
               <a:buNone/>
             </a:pPr>
             <a:r>
-              <a:rPr lang="es-419" sz="1100" b="0" i="0" u="none" strike="noStrike" cap="none">
+              <a:rPr lang="es-419" sz="1100" b="0" i="0" u="none" strike="noStrike" cap="none" dirty="0">
                 <a:solidFill>
                   <a:srgbClr val="BFC7D5"/>
                 </a:solidFill>
@@ -12623,10 +13118,25 @@
                 <a:cs typeface="Consolas"/>
                 <a:sym typeface="Consolas"/>
               </a:rPr>
-              <a:t>    app.</a:t>
-            </a:r>
-            <a:r>
-              <a:rPr lang="es-419" sz="1100" b="0" i="0" u="none" strike="noStrike" cap="none">
+              <a:t>    </a:t>
+            </a:r>
+            <a:r>
+              <a:rPr lang="es-419" sz="1100" b="0" i="0" u="none" strike="noStrike" cap="none" dirty="0" err="1">
+                <a:solidFill>
+                  <a:srgbClr val="BFC7D5"/>
+                </a:solidFill>
+                <a:highlight>
+                  <a:srgbClr val="292D3E"/>
+                </a:highlight>
+                <a:latin typeface="Consolas"/>
+                <a:ea typeface="Consolas"/>
+                <a:cs typeface="Consolas"/>
+                <a:sym typeface="Consolas"/>
+              </a:rPr>
+              <a:t>app.</a:t>
+            </a:r>
+            <a:r>
+              <a:rPr lang="es-419" sz="1100" b="0" i="0" u="none" strike="noStrike" cap="none" dirty="0" err="1">
                 <a:solidFill>
                   <a:srgbClr val="B2CCD6"/>
                 </a:solidFill>
@@ -12641,7 +13151,7 @@
               <a:t>run</a:t>
             </a:r>
             <a:r>
-              <a:rPr lang="es-419" sz="1100" b="0" i="0" u="none" strike="noStrike" cap="none">
+              <a:rPr lang="es-419" sz="1100" b="0" i="0" u="none" strike="noStrike" cap="none" dirty="0">
                 <a:solidFill>
                   <a:srgbClr val="BFC7D5"/>
                 </a:solidFill>
@@ -12656,7 +13166,7 @@
               <a:t>(</a:t>
             </a:r>
             <a:r>
-              <a:rPr lang="es-419" sz="1100" b="0" i="0" u="none" strike="noStrike" cap="none">
+              <a:rPr lang="es-419" sz="1100" b="0" i="0" u="none" strike="noStrike" cap="none" dirty="0" err="1">
                 <a:solidFill>
                   <a:srgbClr val="7986E7"/>
                 </a:solidFill>
@@ -12671,7 +13181,7 @@
               <a:t>debug</a:t>
             </a:r>
             <a:r>
-              <a:rPr lang="es-419" sz="1100" b="0" i="0" u="none" strike="noStrike" cap="none">
+              <a:rPr lang="es-419" sz="1100" b="0" i="0" u="none" strike="noStrike" cap="none" dirty="0">
                 <a:solidFill>
                   <a:srgbClr val="C792EA"/>
                 </a:solidFill>
@@ -12686,7 +13196,7 @@
               <a:t>=</a:t>
             </a:r>
             <a:r>
-              <a:rPr lang="es-419" sz="1100" b="0" i="0" u="none" strike="noStrike" cap="none">
+              <a:rPr lang="es-419" sz="1100" b="0" i="0" u="none" strike="noStrike" cap="none" dirty="0">
                 <a:solidFill>
                   <a:srgbClr val="FF5874"/>
                 </a:solidFill>
@@ -12701,7 +13211,7 @@
               <a:t>True</a:t>
             </a:r>
             <a:r>
-              <a:rPr lang="es-419" sz="1100" b="0" i="0" u="none" strike="noStrike" cap="none">
+              <a:rPr lang="es-419" sz="1100" b="0" i="0" u="none" strike="noStrike" cap="none" dirty="0">
                 <a:solidFill>
                   <a:srgbClr val="BFC7D5"/>
                 </a:solidFill>
@@ -12715,7 +13225,7 @@
               </a:rPr>
               <a:t>)</a:t>
             </a:r>
-            <a:endParaRPr sz="1400" b="0" i="0" u="none" strike="noStrike" cap="none">
+            <a:endParaRPr sz="1400" b="0" i="0" u="none" strike="noStrike" cap="none" dirty="0">
               <a:solidFill>
                 <a:srgbClr val="000000"/>
               </a:solidFill>
@@ -12927,7 +13437,7 @@
               <a:buNone/>
             </a:pPr>
             <a:r>
-              <a:rPr lang="es-419" sz="1400" b="0" i="0" u="none" strike="noStrike" cap="none">
+              <a:rPr lang="es-419" sz="1400" b="0" i="0" u="none" strike="noStrike" cap="none" dirty="0">
                 <a:solidFill>
                   <a:srgbClr val="000000"/>
                 </a:solidFill>
@@ -12936,9 +13446,57 @@
                 <a:cs typeface="Montserrat Medium"/>
                 <a:sym typeface="Montserrat Medium"/>
               </a:rPr>
-              <a:t>Luego procedemos a correr el servidor de desarrollo de flask para probar nuestra API-Rest. Desde consola, posicionados en el directorio del proyecto, ejecutamos el siguiente comando</a:t>
-            </a:r>
-            <a:endParaRPr sz="1400" b="0" i="0" u="none" strike="noStrike" cap="none">
+              <a:t>Luego procedemos a correr el servidor de desarrollo de </a:t>
+            </a:r>
+            <a:r>
+              <a:rPr lang="es-419" sz="1400" b="0" i="0" u="none" strike="noStrike" cap="none" dirty="0" err="1">
+                <a:solidFill>
+                  <a:srgbClr val="000000"/>
+                </a:solidFill>
+                <a:latin typeface="Montserrat Medium"/>
+                <a:ea typeface="Montserrat Medium"/>
+                <a:cs typeface="Montserrat Medium"/>
+                <a:sym typeface="Montserrat Medium"/>
+              </a:rPr>
+              <a:t>flask</a:t>
+            </a:r>
+            <a:r>
+              <a:rPr lang="es-419" sz="1400" b="0" i="0" u="none" strike="noStrike" cap="none" dirty="0">
+                <a:solidFill>
+                  <a:srgbClr val="000000"/>
+                </a:solidFill>
+                <a:latin typeface="Montserrat Medium"/>
+                <a:ea typeface="Montserrat Medium"/>
+                <a:cs typeface="Montserrat Medium"/>
+                <a:sym typeface="Montserrat Medium"/>
+              </a:rPr>
+              <a:t> para probar nuestra API-</a:t>
+            </a:r>
+            <a:r>
+              <a:rPr lang="es-419" sz="1400" b="0" i="0" u="none" strike="noStrike" cap="none" dirty="0" err="1">
+                <a:solidFill>
+                  <a:srgbClr val="000000"/>
+                </a:solidFill>
+                <a:latin typeface="Montserrat Medium"/>
+                <a:ea typeface="Montserrat Medium"/>
+                <a:cs typeface="Montserrat Medium"/>
+                <a:sym typeface="Montserrat Medium"/>
+              </a:rPr>
+              <a:t>Rest</a:t>
+            </a:r>
+            <a:r>
+              <a:rPr lang="es-419" sz="1400" b="0" i="0" u="none" strike="noStrike" cap="none" dirty="0">
+                <a:solidFill>
+                  <a:srgbClr val="000000"/>
+                </a:solidFill>
+                <a:latin typeface="Montserrat Medium"/>
+                <a:ea typeface="Montserrat Medium"/>
+                <a:cs typeface="Montserrat Medium"/>
+                <a:sym typeface="Montserrat Medium"/>
+              </a:rPr>
+              <a:t>. Desde consola, posicionados en el directorio del proyecto, ejecutamos el siguiente comando</a:t>
+            </a:r>
+            <a:endParaRPr sz="1400" b="0" i="0" u="none" strike="noStrike" cap="none" dirty="0">
               <a:solidFill>
                 <a:srgbClr val="000000"/>
               </a:solidFill>
@@ -12966,7 +13524,7 @@
               <a:buFont typeface="Arial"/>
               <a:buNone/>
             </a:pPr>
-            <a:endParaRPr sz="1400" b="0" i="0" u="none" strike="noStrike" cap="none">
+            <a:endParaRPr sz="1400" b="0" i="0" u="none" strike="noStrike" cap="none" dirty="0">
               <a:solidFill>
                 <a:srgbClr val="000000"/>
               </a:solidFill>
@@ -12994,7 +13552,7 @@
               <a:buFont typeface="Arial"/>
               <a:buNone/>
             </a:pPr>
-            <a:endParaRPr sz="1300" b="0" i="0" u="none" strike="noStrike" cap="none">
+            <a:endParaRPr sz="1300" b="0" i="0" u="none" strike="noStrike" cap="none" dirty="0">
               <a:solidFill>
                 <a:srgbClr val="000000"/>
               </a:solidFill>
@@ -13023,7 +13581,7 @@
               <a:buNone/>
             </a:pPr>
             <a:r>
-              <a:rPr lang="es-419" sz="1300" b="0" i="0" u="none" strike="noStrike" cap="none">
+              <a:rPr lang="es-419" sz="1300" b="0" i="0" u="none" strike="noStrike" cap="none" dirty="0">
                 <a:solidFill>
                   <a:srgbClr val="000000"/>
                 </a:solidFill>
@@ -13035,7 +13593,7 @@
               <a:t>En consola podremos ver que el servidor está a la espera de recibir peticiones, por medio de la ruta </a:t>
             </a:r>
             <a:r>
-              <a:rPr lang="es-419" sz="1300" b="0" i="0" u="sng" strike="noStrike" cap="none">
+              <a:rPr lang="es-419" sz="1300" b="0" i="0" u="sng" strike="noStrike" cap="none" dirty="0">
                 <a:solidFill>
                   <a:srgbClr val="000000"/>
                 </a:solidFill>
@@ -13054,7 +13612,7 @@
               <a:t>http://127.0.0.1:5000</a:t>
             </a:r>
             <a:r>
-              <a:rPr lang="es-419" sz="1300" b="0" i="0" u="none" strike="noStrike" cap="none">
+              <a:rPr lang="es-419" sz="1300" b="0" i="0" u="none" strike="noStrike" cap="none" dirty="0">
                 <a:solidFill>
                   <a:srgbClr val="000000"/>
                 </a:solidFill>
@@ -13065,7 +13623,7 @@
               </a:rPr>
               <a:t>. Si se accede desde un navegador podremos ver el mensaje de bienvenida.</a:t>
             </a:r>
-            <a:endParaRPr sz="1300" b="0" i="0" u="none" strike="noStrike" cap="none">
+            <a:endParaRPr sz="1300" b="0" i="0" u="none" strike="noStrike" cap="none" dirty="0">
               <a:solidFill>
                 <a:srgbClr val="000000"/>
               </a:solidFill>
@@ -13331,7 +13889,7 @@
               <a:buNone/>
             </a:pPr>
             <a:r>
-              <a:rPr lang="es-419" sz="1300" b="0" i="0" u="none" strike="noStrike" cap="none">
+              <a:rPr lang="es-419" sz="1300" b="0" i="0" u="none" strike="noStrike" cap="none" dirty="0">
                 <a:solidFill>
                   <a:srgbClr val="000000"/>
                 </a:solidFill>
@@ -13342,7 +13900,7 @@
               </a:rPr>
               <a:t>Las variables de entorno se utilizan para almacenar los secretos de la aplicación y los datos de configuración, que son recuperados por tu aplicación en ejecución cuando se necesitan. El valor de estas variables puede proceder de diversas fuentes: archivos de texto, gestores secretos de terceros, scripts de llamada, etc.</a:t>
             </a:r>
-            <a:endParaRPr sz="1400" b="0" i="0" u="none" strike="noStrike" cap="none">
+            <a:endParaRPr sz="1400" b="0" i="0" u="none" strike="noStrike" cap="none" dirty="0">
               <a:solidFill>
                 <a:srgbClr val="000000"/>
               </a:solidFill>
@@ -13370,7 +13928,7 @@
               <a:buFont typeface="Arial"/>
               <a:buNone/>
             </a:pPr>
-            <a:endParaRPr sz="1300" b="0" i="0" u="none" strike="noStrike" cap="none">
+            <a:endParaRPr sz="1300" b="0" i="0" u="none" strike="noStrike" cap="none" dirty="0">
               <a:solidFill>
                 <a:srgbClr val="000000"/>
               </a:solidFill>
@@ -13399,7 +13957,7 @@
               <a:buNone/>
             </a:pPr>
             <a:r>
-              <a:rPr lang="es-419" sz="1300" b="1" i="0" u="none" strike="noStrike" cap="none">
+              <a:rPr lang="es-419" sz="1300" b="1" i="0" u="none" strike="noStrike" cap="none" dirty="0">
                 <a:solidFill>
                   <a:srgbClr val="000000"/>
                 </a:solidFill>
@@ -13410,7 +13968,7 @@
               </a:rPr>
               <a:t>Instalación librería </a:t>
             </a:r>
-            <a:endParaRPr sz="1400" b="0" i="0" u="none" strike="noStrike" cap="none">
+            <a:endParaRPr sz="1400" b="0" i="0" u="none" strike="noStrike" cap="none" dirty="0">
               <a:solidFill>
                 <a:srgbClr val="000000"/>
               </a:solidFill>
@@ -13438,7 +13996,7 @@
               <a:buFont typeface="Arial"/>
               <a:buNone/>
             </a:pPr>
-            <a:endParaRPr sz="1300" b="0" i="0" u="none" strike="noStrike" cap="none">
+            <a:endParaRPr sz="1300" b="0" i="0" u="none" strike="noStrike" cap="none" dirty="0">
               <a:solidFill>
                 <a:srgbClr val="000000"/>
               </a:solidFill>
@@ -13493,7 +14051,7 @@
               <a:buNone/>
             </a:pPr>
             <a:r>
-              <a:rPr lang="es-419" sz="1400" b="0" i="1" u="none" strike="noStrike" cap="none">
+              <a:rPr lang="es-419" sz="1400" b="0" i="1" u="none" strike="noStrike" cap="none" dirty="0" err="1">
                 <a:solidFill>
                   <a:srgbClr val="0C4B33"/>
                 </a:solidFill>
@@ -13502,9 +14060,57 @@
                 <a:cs typeface="Arial"/>
                 <a:sym typeface="Arial"/>
               </a:rPr>
-              <a:t>pip install python-dotenv</a:t>
-            </a:r>
-            <a:endParaRPr sz="1400" b="0" i="1" u="none" strike="noStrike" cap="none">
+              <a:t>pip</a:t>
+            </a:r>
+            <a:r>
+              <a:rPr lang="es-419" sz="1400" b="0" i="1" u="none" strike="noStrike" cap="none" dirty="0">
+                <a:solidFill>
+                  <a:srgbClr val="0C4B33"/>
+                </a:solidFill>
+                <a:latin typeface="Arial"/>
+                <a:ea typeface="Arial"/>
+                <a:cs typeface="Arial"/>
+                <a:sym typeface="Arial"/>
+              </a:rPr>
+              <a:t> </a:t>
+            </a:r>
+            <a:r>
+              <a:rPr lang="es-419" sz="1400" b="0" i="1" u="none" strike="noStrike" cap="none" dirty="0" err="1">
+                <a:solidFill>
+                  <a:srgbClr val="0C4B33"/>
+                </a:solidFill>
+                <a:latin typeface="Arial"/>
+                <a:ea typeface="Arial"/>
+                <a:cs typeface="Arial"/>
+                <a:sym typeface="Arial"/>
+              </a:rPr>
+              <a:t>install</a:t>
+            </a:r>
+            <a:r>
+              <a:rPr lang="es-419" sz="1400" b="0" i="1" u="none" strike="noStrike" cap="none" dirty="0">
+                <a:solidFill>
+                  <a:srgbClr val="0C4B33"/>
+                </a:solidFill>
+                <a:latin typeface="Arial"/>
+                <a:ea typeface="Arial"/>
+                <a:cs typeface="Arial"/>
+                <a:sym typeface="Arial"/>
+              </a:rPr>
+              <a:t> </a:t>
+            </a:r>
+            <a:r>
+              <a:rPr lang="es-419" sz="1400" b="0" i="1" u="none" strike="noStrike" cap="none" dirty="0" err="1">
+                <a:solidFill>
+                  <a:srgbClr val="0C4B33"/>
+                </a:solidFill>
+                <a:latin typeface="Arial"/>
+                <a:ea typeface="Arial"/>
+                <a:cs typeface="Arial"/>
+                <a:sym typeface="Arial"/>
+              </a:rPr>
+              <a:t>python-dotenv</a:t>
+            </a:r>
+            <a:endParaRPr sz="1400" b="0" i="1" u="none" strike="noStrike" cap="none" dirty="0">
               <a:solidFill>
                 <a:srgbClr val="0C4B33"/>
               </a:solidFill>
@@ -15721,7 +16327,7 @@
               <a:buNone/>
             </a:pPr>
             <a:r>
-              <a:rPr lang="es-419" sz="1300" b="1" i="0" u="none" strike="noStrike" cap="none">
+              <a:rPr lang="es-419" sz="1300" b="1" i="0" u="none" strike="noStrike" cap="none" dirty="0">
                 <a:solidFill>
                   <a:srgbClr val="000000"/>
                 </a:solidFill>
@@ -15732,7 +16338,7 @@
               </a:rPr>
               <a:t>Creación del archivo  app/database.py</a:t>
             </a:r>
-            <a:endParaRPr sz="1400" b="0" i="0" u="none" strike="noStrike" cap="none">
+            <a:endParaRPr sz="1400" b="0" i="0" u="none" strike="noStrike" cap="none" dirty="0">
               <a:solidFill>
                 <a:srgbClr val="000000"/>
               </a:solidFill>
@@ -15761,7 +16367,7 @@
               <a:buNone/>
             </a:pPr>
             <a:r>
-              <a:rPr lang="es-419" sz="1300" b="0" i="0" u="none" strike="noStrike" cap="none">
+              <a:rPr lang="es-419" sz="1300" b="0" i="0" u="none" strike="noStrike" cap="none" dirty="0">
                 <a:solidFill>
                   <a:srgbClr val="000000"/>
                 </a:solidFill>
@@ -15773,7 +16379,7 @@
               <a:t>En el directorio app, creamos el archivo database.py que contendrá las funciones para establecer la conexión con la base de datos de </a:t>
             </a:r>
             <a:r>
-              <a:rPr lang="es-419" sz="1300">
+              <a:rPr lang="es-419" sz="1300" dirty="0">
                 <a:latin typeface="Montserrat"/>
                 <a:ea typeface="Montserrat"/>
                 <a:cs typeface="Montserrat"/>
@@ -15782,7 +16388,7 @@
               <a:t>PostgreSQL</a:t>
             </a:r>
             <a:r>
-              <a:rPr lang="es-419" sz="1300" b="0" i="0" u="none" strike="noStrike" cap="none">
+              <a:rPr lang="es-419" sz="1300" b="0" i="0" u="none" strike="noStrike" cap="none" dirty="0">
                 <a:solidFill>
                   <a:srgbClr val="000000"/>
                 </a:solidFill>
@@ -15793,7 +16399,7 @@
               </a:rPr>
               <a:t>.</a:t>
             </a:r>
-            <a:endParaRPr sz="1300" b="0" i="0" u="none" strike="noStrike" cap="none">
+            <a:endParaRPr sz="1300" b="0" i="0" u="none" strike="noStrike" cap="none" dirty="0">
               <a:solidFill>
                 <a:srgbClr val="000000"/>
               </a:solidFill>
@@ -18587,7 +19193,7 @@
               <a:buNone/>
             </a:pPr>
             <a:r>
-              <a:rPr lang="es-419" sz="750">
+              <a:rPr lang="es-419" sz="750" dirty="0" err="1">
                 <a:solidFill>
                   <a:srgbClr val="569CD6"/>
                 </a:solidFill>
@@ -18602,7 +19208,7 @@
               <a:t>def</a:t>
             </a:r>
             <a:r>
-              <a:rPr lang="es-419" sz="750">
+              <a:rPr lang="es-419" sz="750" dirty="0">
                 <a:solidFill>
                   <a:srgbClr val="CCCCCC"/>
                 </a:solidFill>
@@ -18617,7 +19223,7 @@
               <a:t> </a:t>
             </a:r>
             <a:r>
-              <a:rPr lang="es-419" sz="750">
+              <a:rPr lang="es-419" sz="750" dirty="0" err="1">
                 <a:solidFill>
                   <a:srgbClr val="DCDCAA"/>
                 </a:solidFill>
@@ -18632,7 +19238,7 @@
               <a:t>create_table_tareas</a:t>
             </a:r>
             <a:r>
-              <a:rPr lang="es-419" sz="750">
+              <a:rPr lang="es-419" sz="750" dirty="0">
                 <a:solidFill>
                   <a:srgbClr val="CCCCCC"/>
                 </a:solidFill>
@@ -18646,7 +19252,7 @@
               </a:rPr>
               <a:t>():</a:t>
             </a:r>
-            <a:endParaRPr sz="750">
+            <a:endParaRPr sz="750" dirty="0">
               <a:solidFill>
                 <a:srgbClr val="CCCCCC"/>
               </a:solidFill>
@@ -18678,7 +19284,7 @@
               <a:buNone/>
             </a:pPr>
             <a:r>
-              <a:rPr lang="es-419" sz="750">
+              <a:rPr lang="es-419" sz="750" dirty="0">
                 <a:solidFill>
                   <a:srgbClr val="CCCCCC"/>
                 </a:solidFill>
@@ -18693,7 +19299,7 @@
               <a:t>    </a:t>
             </a:r>
             <a:r>
-              <a:rPr lang="es-419" sz="750">
+              <a:rPr lang="es-419" sz="750" dirty="0" err="1">
                 <a:solidFill>
                   <a:srgbClr val="9CDCFE"/>
                 </a:solidFill>
@@ -18708,7 +19314,7 @@
               <a:t>conn</a:t>
             </a:r>
             <a:r>
-              <a:rPr lang="es-419" sz="750">
+              <a:rPr lang="es-419" sz="750" dirty="0">
                 <a:solidFill>
                   <a:srgbClr val="CCCCCC"/>
                 </a:solidFill>
@@ -18723,7 +19329,7 @@
               <a:t> </a:t>
             </a:r>
             <a:r>
-              <a:rPr lang="es-419" sz="750">
+              <a:rPr lang="es-419" sz="750" dirty="0">
                 <a:solidFill>
                   <a:srgbClr val="D4D4D4"/>
                 </a:solidFill>
@@ -18738,7 +19344,7 @@
               <a:t>=</a:t>
             </a:r>
             <a:r>
-              <a:rPr lang="es-419" sz="750">
+              <a:rPr lang="es-419" sz="750" dirty="0">
                 <a:solidFill>
                   <a:srgbClr val="CCCCCC"/>
                 </a:solidFill>
@@ -18753,7 +19359,7 @@
               <a:t> </a:t>
             </a:r>
             <a:r>
-              <a:rPr lang="es-419" sz="750">
+              <a:rPr lang="es-419" sz="750" dirty="0">
                 <a:solidFill>
                   <a:srgbClr val="4EC9B0"/>
                 </a:solidFill>
@@ -18768,7 +19374,7 @@
               <a:t>psycopg2</a:t>
             </a:r>
             <a:r>
-              <a:rPr lang="es-419" sz="750">
+              <a:rPr lang="es-419" sz="750" dirty="0">
                 <a:solidFill>
                   <a:srgbClr val="CCCCCC"/>
                 </a:solidFill>
@@ -18783,7 +19389,7 @@
               <a:t>.</a:t>
             </a:r>
             <a:r>
-              <a:rPr lang="es-419" sz="750">
+              <a:rPr lang="es-419" sz="750" dirty="0">
                 <a:solidFill>
                   <a:srgbClr val="DCDCAA"/>
                 </a:solidFill>
@@ -18798,7 +19404,7 @@
               <a:t>connect</a:t>
             </a:r>
             <a:r>
-              <a:rPr lang="es-419" sz="750">
+              <a:rPr lang="es-419" sz="750" dirty="0">
                 <a:solidFill>
                   <a:srgbClr val="CCCCCC"/>
                 </a:solidFill>
@@ -18813,7 +19419,7 @@
               <a:t>(</a:t>
             </a:r>
             <a:r>
-              <a:rPr lang="es-419" sz="750">
+              <a:rPr lang="es-419" sz="750" dirty="0">
                 <a:solidFill>
                   <a:srgbClr val="D4D4D4"/>
                 </a:solidFill>
@@ -18828,7 +19434,7 @@
               <a:t>**</a:t>
             </a:r>
             <a:r>
-              <a:rPr lang="es-419" sz="750">
+              <a:rPr lang="es-419" sz="750" dirty="0">
                 <a:solidFill>
                   <a:srgbClr val="4FC1FF"/>
                 </a:solidFill>
@@ -18843,7 +19449,7 @@
               <a:t>DATABASE_CONFIG</a:t>
             </a:r>
             <a:r>
-              <a:rPr lang="es-419" sz="750">
+              <a:rPr lang="es-419" sz="750" dirty="0">
                 <a:solidFill>
                   <a:srgbClr val="CCCCCC"/>
                 </a:solidFill>
@@ -18857,7 +19463,7 @@
               </a:rPr>
               <a:t>)</a:t>
             </a:r>
-            <a:endParaRPr sz="750">
+            <a:endParaRPr sz="750" dirty="0">
               <a:solidFill>
                 <a:srgbClr val="CCCCCC"/>
               </a:solidFill>
@@ -18889,7 +19495,7 @@
               <a:buNone/>
             </a:pPr>
             <a:r>
-              <a:rPr lang="es-419" sz="750">
+              <a:rPr lang="es-419" sz="750" dirty="0">
                 <a:solidFill>
                   <a:srgbClr val="CCCCCC"/>
                 </a:solidFill>
@@ -18904,7 +19510,7 @@
               <a:t>    </a:t>
             </a:r>
             <a:r>
-              <a:rPr lang="es-419" sz="750">
+              <a:rPr lang="es-419" sz="750" dirty="0" err="1">
                 <a:solidFill>
                   <a:srgbClr val="9CDCFE"/>
                 </a:solidFill>
@@ -18919,7 +19525,7 @@
               <a:t>cur</a:t>
             </a:r>
             <a:r>
-              <a:rPr lang="es-419" sz="750">
+              <a:rPr lang="es-419" sz="750" dirty="0">
                 <a:solidFill>
                   <a:srgbClr val="CCCCCC"/>
                 </a:solidFill>
@@ -18934,7 +19540,7 @@
               <a:t> </a:t>
             </a:r>
             <a:r>
-              <a:rPr lang="es-419" sz="750">
+              <a:rPr lang="es-419" sz="750" dirty="0">
                 <a:solidFill>
                   <a:srgbClr val="D4D4D4"/>
                 </a:solidFill>
@@ -18949,7 +19555,7 @@
               <a:t>=</a:t>
             </a:r>
             <a:r>
-              <a:rPr lang="es-419" sz="750">
+              <a:rPr lang="es-419" sz="750" dirty="0">
                 <a:solidFill>
                   <a:srgbClr val="CCCCCC"/>
                 </a:solidFill>
@@ -18964,7 +19570,7 @@
               <a:t> </a:t>
             </a:r>
             <a:r>
-              <a:rPr lang="es-419" sz="750">
+              <a:rPr lang="es-419" sz="750" dirty="0" err="1">
                 <a:solidFill>
                   <a:srgbClr val="9CDCFE"/>
                 </a:solidFill>
@@ -18979,7 +19585,7 @@
               <a:t>conn</a:t>
             </a:r>
             <a:r>
-              <a:rPr lang="es-419" sz="750">
+              <a:rPr lang="es-419" sz="750" dirty="0" err="1">
                 <a:solidFill>
                   <a:srgbClr val="CCCCCC"/>
                 </a:solidFill>
@@ -18991,9 +19597,24 @@
                 <a:cs typeface="Consolas"/>
                 <a:sym typeface="Consolas"/>
               </a:rPr>
-              <a:t>.cursor()</a:t>
-            </a:r>
-            <a:endParaRPr sz="750">
+              <a:t>.cursor</a:t>
+            </a:r>
+            <a:r>
+              <a:rPr lang="es-419" sz="750" dirty="0">
+                <a:solidFill>
+                  <a:srgbClr val="CCCCCC"/>
+                </a:solidFill>
+                <a:highlight>
+                  <a:srgbClr val="1F1F1F"/>
+                </a:highlight>
+                <a:latin typeface="Consolas"/>
+                <a:ea typeface="Consolas"/>
+                <a:cs typeface="Consolas"/>
+                <a:sym typeface="Consolas"/>
+              </a:rPr>
+              <a:t>()</a:t>
+            </a:r>
+            <a:endParaRPr sz="750" dirty="0">
               <a:solidFill>
                 <a:srgbClr val="CCCCCC"/>
               </a:solidFill>
@@ -19025,7 +19646,7 @@
               <a:buNone/>
             </a:pPr>
             <a:r>
-              <a:rPr lang="es-419" sz="750">
+              <a:rPr lang="es-419" sz="750" dirty="0">
                 <a:solidFill>
                   <a:srgbClr val="CCCCCC"/>
                 </a:solidFill>
@@ -19040,7 +19661,7 @@
               <a:t>    </a:t>
             </a:r>
             <a:r>
-              <a:rPr lang="es-419" sz="750">
+              <a:rPr lang="es-419" sz="750" dirty="0" err="1">
                 <a:solidFill>
                   <a:srgbClr val="9CDCFE"/>
                 </a:solidFill>
@@ -19055,7 +19676,7 @@
               <a:t>cur</a:t>
             </a:r>
             <a:r>
-              <a:rPr lang="es-419" sz="750">
+              <a:rPr lang="es-419" sz="750" dirty="0" err="1">
                 <a:solidFill>
                   <a:srgbClr val="CCCCCC"/>
                 </a:solidFill>
@@ -19067,9 +19688,24 @@
                 <a:cs typeface="Consolas"/>
                 <a:sym typeface="Consolas"/>
               </a:rPr>
-              <a:t>.execute(</a:t>
-            </a:r>
-            <a:endParaRPr sz="750">
+              <a:t>.execute</a:t>
+            </a:r>
+            <a:r>
+              <a:rPr lang="es-419" sz="750" dirty="0">
+                <a:solidFill>
+                  <a:srgbClr val="CCCCCC"/>
+                </a:solidFill>
+                <a:highlight>
+                  <a:srgbClr val="1F1F1F"/>
+                </a:highlight>
+                <a:latin typeface="Consolas"/>
+                <a:ea typeface="Consolas"/>
+                <a:cs typeface="Consolas"/>
+                <a:sym typeface="Consolas"/>
+              </a:rPr>
+              <a:t>(</a:t>
+            </a:r>
+            <a:endParaRPr sz="750" dirty="0">
               <a:solidFill>
                 <a:srgbClr val="CCCCCC"/>
               </a:solidFill>
@@ -19101,7 +19737,7 @@
               <a:buNone/>
             </a:pPr>
             <a:r>
-              <a:rPr lang="es-419" sz="750">
+              <a:rPr lang="es-419" sz="750" dirty="0">
                 <a:solidFill>
                   <a:srgbClr val="CCCCCC"/>
                 </a:solidFill>
@@ -19116,7 +19752,7 @@
               <a:t>        </a:t>
             </a:r>
             <a:r>
-              <a:rPr lang="es-419" sz="750">
+              <a:rPr lang="es-419" sz="750" dirty="0">
                 <a:solidFill>
                   <a:srgbClr val="CE9178"/>
                 </a:solidFill>
@@ -19130,7 +19766,7 @@
               </a:rPr>
               <a:t>"""</a:t>
             </a:r>
-            <a:endParaRPr sz="750">
+            <a:endParaRPr sz="750" dirty="0">
               <a:solidFill>
                 <a:srgbClr val="CE9178"/>
               </a:solidFill>
@@ -19162,7 +19798,7 @@
               <a:buNone/>
             </a:pPr>
             <a:r>
-              <a:rPr lang="es-419" sz="750">
+              <a:rPr lang="es-419" sz="750" dirty="0">
                 <a:solidFill>
                   <a:srgbClr val="CE9178"/>
                 </a:solidFill>
@@ -19176,7 +19812,7 @@
               </a:rPr>
               <a:t>        CREATE TABLE IF NOT EXISTS Tareas (</a:t>
             </a:r>
-            <a:endParaRPr sz="750">
+            <a:endParaRPr sz="750" dirty="0">
               <a:solidFill>
                 <a:srgbClr val="CE9178"/>
               </a:solidFill>
@@ -19208,7 +19844,7 @@
               <a:buNone/>
             </a:pPr>
             <a:r>
-              <a:rPr lang="es-419" sz="750">
+              <a:rPr lang="es-419" sz="750" dirty="0">
                 <a:solidFill>
                   <a:srgbClr val="CE9178"/>
                 </a:solidFill>
@@ -19222,7 +19858,7 @@
               </a:rPr>
               <a:t>            id SERIAL PRIMARY KEY,</a:t>
             </a:r>
-            <a:endParaRPr sz="750">
+            <a:endParaRPr sz="750" dirty="0">
               <a:solidFill>
                 <a:srgbClr val="CE9178"/>
               </a:solidFill>
@@ -19254,7 +19890,7 @@
               <a:buNone/>
             </a:pPr>
             <a:r>
-              <a:rPr lang="es-419" sz="750">
+              <a:rPr lang="es-419" sz="750" dirty="0">
                 <a:solidFill>
                   <a:srgbClr val="CE9178"/>
                 </a:solidFill>
@@ -19268,7 +19904,7 @@
               </a:rPr>
               <a:t>            nombre VARCHAR(50) NOT NULL,</a:t>
             </a:r>
-            <a:endParaRPr sz="750">
+            <a:endParaRPr sz="750" dirty="0">
               <a:solidFill>
                 <a:srgbClr val="CE9178"/>
               </a:solidFill>
@@ -19300,7 +19936,7 @@
               <a:buNone/>
             </a:pPr>
             <a:r>
-              <a:rPr lang="es-419" sz="750">
+              <a:rPr lang="es-419" sz="750" dirty="0">
                 <a:solidFill>
                   <a:srgbClr val="CE9178"/>
                 </a:solidFill>
@@ -19312,9 +19948,39 @@
                 <a:cs typeface="Consolas"/>
                 <a:sym typeface="Consolas"/>
               </a:rPr>
-              <a:t>            descripcion VARCHAR(300) NOT NULL,</a:t>
-            </a:r>
-            <a:endParaRPr sz="750">
+              <a:t>            </a:t>
+            </a:r>
+            <a:r>
+              <a:rPr lang="es-419" sz="750" dirty="0" err="1">
+                <a:solidFill>
+                  <a:srgbClr val="CE9178"/>
+                </a:solidFill>
+                <a:highlight>
+                  <a:srgbClr val="1F1F1F"/>
+                </a:highlight>
+                <a:latin typeface="Consolas"/>
+                <a:ea typeface="Consolas"/>
+                <a:cs typeface="Consolas"/>
+                <a:sym typeface="Consolas"/>
+              </a:rPr>
+              <a:t>descripcion</a:t>
+            </a:r>
+            <a:r>
+              <a:rPr lang="es-419" sz="750" dirty="0">
+                <a:solidFill>
+                  <a:srgbClr val="CE9178"/>
+                </a:solidFill>
+                <a:highlight>
+                  <a:srgbClr val="1F1F1F"/>
+                </a:highlight>
+                <a:latin typeface="Consolas"/>
+                <a:ea typeface="Consolas"/>
+                <a:cs typeface="Consolas"/>
+                <a:sym typeface="Consolas"/>
+              </a:rPr>
+              <a:t> VARCHAR(300) NOT NULL,</a:t>
+            </a:r>
+            <a:endParaRPr sz="750" dirty="0">
               <a:solidFill>
                 <a:srgbClr val="CE9178"/>
               </a:solidFill>
@@ -19346,7 +20012,7 @@
               <a:buNone/>
             </a:pPr>
             <a:r>
-              <a:rPr lang="es-419" sz="750">
+              <a:rPr lang="es-419" sz="750" dirty="0">
                 <a:solidFill>
                   <a:srgbClr val="CE9178"/>
                 </a:solidFill>
@@ -19360,7 +20026,7 @@
               </a:rPr>
               <a:t>            completada BOOLEAN NOT NULL,</a:t>
             </a:r>
-            <a:endParaRPr sz="750">
+            <a:endParaRPr sz="750" dirty="0">
               <a:solidFill>
                 <a:srgbClr val="CE9178"/>
               </a:solidFill>
@@ -19392,7 +20058,7 @@
               <a:buNone/>
             </a:pPr>
             <a:r>
-              <a:rPr lang="es-419" sz="750">
+              <a:rPr lang="es-419" sz="750" dirty="0">
                 <a:solidFill>
                   <a:srgbClr val="CE9178"/>
                 </a:solidFill>
@@ -19406,7 +20072,7 @@
               </a:rPr>
               <a:t>            activo BOOLEAN NOT NULL</a:t>
             </a:r>
-            <a:endParaRPr sz="750">
+            <a:endParaRPr sz="750" dirty="0">
               <a:solidFill>
                 <a:srgbClr val="CE9178"/>
               </a:solidFill>
@@ -19438,7 +20104,7 @@
               <a:buNone/>
             </a:pPr>
             <a:r>
-              <a:rPr lang="es-419" sz="750">
+              <a:rPr lang="es-419" sz="750" dirty="0">
                 <a:solidFill>
                   <a:srgbClr val="CE9178"/>
                 </a:solidFill>
@@ -19452,7 +20118,7 @@
               </a:rPr>
               <a:t>        );</a:t>
             </a:r>
-            <a:endParaRPr sz="750">
+            <a:endParaRPr sz="750" dirty="0">
               <a:solidFill>
                 <a:srgbClr val="CE9178"/>
               </a:solidFill>
@@ -19484,7 +20150,7 @@
               <a:buNone/>
             </a:pPr>
             <a:r>
-              <a:rPr lang="es-419" sz="750">
+              <a:rPr lang="es-419" sz="750" dirty="0">
                 <a:solidFill>
                   <a:srgbClr val="CE9178"/>
                 </a:solidFill>
@@ -19498,7 +20164,7 @@
               </a:rPr>
               <a:t>        """</a:t>
             </a:r>
-            <a:endParaRPr sz="750">
+            <a:endParaRPr sz="750" dirty="0">
               <a:solidFill>
                 <a:srgbClr val="CE9178"/>
               </a:solidFill>
@@ -19530,7 +20196,7 @@
               <a:buNone/>
             </a:pPr>
             <a:r>
-              <a:rPr lang="es-419" sz="750">
+              <a:rPr lang="es-419" sz="750" dirty="0">
                 <a:solidFill>
                   <a:srgbClr val="CCCCCC"/>
                 </a:solidFill>
@@ -19544,7 +20210,7 @@
               </a:rPr>
               <a:t>    )</a:t>
             </a:r>
-            <a:endParaRPr sz="750">
+            <a:endParaRPr sz="750" dirty="0">
               <a:solidFill>
                 <a:srgbClr val="CCCCCC"/>
               </a:solidFill>
@@ -19576,7 +20242,7 @@
               <a:buNone/>
             </a:pPr>
             <a:r>
-              <a:rPr lang="es-419" sz="750">
+              <a:rPr lang="es-419" sz="750" dirty="0">
                 <a:solidFill>
                   <a:srgbClr val="CCCCCC"/>
                 </a:solidFill>
@@ -19591,7 +20257,7 @@
               <a:t>    </a:t>
             </a:r>
             <a:r>
-              <a:rPr lang="es-419" sz="750">
+              <a:rPr lang="es-419" sz="750" dirty="0" err="1">
                 <a:solidFill>
                   <a:srgbClr val="9CDCFE"/>
                 </a:solidFill>
@@ -19606,7 +20272,7 @@
               <a:t>conn</a:t>
             </a:r>
             <a:r>
-              <a:rPr lang="es-419" sz="750">
+              <a:rPr lang="es-419" sz="750" dirty="0" err="1">
                 <a:solidFill>
                   <a:srgbClr val="CCCCCC"/>
                 </a:solidFill>
@@ -19618,9 +20284,24 @@
                 <a:cs typeface="Consolas"/>
                 <a:sym typeface="Consolas"/>
               </a:rPr>
-              <a:t>.commit()</a:t>
-            </a:r>
-            <a:endParaRPr sz="750">
+              <a:t>.commit</a:t>
+            </a:r>
+            <a:r>
+              <a:rPr lang="es-419" sz="750" dirty="0">
+                <a:solidFill>
+                  <a:srgbClr val="CCCCCC"/>
+                </a:solidFill>
+                <a:highlight>
+                  <a:srgbClr val="1F1F1F"/>
+                </a:highlight>
+                <a:latin typeface="Consolas"/>
+                <a:ea typeface="Consolas"/>
+                <a:cs typeface="Consolas"/>
+                <a:sym typeface="Consolas"/>
+              </a:rPr>
+              <a:t>()</a:t>
+            </a:r>
+            <a:endParaRPr sz="750" dirty="0">
               <a:solidFill>
                 <a:srgbClr val="CCCCCC"/>
               </a:solidFill>
@@ -19652,7 +20333,7 @@
               <a:buNone/>
             </a:pPr>
             <a:r>
-              <a:rPr lang="es-419" sz="750">
+              <a:rPr lang="es-419" sz="750" dirty="0">
                 <a:solidFill>
                   <a:srgbClr val="CCCCCC"/>
                 </a:solidFill>
@@ -19666,7 +20347,7 @@
               </a:rPr>
               <a:t>   </a:t>
             </a:r>
-            <a:endParaRPr sz="750">
+            <a:endParaRPr sz="750" dirty="0">
               <a:solidFill>
                 <a:srgbClr val="CCCCCC"/>
               </a:solidFill>
@@ -19698,7 +20379,7 @@
               <a:buNone/>
             </a:pPr>
             <a:r>
-              <a:rPr lang="es-419" sz="750">
+              <a:rPr lang="es-419" sz="750" dirty="0">
                 <a:solidFill>
                   <a:srgbClr val="CCCCCC"/>
                 </a:solidFill>
@@ -19713,7 +20394,7 @@
               <a:t>    </a:t>
             </a:r>
             <a:r>
-              <a:rPr lang="es-419" sz="750">
+              <a:rPr lang="es-419" sz="750" dirty="0" err="1">
                 <a:solidFill>
                   <a:srgbClr val="9CDCFE"/>
                 </a:solidFill>
@@ -19728,7 +20409,7 @@
               <a:t>cur</a:t>
             </a:r>
             <a:r>
-              <a:rPr lang="es-419" sz="750">
+              <a:rPr lang="es-419" sz="750" dirty="0" err="1">
                 <a:solidFill>
                   <a:srgbClr val="CCCCCC"/>
                 </a:solidFill>
@@ -19740,9 +20421,24 @@
                 <a:cs typeface="Consolas"/>
                 <a:sym typeface="Consolas"/>
               </a:rPr>
-              <a:t>.close()</a:t>
-            </a:r>
-            <a:endParaRPr sz="750">
+              <a:t>.close</a:t>
+            </a:r>
+            <a:r>
+              <a:rPr lang="es-419" sz="750" dirty="0">
+                <a:solidFill>
+                  <a:srgbClr val="CCCCCC"/>
+                </a:solidFill>
+                <a:highlight>
+                  <a:srgbClr val="1F1F1F"/>
+                </a:highlight>
+                <a:latin typeface="Consolas"/>
+                <a:ea typeface="Consolas"/>
+                <a:cs typeface="Consolas"/>
+                <a:sym typeface="Consolas"/>
+              </a:rPr>
+              <a:t>()</a:t>
+            </a:r>
+            <a:endParaRPr sz="750" dirty="0">
               <a:solidFill>
                 <a:srgbClr val="CCCCCC"/>
               </a:solidFill>
@@ -19774,7 +20470,7 @@
               <a:buNone/>
             </a:pPr>
             <a:r>
-              <a:rPr lang="es-419" sz="750">
+              <a:rPr lang="es-419" sz="750" dirty="0">
                 <a:solidFill>
                   <a:srgbClr val="CCCCCC"/>
                 </a:solidFill>
@@ -19789,7 +20485,7 @@
               <a:t>    </a:t>
             </a:r>
             <a:r>
-              <a:rPr lang="es-419" sz="750">
+              <a:rPr lang="es-419" sz="750" dirty="0" err="1">
                 <a:solidFill>
                   <a:srgbClr val="9CDCFE"/>
                 </a:solidFill>
@@ -19804,7 +20500,7 @@
               <a:t>conn</a:t>
             </a:r>
             <a:r>
-              <a:rPr lang="es-419" sz="750">
+              <a:rPr lang="es-419" sz="750" dirty="0" err="1">
                 <a:solidFill>
                   <a:srgbClr val="CCCCCC"/>
                 </a:solidFill>
@@ -19816,9 +20512,24 @@
                 <a:cs typeface="Consolas"/>
                 <a:sym typeface="Consolas"/>
               </a:rPr>
-              <a:t>.close()</a:t>
-            </a:r>
-            <a:endParaRPr sz="750">
+              <a:t>.close</a:t>
+            </a:r>
+            <a:r>
+              <a:rPr lang="es-419" sz="750" dirty="0">
+                <a:solidFill>
+                  <a:srgbClr val="CCCCCC"/>
+                </a:solidFill>
+                <a:highlight>
+                  <a:srgbClr val="1F1F1F"/>
+                </a:highlight>
+                <a:latin typeface="Consolas"/>
+                <a:ea typeface="Consolas"/>
+                <a:cs typeface="Consolas"/>
+                <a:sym typeface="Consolas"/>
+              </a:rPr>
+              <a:t>()</a:t>
+            </a:r>
+            <a:endParaRPr sz="750" dirty="0">
               <a:solidFill>
                 <a:srgbClr val="569CD6"/>
               </a:solidFill>
@@ -20110,7 +20821,7 @@
               <a:buNone/>
             </a:pPr>
             <a:r>
-              <a:rPr lang="es-419" sz="800" b="0" i="0" u="none" strike="noStrike" cap="none">
+              <a:rPr lang="es-419" sz="800" b="0" i="0" u="none" strike="noStrike" cap="none" dirty="0">
                 <a:solidFill>
                   <a:srgbClr val="697098"/>
                 </a:solidFill>
@@ -20125,7 +20836,7 @@
               <a:t>#</a:t>
             </a:r>
             <a:r>
-              <a:rPr lang="es-419" sz="800" b="0" i="1" u="none" strike="noStrike" cap="none">
+              <a:rPr lang="es-419" sz="800" b="0" i="1" u="none" strike="noStrike" cap="none" dirty="0">
                 <a:solidFill>
                   <a:srgbClr val="697098"/>
                 </a:solidFill>
@@ -20139,7 +20850,7 @@
               </a:rPr>
               <a:t> Función para obtener la conexión a la base de datos</a:t>
             </a:r>
-            <a:endParaRPr sz="800" b="0" i="0" u="none" strike="noStrike" cap="none">
+            <a:endParaRPr sz="800" b="0" i="0" u="none" strike="noStrike" cap="none" dirty="0">
               <a:solidFill>
                 <a:srgbClr val="BFC7D5"/>
               </a:solidFill>
@@ -20171,7 +20882,7 @@
               <a:buNone/>
             </a:pPr>
             <a:r>
-              <a:rPr lang="es-419" sz="800" b="0" i="0" u="none" strike="noStrike" cap="none">
+              <a:rPr lang="es-419" sz="800" b="0" i="0" u="none" strike="noStrike" cap="none" dirty="0" err="1">
                 <a:solidFill>
                   <a:srgbClr val="C792EA"/>
                 </a:solidFill>
@@ -20186,7 +20897,7 @@
               <a:t>def</a:t>
             </a:r>
             <a:r>
-              <a:rPr lang="es-419" sz="800" b="0" i="0" u="none" strike="noStrike" cap="none">
+              <a:rPr lang="es-419" sz="800" b="0" i="0" u="none" strike="noStrike" cap="none" dirty="0">
                 <a:solidFill>
                   <a:srgbClr val="BFC7D5"/>
                 </a:solidFill>
@@ -20201,7 +20912,7 @@
               <a:t> </a:t>
             </a:r>
             <a:r>
-              <a:rPr lang="es-419" sz="800" b="0" i="0" u="none" strike="noStrike" cap="none">
+              <a:rPr lang="es-419" sz="800" b="0" i="0" u="none" strike="noStrike" cap="none" dirty="0" err="1">
                 <a:solidFill>
                   <a:srgbClr val="82AAFF"/>
                 </a:solidFill>
@@ -20216,7 +20927,7 @@
               <a:t>get_db</a:t>
             </a:r>
             <a:r>
-              <a:rPr lang="es-419" sz="800" b="0" i="0" u="none" strike="noStrike" cap="none">
+              <a:rPr lang="es-419" sz="800" b="0" i="0" u="none" strike="noStrike" cap="none" dirty="0">
                 <a:solidFill>
                   <a:srgbClr val="D9F5DD"/>
                 </a:solidFill>
@@ -20231,7 +20942,7 @@
               <a:t>()</a:t>
             </a:r>
             <a:r>
-              <a:rPr lang="es-419" sz="800" b="0" i="0" u="none" strike="noStrike" cap="none">
+              <a:rPr lang="es-419" sz="800" b="0" i="0" u="none" strike="noStrike" cap="none" dirty="0">
                 <a:solidFill>
                   <a:srgbClr val="BFC7D5"/>
                 </a:solidFill>
@@ -20245,7 +20956,7 @@
               </a:rPr>
               <a:t>:</a:t>
             </a:r>
-            <a:endParaRPr sz="1400" b="0" i="0" u="none" strike="noStrike" cap="none">
+            <a:endParaRPr sz="1400" b="0" i="0" u="none" strike="noStrike" cap="none" dirty="0">
               <a:solidFill>
                 <a:srgbClr val="000000"/>
               </a:solidFill>
@@ -20274,7 +20985,7 @@
               <a:buNone/>
             </a:pPr>
             <a:r>
-              <a:rPr lang="es-419" sz="800" b="0" i="0" u="none" strike="noStrike" cap="none">
+              <a:rPr lang="es-419" sz="800" b="0" i="0" u="none" strike="noStrike" cap="none" dirty="0">
                 <a:solidFill>
                   <a:srgbClr val="BFC7D5"/>
                 </a:solidFill>
@@ -20289,7 +21000,7 @@
               <a:t>    </a:t>
             </a:r>
             <a:r>
-              <a:rPr lang="es-419" sz="800" b="0" i="0" u="none" strike="noStrike" cap="none">
+              <a:rPr lang="es-419" sz="800" b="0" i="0" u="none" strike="noStrike" cap="none" dirty="0">
                 <a:solidFill>
                   <a:srgbClr val="697098"/>
                 </a:solidFill>
@@ -20304,7 +21015,7 @@
               <a:t>#</a:t>
             </a:r>
             <a:r>
-              <a:rPr lang="es-419" sz="800" b="0" i="1" u="none" strike="noStrike" cap="none">
+              <a:rPr lang="es-419" sz="800" b="0" i="1" u="none" strike="noStrike" cap="none" dirty="0">
                 <a:solidFill>
                   <a:srgbClr val="697098"/>
                 </a:solidFill>
@@ -20316,9 +21027,39 @@
                 <a:cs typeface="Consolas"/>
                 <a:sym typeface="Consolas"/>
               </a:rPr>
-              <a:t> Si 'db' no está en el contexto global de Flask 'g'</a:t>
-            </a:r>
-            <a:endParaRPr sz="800" b="0" i="0" u="none" strike="noStrike" cap="none">
+              <a:t> Si '</a:t>
+            </a:r>
+            <a:r>
+              <a:rPr lang="es-419" sz="800" b="0" i="1" u="none" strike="noStrike" cap="none" dirty="0" err="1">
+                <a:solidFill>
+                  <a:srgbClr val="697098"/>
+                </a:solidFill>
+                <a:highlight>
+                  <a:srgbClr val="292D3E"/>
+                </a:highlight>
+                <a:latin typeface="Consolas"/>
+                <a:ea typeface="Consolas"/>
+                <a:cs typeface="Consolas"/>
+                <a:sym typeface="Consolas"/>
+              </a:rPr>
+              <a:t>db</a:t>
+            </a:r>
+            <a:r>
+              <a:rPr lang="es-419" sz="800" b="0" i="1" u="none" strike="noStrike" cap="none" dirty="0">
+                <a:solidFill>
+                  <a:srgbClr val="697098"/>
+                </a:solidFill>
+                <a:highlight>
+                  <a:srgbClr val="292D3E"/>
+                </a:highlight>
+                <a:latin typeface="Consolas"/>
+                <a:ea typeface="Consolas"/>
+                <a:cs typeface="Consolas"/>
+                <a:sym typeface="Consolas"/>
+              </a:rPr>
+              <a:t>' no está en el contexto global de Flask 'g'</a:t>
+            </a:r>
+            <a:endParaRPr sz="800" b="0" i="0" u="none" strike="noStrike" cap="none" dirty="0">
               <a:solidFill>
                 <a:srgbClr val="BFC7D5"/>
               </a:solidFill>
@@ -20350,7 +21091,7 @@
               <a:buNone/>
             </a:pPr>
             <a:r>
-              <a:rPr lang="es-419" sz="800" b="0" i="0" u="none" strike="noStrike" cap="none">
+              <a:rPr lang="es-419" sz="800" b="0" i="0" u="none" strike="noStrike" cap="none" dirty="0">
                 <a:solidFill>
                   <a:srgbClr val="BFC7D5"/>
                 </a:solidFill>
@@ -20365,7 +21106,7 @@
               <a:t>    </a:t>
             </a:r>
             <a:r>
-              <a:rPr lang="es-419" sz="800" b="0" i="0" u="none" strike="noStrike" cap="none">
+              <a:rPr lang="es-419" sz="800" b="0" i="0" u="none" strike="noStrike" cap="none" dirty="0" err="1">
                 <a:solidFill>
                   <a:srgbClr val="C792EA"/>
                 </a:solidFill>
@@ -20380,7 +21121,7 @@
               <a:t>if</a:t>
             </a:r>
             <a:r>
-              <a:rPr lang="es-419" sz="800" b="0" i="0" u="none" strike="noStrike" cap="none">
+              <a:rPr lang="es-419" sz="800" b="0" i="0" u="none" strike="noStrike" cap="none" dirty="0">
                 <a:solidFill>
                   <a:srgbClr val="BFC7D5"/>
                 </a:solidFill>
@@ -20395,7 +21136,7 @@
               <a:t> </a:t>
             </a:r>
             <a:r>
-              <a:rPr lang="es-419" sz="800" b="0" i="0" u="none" strike="noStrike" cap="none">
+              <a:rPr lang="es-419" sz="800" b="0" i="0" u="none" strike="noStrike" cap="none" dirty="0">
                 <a:solidFill>
                   <a:srgbClr val="D9F5DD"/>
                 </a:solidFill>
@@ -20410,7 +21151,7 @@
               <a:t>'</a:t>
             </a:r>
             <a:r>
-              <a:rPr lang="es-419" sz="800" b="0" i="0" u="none" strike="noStrike" cap="none">
+              <a:rPr lang="es-419" sz="800" b="0" i="0" u="none" strike="noStrike" cap="none" dirty="0" err="1">
                 <a:solidFill>
                   <a:srgbClr val="C3E88D"/>
                 </a:solidFill>
@@ -20425,7 +21166,7 @@
               <a:t>db</a:t>
             </a:r>
             <a:r>
-              <a:rPr lang="es-419" sz="800" b="0" i="0" u="none" strike="noStrike" cap="none">
+              <a:rPr lang="es-419" sz="800" b="0" i="0" u="none" strike="noStrike" cap="none" dirty="0">
                 <a:solidFill>
                   <a:srgbClr val="D9F5DD"/>
                 </a:solidFill>
@@ -20440,7 +21181,7 @@
               <a:t>'</a:t>
             </a:r>
             <a:r>
-              <a:rPr lang="es-419" sz="800" b="0" i="0" u="none" strike="noStrike" cap="none">
+              <a:rPr lang="es-419" sz="800" b="0" i="0" u="none" strike="noStrike" cap="none" dirty="0">
                 <a:solidFill>
                   <a:srgbClr val="BFC7D5"/>
                 </a:solidFill>
@@ -20455,7 +21196,7 @@
               <a:t> </a:t>
             </a:r>
             <a:r>
-              <a:rPr lang="es-419" sz="800" b="0" i="0" u="none" strike="noStrike" cap="none">
+              <a:rPr lang="es-419" sz="800" b="0" i="0" u="none" strike="noStrike" cap="none" dirty="0" err="1">
                 <a:solidFill>
                   <a:srgbClr val="C792EA"/>
                 </a:solidFill>
@@ -20470,7 +21211,7 @@
               <a:t>not</a:t>
             </a:r>
             <a:r>
-              <a:rPr lang="es-419" sz="800" b="0" i="0" u="none" strike="noStrike" cap="none">
+              <a:rPr lang="es-419" sz="800" b="0" i="0" u="none" strike="noStrike" cap="none" dirty="0">
                 <a:solidFill>
                   <a:srgbClr val="BFC7D5"/>
                 </a:solidFill>
@@ -20485,7 +21226,7 @@
               <a:t> </a:t>
             </a:r>
             <a:r>
-              <a:rPr lang="es-419" sz="800" b="0" i="0" u="none" strike="noStrike" cap="none">
+              <a:rPr lang="es-419" sz="800" b="0" i="0" u="none" strike="noStrike" cap="none" dirty="0">
                 <a:solidFill>
                   <a:srgbClr val="C792EA"/>
                 </a:solidFill>
@@ -20500,7 +21241,7 @@
               <a:t>in</a:t>
             </a:r>
             <a:r>
-              <a:rPr lang="es-419" sz="800" b="0" i="0" u="none" strike="noStrike" cap="none">
+              <a:rPr lang="es-419" sz="800" b="0" i="0" u="none" strike="noStrike" cap="none" dirty="0">
                 <a:solidFill>
                   <a:srgbClr val="BFC7D5"/>
                 </a:solidFill>
@@ -20514,7 +21255,7 @@
               </a:rPr>
               <a:t> g:</a:t>
             </a:r>
-            <a:endParaRPr sz="1400" b="0" i="0" u="none" strike="noStrike" cap="none">
+            <a:endParaRPr sz="1400" b="0" i="0" u="none" strike="noStrike" cap="none" dirty="0">
               <a:solidFill>
                 <a:srgbClr val="000000"/>
               </a:solidFill>
@@ -20543,7 +21284,7 @@
               <a:buNone/>
             </a:pPr>
             <a:r>
-              <a:rPr lang="es-419" sz="800" b="0" i="0" u="none" strike="noStrike" cap="none">
+              <a:rPr lang="es-419" sz="800" b="0" i="0" u="none" strike="noStrike" cap="none" dirty="0">
                 <a:solidFill>
                   <a:srgbClr val="BFC7D5"/>
                 </a:solidFill>
@@ -20558,7 +21299,7 @@
               <a:t>        </a:t>
             </a:r>
             <a:r>
-              <a:rPr lang="es-419" sz="800" b="0" i="0" u="none" strike="noStrike" cap="none">
+              <a:rPr lang="es-419" sz="800" b="0" i="0" u="none" strike="noStrike" cap="none" dirty="0">
                 <a:solidFill>
                   <a:srgbClr val="697098"/>
                 </a:solidFill>
@@ -20573,7 +21314,7 @@
               <a:t>#</a:t>
             </a:r>
             <a:r>
-              <a:rPr lang="es-419" sz="800" b="0" i="1" u="none" strike="noStrike" cap="none">
+              <a:rPr lang="es-419" sz="800" b="0" i="1" u="none" strike="noStrike" cap="none" dirty="0">
                 <a:solidFill>
                   <a:srgbClr val="697098"/>
                 </a:solidFill>
@@ -20587,7 +21328,7 @@
               </a:rPr>
               <a:t> Crear una nueva conexión a la base de datos y guardarla en 'g'</a:t>
             </a:r>
-            <a:endParaRPr sz="800" b="0" i="0" u="none" strike="noStrike" cap="none">
+            <a:endParaRPr sz="800" b="0" i="0" u="none" strike="noStrike" cap="none" dirty="0">
               <a:solidFill>
                 <a:srgbClr val="BFC7D5"/>
               </a:solidFill>
@@ -20619,7 +21360,7 @@
               <a:buNone/>
             </a:pPr>
             <a:r>
-              <a:rPr lang="es-419" sz="800" b="0" i="0" u="none" strike="noStrike" cap="none">
+              <a:rPr lang="es-419" sz="800" b="0" i="0" u="none" strike="noStrike" cap="none" dirty="0">
                 <a:solidFill>
                   <a:srgbClr val="BFC7D5"/>
                 </a:solidFill>
@@ -20631,10 +21372,40 @@
                 <a:cs typeface="Consolas"/>
                 <a:sym typeface="Consolas"/>
               </a:rPr>
-              <a:t>        g.db </a:t>
-            </a:r>
-            <a:r>
-              <a:rPr lang="es-419" sz="800" b="0" i="0" u="none" strike="noStrike" cap="none">
+              <a:t>        </a:t>
+            </a:r>
+            <a:r>
+              <a:rPr lang="es-419" sz="800" b="0" i="0" u="none" strike="noStrike" cap="none" dirty="0" err="1">
+                <a:solidFill>
+                  <a:srgbClr val="BFC7D5"/>
+                </a:solidFill>
+                <a:highlight>
+                  <a:srgbClr val="292D3E"/>
+                </a:highlight>
+                <a:latin typeface="Consolas"/>
+                <a:ea typeface="Consolas"/>
+                <a:cs typeface="Consolas"/>
+                <a:sym typeface="Consolas"/>
+              </a:rPr>
+              <a:t>g.db</a:t>
+            </a:r>
+            <a:r>
+              <a:rPr lang="es-419" sz="800" b="0" i="0" u="none" strike="noStrike" cap="none" dirty="0">
+                <a:solidFill>
+                  <a:srgbClr val="BFC7D5"/>
+                </a:solidFill>
+                <a:highlight>
+                  <a:srgbClr val="292D3E"/>
+                </a:highlight>
+                <a:latin typeface="Consolas"/>
+                <a:ea typeface="Consolas"/>
+                <a:cs typeface="Consolas"/>
+                <a:sym typeface="Consolas"/>
+              </a:rPr>
+              <a:t> </a:t>
+            </a:r>
+            <a:r>
+              <a:rPr lang="es-419" sz="800" b="0" i="0" u="none" strike="noStrike" cap="none" dirty="0">
                 <a:solidFill>
                   <a:srgbClr val="C792EA"/>
                 </a:solidFill>
@@ -20649,7 +21420,7 @@
               <a:t>=</a:t>
             </a:r>
             <a:r>
-              <a:rPr lang="es-419" sz="800" b="0" i="0" u="none" strike="noStrike" cap="none">
+              <a:rPr lang="es-419" sz="800" b="0" i="0" u="none" strike="noStrike" cap="none" dirty="0">
                 <a:solidFill>
                   <a:srgbClr val="BFC7D5"/>
                 </a:solidFill>
@@ -20664,7 +21435,7 @@
               <a:t> </a:t>
             </a:r>
             <a:r>
-              <a:rPr lang="es-419" sz="800">
+              <a:rPr lang="es-419" sz="800" dirty="0">
                 <a:solidFill>
                   <a:srgbClr val="BFC7D5"/>
                 </a:solidFill>
@@ -20679,7 +21450,7 @@
               <a:t>psycopg2.connect</a:t>
             </a:r>
             <a:r>
-              <a:rPr lang="es-419" sz="800" b="0" i="0" u="none" strike="noStrike" cap="none">
+              <a:rPr lang="es-419" sz="800" b="0" i="0" u="none" strike="noStrike" cap="none" dirty="0">
                 <a:solidFill>
                   <a:srgbClr val="BFC7D5"/>
                 </a:solidFill>
@@ -20694,7 +21465,7 @@
               <a:t>(</a:t>
             </a:r>
             <a:r>
-              <a:rPr lang="es-419" sz="800" b="0" i="0" u="none" strike="noStrike" cap="none">
+              <a:rPr lang="es-419" sz="800" b="0" i="0" u="none" strike="noStrike" cap="none" dirty="0">
                 <a:solidFill>
                   <a:srgbClr val="89DDFF"/>
                 </a:solidFill>
@@ -20709,7 +21480,7 @@
               <a:t>**</a:t>
             </a:r>
             <a:r>
-              <a:rPr lang="es-419" sz="800" b="0" i="0" u="none" strike="noStrike" cap="none">
+              <a:rPr lang="es-419" sz="800" b="0" i="0" u="none" strike="noStrike" cap="none" dirty="0">
                 <a:solidFill>
                   <a:srgbClr val="82AAFF"/>
                 </a:solidFill>
@@ -20724,7 +21495,7 @@
               <a:t>DATABASE_CONFIG</a:t>
             </a:r>
             <a:r>
-              <a:rPr lang="es-419" sz="800" b="0" i="0" u="none" strike="noStrike" cap="none">
+              <a:rPr lang="es-419" sz="800" b="0" i="0" u="none" strike="noStrike" cap="none" dirty="0">
                 <a:solidFill>
                   <a:srgbClr val="BFC7D5"/>
                 </a:solidFill>
@@ -20738,7 +21509,7 @@
               </a:rPr>
               <a:t>)</a:t>
             </a:r>
-            <a:endParaRPr sz="1400" b="0" i="0" u="none" strike="noStrike" cap="none">
+            <a:endParaRPr sz="1400" b="0" i="0" u="none" strike="noStrike" cap="none" dirty="0">
               <a:solidFill>
                 <a:srgbClr val="000000"/>
               </a:solidFill>
@@ -20767,7 +21538,7 @@
               <a:buNone/>
             </a:pPr>
             <a:r>
-              <a:rPr lang="es-419" sz="800" b="0" i="0" u="none" strike="noStrike" cap="none">
+              <a:rPr lang="es-419" sz="800" b="0" i="0" u="none" strike="noStrike" cap="none" dirty="0">
                 <a:solidFill>
                   <a:srgbClr val="BFC7D5"/>
                 </a:solidFill>
@@ -20782,7 +21553,7 @@
               <a:t>    </a:t>
             </a:r>
             <a:r>
-              <a:rPr lang="es-419" sz="800" b="0" i="0" u="none" strike="noStrike" cap="none">
+              <a:rPr lang="es-419" sz="800" b="0" i="0" u="none" strike="noStrike" cap="none" dirty="0">
                 <a:solidFill>
                   <a:srgbClr val="697098"/>
                 </a:solidFill>
@@ -20797,7 +21568,7 @@
               <a:t>#</a:t>
             </a:r>
             <a:r>
-              <a:rPr lang="es-419" sz="800" b="0" i="1" u="none" strike="noStrike" cap="none">
+              <a:rPr lang="es-419" sz="800" b="0" i="1" u="none" strike="noStrike" cap="none" dirty="0">
                 <a:solidFill>
                   <a:srgbClr val="697098"/>
                 </a:solidFill>
@@ -20811,7 +21582,7 @@
               </a:rPr>
               <a:t> Retornar la conexión a la base de datos</a:t>
             </a:r>
-            <a:endParaRPr sz="800" b="0" i="0" u="none" strike="noStrike" cap="none">
+            <a:endParaRPr sz="800" b="0" i="0" u="none" strike="noStrike" cap="none" dirty="0">
               <a:solidFill>
                 <a:srgbClr val="BFC7D5"/>
               </a:solidFill>
@@ -20843,7 +21614,7 @@
               <a:buNone/>
             </a:pPr>
             <a:r>
-              <a:rPr lang="es-419" sz="800" b="0" i="0" u="none" strike="noStrike" cap="none">
+              <a:rPr lang="es-419" sz="800" b="0" i="0" u="none" strike="noStrike" cap="none" dirty="0">
                 <a:solidFill>
                   <a:srgbClr val="BFC7D5"/>
                 </a:solidFill>
@@ -20858,7 +21629,7 @@
               <a:t>    </a:t>
             </a:r>
             <a:r>
-              <a:rPr lang="es-419" sz="800" b="0" i="0" u="none" strike="noStrike" cap="none">
+              <a:rPr lang="es-419" sz="800" b="0" i="0" u="none" strike="noStrike" cap="none" dirty="0" err="1">
                 <a:solidFill>
                   <a:srgbClr val="C792EA"/>
                 </a:solidFill>
@@ -20873,7 +21644,7 @@
               <a:t>return</a:t>
             </a:r>
             <a:r>
-              <a:rPr lang="es-419" sz="800" b="0" i="0" u="none" strike="noStrike" cap="none">
+              <a:rPr lang="es-419" sz="800" b="0" i="0" u="none" strike="noStrike" cap="none" dirty="0">
                 <a:solidFill>
                   <a:srgbClr val="BFC7D5"/>
                 </a:solidFill>
@@ -20885,9 +21656,24 @@
                 <a:cs typeface="Consolas"/>
                 <a:sym typeface="Consolas"/>
               </a:rPr>
-              <a:t> g.db</a:t>
-            </a:r>
-            <a:endParaRPr sz="800" b="0" i="0" u="none" strike="noStrike" cap="none">
+              <a:t> </a:t>
+            </a:r>
+            <a:r>
+              <a:rPr lang="es-419" sz="800" b="0" i="0" u="none" strike="noStrike" cap="none" dirty="0" err="1">
+                <a:solidFill>
+                  <a:srgbClr val="BFC7D5"/>
+                </a:solidFill>
+                <a:highlight>
+                  <a:srgbClr val="292D3E"/>
+                </a:highlight>
+                <a:latin typeface="Consolas"/>
+                <a:ea typeface="Consolas"/>
+                <a:cs typeface="Consolas"/>
+                <a:sym typeface="Consolas"/>
+              </a:rPr>
+              <a:t>g.db</a:t>
+            </a:r>
+            <a:endParaRPr sz="800" b="0" i="0" u="none" strike="noStrike" cap="none" dirty="0">
               <a:solidFill>
                 <a:srgbClr val="BFC7D5"/>
               </a:solidFill>
@@ -20919,7 +21705,7 @@
               <a:buNone/>
             </a:pPr>
             <a:br>
-              <a:rPr lang="es-419" sz="800" b="0" i="0" u="none" strike="noStrike" cap="none">
+              <a:rPr lang="es-419" sz="800" b="0" i="0" u="none" strike="noStrike" cap="none" dirty="0">
                 <a:solidFill>
                   <a:srgbClr val="BFC7D5"/>
                 </a:solidFill>
@@ -20933,7 +21719,7 @@
               </a:rPr>
             </a:br>
             <a:r>
-              <a:rPr lang="es-419" sz="800" b="0" i="0" u="none" strike="noStrike" cap="none">
+              <a:rPr lang="es-419" sz="800" b="0" i="0" u="none" strike="noStrike" cap="none" dirty="0">
                 <a:solidFill>
                   <a:srgbClr val="697098"/>
                 </a:solidFill>
@@ -20948,7 +21734,7 @@
               <a:t>#</a:t>
             </a:r>
             <a:r>
-              <a:rPr lang="es-419" sz="800" b="0" i="1" u="none" strike="noStrike" cap="none">
+              <a:rPr lang="es-419" sz="800" b="0" i="1" u="none" strike="noStrike" cap="none" dirty="0">
                 <a:solidFill>
                   <a:srgbClr val="697098"/>
                 </a:solidFill>
@@ -20962,7 +21748,7 @@
               </a:rPr>
               <a:t> Función para cerrar la conexión a la base de datos</a:t>
             </a:r>
-            <a:endParaRPr sz="800" b="0" i="0" u="none" strike="noStrike" cap="none">
+            <a:endParaRPr sz="800" b="0" i="0" u="none" strike="noStrike" cap="none" dirty="0">
               <a:solidFill>
                 <a:srgbClr val="BFC7D5"/>
               </a:solidFill>
@@ -20994,7 +21780,7 @@
               <a:buNone/>
             </a:pPr>
             <a:r>
-              <a:rPr lang="es-419" sz="800" b="0" i="0" u="none" strike="noStrike" cap="none">
+              <a:rPr lang="es-419" sz="800" b="0" i="0" u="none" strike="noStrike" cap="none" dirty="0" err="1">
                 <a:solidFill>
                   <a:srgbClr val="C792EA"/>
                 </a:solidFill>
@@ -21009,7 +21795,7 @@
               <a:t>def</a:t>
             </a:r>
             <a:r>
-              <a:rPr lang="es-419" sz="800" b="0" i="0" u="none" strike="noStrike" cap="none">
+              <a:rPr lang="es-419" sz="800" b="0" i="0" u="none" strike="noStrike" cap="none" dirty="0">
                 <a:solidFill>
                   <a:srgbClr val="BFC7D5"/>
                 </a:solidFill>
@@ -21024,7 +21810,7 @@
               <a:t> </a:t>
             </a:r>
             <a:r>
-              <a:rPr lang="es-419" sz="800" b="0" i="0" u="none" strike="noStrike" cap="none">
+              <a:rPr lang="es-419" sz="800" b="0" i="0" u="none" strike="noStrike" cap="none" dirty="0" err="1">
                 <a:solidFill>
                   <a:srgbClr val="82AAFF"/>
                 </a:solidFill>
@@ -21039,7 +21825,7 @@
               <a:t>close_db</a:t>
             </a:r>
             <a:r>
-              <a:rPr lang="es-419" sz="800" b="0" i="0" u="none" strike="noStrike" cap="none">
+              <a:rPr lang="es-419" sz="800" b="0" i="0" u="none" strike="noStrike" cap="none" dirty="0">
                 <a:solidFill>
                   <a:srgbClr val="D9F5DD"/>
                 </a:solidFill>
@@ -21054,7 +21840,7 @@
               <a:t>(</a:t>
             </a:r>
             <a:r>
-              <a:rPr lang="es-419" sz="800" b="0" i="0" u="none" strike="noStrike" cap="none">
+              <a:rPr lang="es-419" sz="800" b="0" i="0" u="none" strike="noStrike" cap="none" dirty="0">
                 <a:solidFill>
                   <a:srgbClr val="89DDFF"/>
                 </a:solidFill>
@@ -21069,7 +21855,7 @@
               <a:t>e=</a:t>
             </a:r>
             <a:r>
-              <a:rPr lang="es-419" sz="800" b="0" i="0" u="none" strike="noStrike" cap="none">
+              <a:rPr lang="es-419" sz="800" b="0" i="0" u="none" strike="noStrike" cap="none" dirty="0" err="1">
                 <a:solidFill>
                   <a:srgbClr val="FF5874"/>
                 </a:solidFill>
@@ -21084,7 +21870,7 @@
               <a:t>None</a:t>
             </a:r>
             <a:r>
-              <a:rPr lang="es-419" sz="800" b="0" i="0" u="none" strike="noStrike" cap="none">
+              <a:rPr lang="es-419" sz="800" b="0" i="0" u="none" strike="noStrike" cap="none" dirty="0">
                 <a:solidFill>
                   <a:srgbClr val="D9F5DD"/>
                 </a:solidFill>
@@ -21099,7 +21885,7 @@
               <a:t>)</a:t>
             </a:r>
             <a:r>
-              <a:rPr lang="es-419" sz="800" b="0" i="0" u="none" strike="noStrike" cap="none">
+              <a:rPr lang="es-419" sz="800" b="0" i="0" u="none" strike="noStrike" cap="none" dirty="0">
                 <a:solidFill>
                   <a:srgbClr val="BFC7D5"/>
                 </a:solidFill>
@@ -21113,7 +21899,7 @@
               </a:rPr>
               <a:t>:</a:t>
             </a:r>
-            <a:endParaRPr sz="1400" b="0" i="0" u="none" strike="noStrike" cap="none">
+            <a:endParaRPr sz="1400" b="0" i="0" u="none" strike="noStrike" cap="none" dirty="0">
               <a:solidFill>
                 <a:srgbClr val="000000"/>
               </a:solidFill>
@@ -21142,7 +21928,7 @@
               <a:buNone/>
             </a:pPr>
             <a:r>
-              <a:rPr lang="es-419" sz="800" b="0" i="0" u="none" strike="noStrike" cap="none">
+              <a:rPr lang="es-419" sz="800" b="0" i="0" u="none" strike="noStrike" cap="none" dirty="0">
                 <a:solidFill>
                   <a:srgbClr val="BFC7D5"/>
                 </a:solidFill>
@@ -21157,7 +21943,7 @@
               <a:t>    </a:t>
             </a:r>
             <a:r>
-              <a:rPr lang="es-419" sz="800" b="0" i="0" u="none" strike="noStrike" cap="none">
+              <a:rPr lang="es-419" sz="800" b="0" i="0" u="none" strike="noStrike" cap="none" dirty="0">
                 <a:solidFill>
                   <a:srgbClr val="697098"/>
                 </a:solidFill>
@@ -21172,7 +21958,7 @@
               <a:t>#</a:t>
             </a:r>
             <a:r>
-              <a:rPr lang="es-419" sz="800" b="0" i="1" u="none" strike="noStrike" cap="none">
+              <a:rPr lang="es-419" sz="800" b="0" i="1" u="none" strike="noStrike" cap="none" dirty="0">
                 <a:solidFill>
                   <a:srgbClr val="697098"/>
                 </a:solidFill>
@@ -21186,7 +21972,7 @@
               </a:rPr>
               <a:t> Extraer la conexión a la base de datos de 'g' y eliminarla</a:t>
             </a:r>
-            <a:endParaRPr sz="800" b="0" i="0" u="none" strike="noStrike" cap="none">
+            <a:endParaRPr sz="800" b="0" i="0" u="none" strike="noStrike" cap="none" dirty="0">
               <a:solidFill>
                 <a:srgbClr val="BFC7D5"/>
               </a:solidFill>
@@ -21218,7 +22004,7 @@
               <a:buNone/>
             </a:pPr>
             <a:r>
-              <a:rPr lang="es-419" sz="800" b="0" i="0" u="none" strike="noStrike" cap="none">
+              <a:rPr lang="es-419" sz="800" b="0" i="0" u="none" strike="noStrike" cap="none" dirty="0">
                 <a:solidFill>
                   <a:srgbClr val="BFC7D5"/>
                 </a:solidFill>
@@ -21230,10 +22016,40 @@
                 <a:cs typeface="Consolas"/>
                 <a:sym typeface="Consolas"/>
               </a:rPr>
-              <a:t>    db </a:t>
-            </a:r>
-            <a:r>
-              <a:rPr lang="es-419" sz="800" b="0" i="0" u="none" strike="noStrike" cap="none">
+              <a:t>    </a:t>
+            </a:r>
+            <a:r>
+              <a:rPr lang="es-419" sz="800" b="0" i="0" u="none" strike="noStrike" cap="none" dirty="0" err="1">
+                <a:solidFill>
+                  <a:srgbClr val="BFC7D5"/>
+                </a:solidFill>
+                <a:highlight>
+                  <a:srgbClr val="292D3E"/>
+                </a:highlight>
+                <a:latin typeface="Consolas"/>
+                <a:ea typeface="Consolas"/>
+                <a:cs typeface="Consolas"/>
+                <a:sym typeface="Consolas"/>
+              </a:rPr>
+              <a:t>db</a:t>
+            </a:r>
+            <a:r>
+              <a:rPr lang="es-419" sz="800" b="0" i="0" u="none" strike="noStrike" cap="none" dirty="0">
+                <a:solidFill>
+                  <a:srgbClr val="BFC7D5"/>
+                </a:solidFill>
+                <a:highlight>
+                  <a:srgbClr val="292D3E"/>
+                </a:highlight>
+                <a:latin typeface="Consolas"/>
+                <a:ea typeface="Consolas"/>
+                <a:cs typeface="Consolas"/>
+                <a:sym typeface="Consolas"/>
+              </a:rPr>
+              <a:t> </a:t>
+            </a:r>
+            <a:r>
+              <a:rPr lang="es-419" sz="800" b="0" i="0" u="none" strike="noStrike" cap="none" dirty="0">
                 <a:solidFill>
                   <a:srgbClr val="C792EA"/>
                 </a:solidFill>
@@ -21248,7 +22064,7 @@
               <a:t>=</a:t>
             </a:r>
             <a:r>
-              <a:rPr lang="es-419" sz="800" b="0" i="0" u="none" strike="noStrike" cap="none">
+              <a:rPr lang="es-419" sz="800" b="0" i="0" u="none" strike="noStrike" cap="none" dirty="0">
                 <a:solidFill>
                   <a:srgbClr val="BFC7D5"/>
                 </a:solidFill>
@@ -21260,10 +22076,25 @@
                 <a:cs typeface="Consolas"/>
                 <a:sym typeface="Consolas"/>
               </a:rPr>
-              <a:t> g.</a:t>
-            </a:r>
-            <a:r>
-              <a:rPr lang="es-419" sz="800" b="0" i="0" u="none" strike="noStrike" cap="none">
+              <a:t> </a:t>
+            </a:r>
+            <a:r>
+              <a:rPr lang="es-419" sz="800" b="0" i="0" u="none" strike="noStrike" cap="none" dirty="0" err="1">
+                <a:solidFill>
+                  <a:srgbClr val="BFC7D5"/>
+                </a:solidFill>
+                <a:highlight>
+                  <a:srgbClr val="292D3E"/>
+                </a:highlight>
+                <a:latin typeface="Consolas"/>
+                <a:ea typeface="Consolas"/>
+                <a:cs typeface="Consolas"/>
+                <a:sym typeface="Consolas"/>
+              </a:rPr>
+              <a:t>g.</a:t>
+            </a:r>
+            <a:r>
+              <a:rPr lang="es-419" sz="800" b="0" i="0" u="none" strike="noStrike" cap="none" dirty="0" err="1">
                 <a:solidFill>
                   <a:srgbClr val="B2CCD6"/>
                 </a:solidFill>
@@ -21278,7 +22109,7 @@
               <a:t>pop</a:t>
             </a:r>
             <a:r>
-              <a:rPr lang="es-419" sz="800" b="0" i="0" u="none" strike="noStrike" cap="none">
+              <a:rPr lang="es-419" sz="800" b="0" i="0" u="none" strike="noStrike" cap="none" dirty="0">
                 <a:solidFill>
                   <a:srgbClr val="BFC7D5"/>
                 </a:solidFill>
@@ -21293,7 +22124,7 @@
               <a:t>(</a:t>
             </a:r>
             <a:r>
-              <a:rPr lang="es-419" sz="800" b="0" i="0" u="none" strike="noStrike" cap="none">
+              <a:rPr lang="es-419" sz="800" b="0" i="0" u="none" strike="noStrike" cap="none" dirty="0">
                 <a:solidFill>
                   <a:srgbClr val="D9F5DD"/>
                 </a:solidFill>
@@ -21308,7 +22139,7 @@
               <a:t>'</a:t>
             </a:r>
             <a:r>
-              <a:rPr lang="es-419" sz="800" b="0" i="0" u="none" strike="noStrike" cap="none">
+              <a:rPr lang="es-419" sz="800" b="0" i="0" u="none" strike="noStrike" cap="none" dirty="0" err="1">
                 <a:solidFill>
                   <a:srgbClr val="C3E88D"/>
                 </a:solidFill>
@@ -21323,7 +22154,7 @@
               <a:t>db</a:t>
             </a:r>
             <a:r>
-              <a:rPr lang="es-419" sz="800" b="0" i="0" u="none" strike="noStrike" cap="none">
+              <a:rPr lang="es-419" sz="800" b="0" i="0" u="none" strike="noStrike" cap="none" dirty="0">
                 <a:solidFill>
                   <a:srgbClr val="D9F5DD"/>
                 </a:solidFill>
@@ -21338,7 +22169,7 @@
               <a:t>',</a:t>
             </a:r>
             <a:r>
-              <a:rPr lang="es-419" sz="800" b="0" i="0" u="none" strike="noStrike" cap="none">
+              <a:rPr lang="es-419" sz="800" b="0" i="0" u="none" strike="noStrike" cap="none" dirty="0">
                 <a:solidFill>
                   <a:srgbClr val="7986E7"/>
                 </a:solidFill>
@@ -21353,7 +22184,7 @@
               <a:t> </a:t>
             </a:r>
             <a:r>
-              <a:rPr lang="es-419" sz="800" b="0" i="0" u="none" strike="noStrike" cap="none">
+              <a:rPr lang="es-419" sz="800" b="0" i="0" u="none" strike="noStrike" cap="none" dirty="0" err="1">
                 <a:solidFill>
                   <a:srgbClr val="FF5874"/>
                 </a:solidFill>
@@ -21368,7 +22199,7 @@
               <a:t>None</a:t>
             </a:r>
             <a:r>
-              <a:rPr lang="es-419" sz="800" b="0" i="0" u="none" strike="noStrike" cap="none">
+              <a:rPr lang="es-419" sz="800" b="0" i="0" u="none" strike="noStrike" cap="none" dirty="0">
                 <a:solidFill>
                   <a:srgbClr val="BFC7D5"/>
                 </a:solidFill>
@@ -21382,7 +22213,7 @@
               </a:rPr>
               <a:t>)</a:t>
             </a:r>
-            <a:endParaRPr sz="1400" b="0" i="0" u="none" strike="noStrike" cap="none">
+            <a:endParaRPr sz="1400" b="0" i="0" u="none" strike="noStrike" cap="none" dirty="0">
               <a:solidFill>
                 <a:srgbClr val="000000"/>
               </a:solidFill>
@@ -21411,7 +22242,7 @@
               <a:buNone/>
             </a:pPr>
             <a:r>
-              <a:rPr lang="es-419" sz="800" b="0" i="0" u="none" strike="noStrike" cap="none">
+              <a:rPr lang="es-419" sz="800" b="0" i="0" u="none" strike="noStrike" cap="none" dirty="0">
                 <a:solidFill>
                   <a:srgbClr val="BFC7D5"/>
                 </a:solidFill>
@@ -21426,7 +22257,7 @@
               <a:t>    </a:t>
             </a:r>
             <a:r>
-              <a:rPr lang="es-419" sz="800" b="0" i="0" u="none" strike="noStrike" cap="none">
+              <a:rPr lang="es-419" sz="800" b="0" i="0" u="none" strike="noStrike" cap="none" dirty="0">
                 <a:solidFill>
                   <a:srgbClr val="697098"/>
                 </a:solidFill>
@@ -21441,7 +22272,7 @@
               <a:t>#</a:t>
             </a:r>
             <a:r>
-              <a:rPr lang="es-419" sz="800" b="0" i="1" u="none" strike="noStrike" cap="none">
+              <a:rPr lang="es-419" sz="800" b="0" i="1" u="none" strike="noStrike" cap="none" dirty="0">
                 <a:solidFill>
                   <a:srgbClr val="697098"/>
                 </a:solidFill>
@@ -21455,7 +22286,7 @@
               </a:rPr>
               <a:t> Si la conexión existe, cerrarla</a:t>
             </a:r>
-            <a:endParaRPr sz="800" b="0" i="0" u="none" strike="noStrike" cap="none">
+            <a:endParaRPr sz="800" b="0" i="0" u="none" strike="noStrike" cap="none" dirty="0">
               <a:solidFill>
                 <a:srgbClr val="BFC7D5"/>
               </a:solidFill>
@@ -21487,7 +22318,7 @@
               <a:buNone/>
             </a:pPr>
             <a:r>
-              <a:rPr lang="es-419" sz="800" b="0" i="0" u="none" strike="noStrike" cap="none">
+              <a:rPr lang="es-419" sz="800" b="0" i="0" u="none" strike="noStrike" cap="none" dirty="0">
                 <a:solidFill>
                   <a:srgbClr val="BFC7D5"/>
                 </a:solidFill>
@@ -21502,7 +22333,7 @@
               <a:t>    </a:t>
             </a:r>
             <a:r>
-              <a:rPr lang="es-419" sz="800" b="0" i="0" u="none" strike="noStrike" cap="none">
+              <a:rPr lang="es-419" sz="800" b="0" i="0" u="none" strike="noStrike" cap="none" dirty="0" err="1">
                 <a:solidFill>
                   <a:srgbClr val="C792EA"/>
                 </a:solidFill>
@@ -21517,7 +22348,7 @@
               <a:t>if</a:t>
             </a:r>
             <a:r>
-              <a:rPr lang="es-419" sz="800" b="0" i="0" u="none" strike="noStrike" cap="none">
+              <a:rPr lang="es-419" sz="800" b="0" i="0" u="none" strike="noStrike" cap="none" dirty="0">
                 <a:solidFill>
                   <a:srgbClr val="BFC7D5"/>
                 </a:solidFill>
@@ -21529,10 +22360,40 @@
                 <a:cs typeface="Consolas"/>
                 <a:sym typeface="Consolas"/>
               </a:rPr>
-              <a:t> db </a:t>
-            </a:r>
-            <a:r>
-              <a:rPr lang="es-419" sz="800" b="0" i="0" u="none" strike="noStrike" cap="none">
+              <a:t> </a:t>
+            </a:r>
+            <a:r>
+              <a:rPr lang="es-419" sz="800" b="0" i="0" u="none" strike="noStrike" cap="none" dirty="0" err="1">
+                <a:solidFill>
+                  <a:srgbClr val="BFC7D5"/>
+                </a:solidFill>
+                <a:highlight>
+                  <a:srgbClr val="292D3E"/>
+                </a:highlight>
+                <a:latin typeface="Consolas"/>
+                <a:ea typeface="Consolas"/>
+                <a:cs typeface="Consolas"/>
+                <a:sym typeface="Consolas"/>
+              </a:rPr>
+              <a:t>db</a:t>
+            </a:r>
+            <a:r>
+              <a:rPr lang="es-419" sz="800" b="0" i="0" u="none" strike="noStrike" cap="none" dirty="0">
+                <a:solidFill>
+                  <a:srgbClr val="BFC7D5"/>
+                </a:solidFill>
+                <a:highlight>
+                  <a:srgbClr val="292D3E"/>
+                </a:highlight>
+                <a:latin typeface="Consolas"/>
+                <a:ea typeface="Consolas"/>
+                <a:cs typeface="Consolas"/>
+                <a:sym typeface="Consolas"/>
+              </a:rPr>
+              <a:t> </a:t>
+            </a:r>
+            <a:r>
+              <a:rPr lang="es-419" sz="800" b="0" i="0" u="none" strike="noStrike" cap="none" dirty="0" err="1">
                 <a:solidFill>
                   <a:srgbClr val="C792EA"/>
                 </a:solidFill>
@@ -21547,7 +22408,7 @@
               <a:t>is</a:t>
             </a:r>
             <a:r>
-              <a:rPr lang="es-419" sz="800" b="0" i="0" u="none" strike="noStrike" cap="none">
+              <a:rPr lang="es-419" sz="800" b="0" i="0" u="none" strike="noStrike" cap="none" dirty="0">
                 <a:solidFill>
                   <a:srgbClr val="BFC7D5"/>
                 </a:solidFill>
@@ -21562,7 +22423,7 @@
               <a:t> </a:t>
             </a:r>
             <a:r>
-              <a:rPr lang="es-419" sz="800" b="0" i="0" u="none" strike="noStrike" cap="none">
+              <a:rPr lang="es-419" sz="800" b="0" i="0" u="none" strike="noStrike" cap="none" dirty="0" err="1">
                 <a:solidFill>
                   <a:srgbClr val="C792EA"/>
                 </a:solidFill>
@@ -21577,7 +22438,7 @@
               <a:t>not</a:t>
             </a:r>
             <a:r>
-              <a:rPr lang="es-419" sz="800" b="0" i="0" u="none" strike="noStrike" cap="none">
+              <a:rPr lang="es-419" sz="800" b="0" i="0" u="none" strike="noStrike" cap="none" dirty="0">
                 <a:solidFill>
                   <a:srgbClr val="BFC7D5"/>
                 </a:solidFill>
@@ -21592,7 +22453,7 @@
               <a:t> </a:t>
             </a:r>
             <a:r>
-              <a:rPr lang="es-419" sz="800" b="0" i="0" u="none" strike="noStrike" cap="none">
+              <a:rPr lang="es-419" sz="800" b="0" i="0" u="none" strike="noStrike" cap="none" dirty="0" err="1">
                 <a:solidFill>
                   <a:srgbClr val="FF5874"/>
                 </a:solidFill>
@@ -21607,7 +22468,7 @@
               <a:t>None</a:t>
             </a:r>
             <a:r>
-              <a:rPr lang="es-419" sz="800" b="0" i="0" u="none" strike="noStrike" cap="none">
+              <a:rPr lang="es-419" sz="800" b="0" i="0" u="none" strike="noStrike" cap="none" dirty="0">
                 <a:solidFill>
                   <a:srgbClr val="BFC7D5"/>
                 </a:solidFill>
@@ -21621,7 +22482,7 @@
               </a:rPr>
               <a:t>:</a:t>
             </a:r>
-            <a:endParaRPr sz="1400" b="0" i="0" u="none" strike="noStrike" cap="none">
+            <a:endParaRPr sz="1400" b="0" i="0" u="none" strike="noStrike" cap="none" dirty="0">
               <a:solidFill>
                 <a:srgbClr val="000000"/>
               </a:solidFill>
@@ -21650,7 +22511,7 @@
               <a:buNone/>
             </a:pPr>
             <a:r>
-              <a:rPr lang="es-419" sz="800" b="0" i="0" u="none" strike="noStrike" cap="none">
+              <a:rPr lang="es-419" sz="800" b="0" i="0" u="none" strike="noStrike" cap="none" dirty="0">
                 <a:solidFill>
                   <a:srgbClr val="BFC7D5"/>
                 </a:solidFill>
@@ -21662,10 +22523,25 @@
                 <a:cs typeface="Consolas"/>
                 <a:sym typeface="Consolas"/>
               </a:rPr>
-              <a:t>        db.</a:t>
-            </a:r>
-            <a:r>
-              <a:rPr lang="es-419" sz="800" b="0" i="0" u="none" strike="noStrike" cap="none">
+              <a:t>        </a:t>
+            </a:r>
+            <a:r>
+              <a:rPr lang="es-419" sz="800" b="0" i="0" u="none" strike="noStrike" cap="none" dirty="0" err="1">
+                <a:solidFill>
+                  <a:srgbClr val="BFC7D5"/>
+                </a:solidFill>
+                <a:highlight>
+                  <a:srgbClr val="292D3E"/>
+                </a:highlight>
+                <a:latin typeface="Consolas"/>
+                <a:ea typeface="Consolas"/>
+                <a:cs typeface="Consolas"/>
+                <a:sym typeface="Consolas"/>
+              </a:rPr>
+              <a:t>db.</a:t>
+            </a:r>
+            <a:r>
+              <a:rPr lang="es-419" sz="800" b="0" i="0" u="none" strike="noStrike" cap="none" dirty="0" err="1">
                 <a:solidFill>
                   <a:srgbClr val="B2CCD6"/>
                 </a:solidFill>
@@ -21680,7 +22556,7 @@
               <a:t>close</a:t>
             </a:r>
             <a:r>
-              <a:rPr lang="es-419" sz="800" b="0" i="0" u="none" strike="noStrike" cap="none">
+              <a:rPr lang="es-419" sz="800" b="0" i="0" u="none" strike="noStrike" cap="none" dirty="0">
                 <a:solidFill>
                   <a:srgbClr val="BFC7D5"/>
                 </a:solidFill>
@@ -21694,7 +22570,7 @@
               </a:rPr>
               <a:t>()</a:t>
             </a:r>
-            <a:endParaRPr sz="1400" b="0" i="0" u="none" strike="noStrike" cap="none">
+            <a:endParaRPr sz="1400" b="0" i="0" u="none" strike="noStrike" cap="none" dirty="0">
               <a:solidFill>
                 <a:srgbClr val="000000"/>
               </a:solidFill>
@@ -21723,7 +22599,7 @@
               <a:buNone/>
             </a:pPr>
             <a:br>
-              <a:rPr lang="es-419" sz="800" b="0" i="0" u="none" strike="noStrike" cap="none">
+              <a:rPr lang="es-419" sz="800" b="0" i="0" u="none" strike="noStrike" cap="none" dirty="0">
                 <a:solidFill>
                   <a:srgbClr val="BFC7D5"/>
                 </a:solidFill>
@@ -21737,7 +22613,7 @@
               </a:rPr>
             </a:br>
             <a:r>
-              <a:rPr lang="es-419" sz="800" b="0" i="0" u="none" strike="noStrike" cap="none">
+              <a:rPr lang="es-419" sz="800" b="0" i="0" u="none" strike="noStrike" cap="none" dirty="0">
                 <a:solidFill>
                   <a:srgbClr val="697098"/>
                 </a:solidFill>
@@ -21752,7 +22628,7 @@
               <a:t>#</a:t>
             </a:r>
             <a:r>
-              <a:rPr lang="es-419" sz="800" b="0" i="1" u="none" strike="noStrike" cap="none">
+              <a:rPr lang="es-419" sz="800" b="0" i="1" u="none" strike="noStrike" cap="none" dirty="0">
                 <a:solidFill>
                   <a:srgbClr val="697098"/>
                 </a:solidFill>
@@ -21766,7 +22642,7 @@
               </a:rPr>
               <a:t> Función para inicializar la aplicación con el manejo de la base de datos</a:t>
             </a:r>
-            <a:endParaRPr sz="800" b="0" i="0" u="none" strike="noStrike" cap="none">
+            <a:endParaRPr sz="800" b="0" i="0" u="none" strike="noStrike" cap="none" dirty="0">
               <a:solidFill>
                 <a:srgbClr val="BFC7D5"/>
               </a:solidFill>
@@ -21798,7 +22674,7 @@
               <a:buNone/>
             </a:pPr>
             <a:r>
-              <a:rPr lang="es-419" sz="800" b="0" i="0" u="none" strike="noStrike" cap="none">
+              <a:rPr lang="es-419" sz="800" b="0" i="0" u="none" strike="noStrike" cap="none" dirty="0" err="1">
                 <a:solidFill>
                   <a:srgbClr val="C792EA"/>
                 </a:solidFill>
@@ -21813,7 +22689,7 @@
               <a:t>def</a:t>
             </a:r>
             <a:r>
-              <a:rPr lang="es-419" sz="800" b="0" i="0" u="none" strike="noStrike" cap="none">
+              <a:rPr lang="es-419" sz="800" b="0" i="0" u="none" strike="noStrike" cap="none" dirty="0">
                 <a:solidFill>
                   <a:srgbClr val="BFC7D5"/>
                 </a:solidFill>
@@ -21828,7 +22704,7 @@
               <a:t> </a:t>
             </a:r>
             <a:r>
-              <a:rPr lang="es-419" sz="800" b="0" i="0" u="none" strike="noStrike" cap="none">
+              <a:rPr lang="es-419" sz="800" b="0" i="0" u="none" strike="noStrike" cap="none" dirty="0" err="1">
                 <a:solidFill>
                   <a:srgbClr val="82AAFF"/>
                 </a:solidFill>
@@ -21843,7 +22719,7 @@
               <a:t>init_app</a:t>
             </a:r>
             <a:r>
-              <a:rPr lang="es-419" sz="800" b="0" i="0" u="none" strike="noStrike" cap="none">
+              <a:rPr lang="es-419" sz="800" b="0" i="0" u="none" strike="noStrike" cap="none" dirty="0">
                 <a:solidFill>
                   <a:srgbClr val="D9F5DD"/>
                 </a:solidFill>
@@ -21858,7 +22734,7 @@
               <a:t>(</a:t>
             </a:r>
             <a:r>
-              <a:rPr lang="es-419" sz="800" b="0" i="0" u="none" strike="noStrike" cap="none">
+              <a:rPr lang="es-419" sz="800" b="0" i="0" u="none" strike="noStrike" cap="none" dirty="0">
                 <a:solidFill>
                   <a:srgbClr val="89DDFF"/>
                 </a:solidFill>
@@ -21873,7 +22749,7 @@
               <a:t>app</a:t>
             </a:r>
             <a:r>
-              <a:rPr lang="es-419" sz="800" b="0" i="0" u="none" strike="noStrike" cap="none">
+              <a:rPr lang="es-419" sz="800" b="0" i="0" u="none" strike="noStrike" cap="none" dirty="0">
                 <a:solidFill>
                   <a:srgbClr val="D9F5DD"/>
                 </a:solidFill>
@@ -21888,7 +22764,7 @@
               <a:t>)</a:t>
             </a:r>
             <a:r>
-              <a:rPr lang="es-419" sz="800" b="0" i="0" u="none" strike="noStrike" cap="none">
+              <a:rPr lang="es-419" sz="800" b="0" i="0" u="none" strike="noStrike" cap="none" dirty="0">
                 <a:solidFill>
                   <a:srgbClr val="BFC7D5"/>
                 </a:solidFill>
@@ -21902,7 +22778,7 @@
               </a:rPr>
               <a:t>:</a:t>
             </a:r>
-            <a:endParaRPr sz="1400" b="0" i="0" u="none" strike="noStrike" cap="none">
+            <a:endParaRPr sz="1400" b="0" i="0" u="none" strike="noStrike" cap="none" dirty="0">
               <a:solidFill>
                 <a:srgbClr val="000000"/>
               </a:solidFill>
@@ -21931,7 +22807,7 @@
               <a:buNone/>
             </a:pPr>
             <a:r>
-              <a:rPr lang="es-419" sz="800" b="0" i="0" u="none" strike="noStrike" cap="none">
+              <a:rPr lang="es-419" sz="800" b="0" i="0" u="none" strike="noStrike" cap="none" dirty="0">
                 <a:solidFill>
                   <a:srgbClr val="BFC7D5"/>
                 </a:solidFill>
@@ -21946,7 +22822,7 @@
               <a:t>    </a:t>
             </a:r>
             <a:r>
-              <a:rPr lang="es-419" sz="800" b="0" i="0" u="none" strike="noStrike" cap="none">
+              <a:rPr lang="es-419" sz="800" b="0" i="0" u="none" strike="noStrike" cap="none" dirty="0">
                 <a:solidFill>
                   <a:srgbClr val="697098"/>
                 </a:solidFill>
@@ -21961,7 +22837,7 @@
               <a:t>#</a:t>
             </a:r>
             <a:r>
-              <a:rPr lang="es-419" sz="800" b="0" i="1" u="none" strike="noStrike" cap="none">
+              <a:rPr lang="es-419" sz="800" b="0" i="1" u="none" strike="noStrike" cap="none" dirty="0">
                 <a:solidFill>
                   <a:srgbClr val="697098"/>
                 </a:solidFill>
@@ -21973,9 +22849,39 @@
                 <a:cs typeface="Consolas"/>
                 <a:sym typeface="Consolas"/>
               </a:rPr>
-              <a:t> Registrar 'close_db' para que se ejecute al final del contexto de la aplicación</a:t>
-            </a:r>
-            <a:endParaRPr sz="800" b="0" i="0" u="none" strike="noStrike" cap="none">
+              <a:t> Registrar '</a:t>
+            </a:r>
+            <a:r>
+              <a:rPr lang="es-419" sz="800" b="0" i="1" u="none" strike="noStrike" cap="none" dirty="0" err="1">
+                <a:solidFill>
+                  <a:srgbClr val="697098"/>
+                </a:solidFill>
+                <a:highlight>
+                  <a:srgbClr val="292D3E"/>
+                </a:highlight>
+                <a:latin typeface="Consolas"/>
+                <a:ea typeface="Consolas"/>
+                <a:cs typeface="Consolas"/>
+                <a:sym typeface="Consolas"/>
+              </a:rPr>
+              <a:t>close_db</a:t>
+            </a:r>
+            <a:r>
+              <a:rPr lang="es-419" sz="800" b="0" i="1" u="none" strike="noStrike" cap="none" dirty="0">
+                <a:solidFill>
+                  <a:srgbClr val="697098"/>
+                </a:solidFill>
+                <a:highlight>
+                  <a:srgbClr val="292D3E"/>
+                </a:highlight>
+                <a:latin typeface="Consolas"/>
+                <a:ea typeface="Consolas"/>
+                <a:cs typeface="Consolas"/>
+                <a:sym typeface="Consolas"/>
+              </a:rPr>
+              <a:t>' para que se ejecute al final del contexto de la aplicación</a:t>
+            </a:r>
+            <a:endParaRPr sz="800" b="0" i="0" u="none" strike="noStrike" cap="none" dirty="0">
               <a:solidFill>
                 <a:srgbClr val="BFC7D5"/>
               </a:solidFill>
@@ -22007,7 +22913,7 @@
               <a:buNone/>
             </a:pPr>
             <a:r>
-              <a:rPr lang="es-419" sz="800" b="0" i="0" u="none" strike="noStrike" cap="none">
+              <a:rPr lang="es-419" sz="800" b="0" i="0" u="none" strike="noStrike" cap="none" dirty="0">
                 <a:solidFill>
                   <a:srgbClr val="BFC7D5"/>
                 </a:solidFill>
@@ -22019,10 +22925,25 @@
                 <a:cs typeface="Consolas"/>
                 <a:sym typeface="Consolas"/>
               </a:rPr>
-              <a:t>    app.</a:t>
-            </a:r>
-            <a:r>
-              <a:rPr lang="es-419" sz="800" b="0" i="0" u="none" strike="noStrike" cap="none">
+              <a:t>    </a:t>
+            </a:r>
+            <a:r>
+              <a:rPr lang="es-419" sz="800" b="0" i="0" u="none" strike="noStrike" cap="none" dirty="0" err="1">
+                <a:solidFill>
+                  <a:srgbClr val="BFC7D5"/>
+                </a:solidFill>
+                <a:highlight>
+                  <a:srgbClr val="292D3E"/>
+                </a:highlight>
+                <a:latin typeface="Consolas"/>
+                <a:ea typeface="Consolas"/>
+                <a:cs typeface="Consolas"/>
+                <a:sym typeface="Consolas"/>
+              </a:rPr>
+              <a:t>app.</a:t>
+            </a:r>
+            <a:r>
+              <a:rPr lang="es-419" sz="800" b="0" i="0" u="none" strike="noStrike" cap="none" dirty="0" err="1">
                 <a:solidFill>
                   <a:srgbClr val="B2CCD6"/>
                 </a:solidFill>
@@ -22037,7 +22958,7 @@
               <a:t>teardown_appcontext</a:t>
             </a:r>
             <a:r>
-              <a:rPr lang="es-419" sz="800" b="0" i="0" u="none" strike="noStrike" cap="none">
+              <a:rPr lang="es-419" sz="800" b="0" i="0" u="none" strike="noStrike" cap="none" dirty="0">
                 <a:solidFill>
                   <a:srgbClr val="BFC7D5"/>
                 </a:solidFill>
@@ -22052,7 +22973,7 @@
               <a:t>(</a:t>
             </a:r>
             <a:r>
-              <a:rPr lang="es-419" sz="800" b="0" i="0" u="none" strike="noStrike" cap="none">
+              <a:rPr lang="es-419" sz="800" b="0" i="0" u="none" strike="noStrike" cap="none" dirty="0" err="1">
                 <a:solidFill>
                   <a:srgbClr val="7986E7"/>
                 </a:solidFill>
@@ -22067,7 +22988,7 @@
               <a:t>close_db</a:t>
             </a:r>
             <a:r>
-              <a:rPr lang="es-419" sz="800" b="0" i="0" u="none" strike="noStrike" cap="none">
+              <a:rPr lang="es-419" sz="800" b="0" i="0" u="none" strike="noStrike" cap="none" dirty="0">
                 <a:solidFill>
                   <a:srgbClr val="BFC7D5"/>
                 </a:solidFill>
@@ -22081,7 +23002,7 @@
               </a:rPr>
               <a:t>)</a:t>
             </a:r>
-            <a:endParaRPr sz="800" b="0" i="0" u="none" strike="noStrike" cap="none">
+            <a:endParaRPr sz="800" b="0" i="0" u="none" strike="noStrike" cap="none" dirty="0">
               <a:solidFill>
                 <a:srgbClr val="000000"/>
               </a:solidFill>
@@ -22476,7 +23397,7 @@
               <a:buNone/>
             </a:pPr>
             <a:r>
-              <a:rPr lang="es-419" sz="1400" b="0" i="0" u="none" strike="noStrike" cap="none">
+              <a:rPr lang="es-419" sz="1400" b="0" i="0" u="none" strike="noStrike" cap="none" dirty="0" err="1">
                 <a:solidFill>
                   <a:srgbClr val="C792EA"/>
                 </a:solidFill>
@@ -22491,7 +23412,7 @@
               <a:t>from</a:t>
             </a:r>
             <a:r>
-              <a:rPr lang="es-419" sz="1400" b="0" i="0" u="none" strike="noStrike" cap="none">
+              <a:rPr lang="es-419" sz="1400" b="0" i="0" u="none" strike="noStrike" cap="none" dirty="0">
                 <a:solidFill>
                   <a:srgbClr val="BFC7D5"/>
                 </a:solidFill>
@@ -22503,10 +23424,40 @@
                 <a:cs typeface="Consolas"/>
                 <a:sym typeface="Consolas"/>
               </a:rPr>
-              <a:t> flask </a:t>
-            </a:r>
-            <a:r>
-              <a:rPr lang="es-419" sz="1400" b="0" i="0" u="none" strike="noStrike" cap="none">
+              <a:t> </a:t>
+            </a:r>
+            <a:r>
+              <a:rPr lang="es-419" sz="1400" b="0" i="0" u="none" strike="noStrike" cap="none" dirty="0" err="1">
+                <a:solidFill>
+                  <a:srgbClr val="BFC7D5"/>
+                </a:solidFill>
+                <a:highlight>
+                  <a:srgbClr val="292D3E"/>
+                </a:highlight>
+                <a:latin typeface="Consolas"/>
+                <a:ea typeface="Consolas"/>
+                <a:cs typeface="Consolas"/>
+                <a:sym typeface="Consolas"/>
+              </a:rPr>
+              <a:t>flask</a:t>
+            </a:r>
+            <a:r>
+              <a:rPr lang="es-419" sz="1400" b="0" i="0" u="none" strike="noStrike" cap="none" dirty="0">
+                <a:solidFill>
+                  <a:srgbClr val="BFC7D5"/>
+                </a:solidFill>
+                <a:highlight>
+                  <a:srgbClr val="292D3E"/>
+                </a:highlight>
+                <a:latin typeface="Consolas"/>
+                <a:ea typeface="Consolas"/>
+                <a:cs typeface="Consolas"/>
+                <a:sym typeface="Consolas"/>
+              </a:rPr>
+              <a:t> </a:t>
+            </a:r>
+            <a:r>
+              <a:rPr lang="es-419" sz="1400" b="0" i="0" u="none" strike="noStrike" cap="none" dirty="0" err="1">
                 <a:solidFill>
                   <a:srgbClr val="C792EA"/>
                 </a:solidFill>
@@ -22521,7 +23472,7 @@
               <a:t>import</a:t>
             </a:r>
             <a:r>
-              <a:rPr lang="es-419" sz="1400" b="0" i="0" u="none" strike="noStrike" cap="none">
+              <a:rPr lang="es-419" sz="1400" b="0" i="0" u="none" strike="noStrike" cap="none" dirty="0">
                 <a:solidFill>
                   <a:srgbClr val="BFC7D5"/>
                 </a:solidFill>
@@ -22535,7 +23486,7 @@
               </a:rPr>
               <a:t> Flask</a:t>
             </a:r>
-            <a:endParaRPr sz="1400" b="0" i="0" u="none" strike="noStrike" cap="none">
+            <a:endParaRPr sz="1400" b="0" i="0" u="none" strike="noStrike" cap="none" dirty="0">
               <a:solidFill>
                 <a:srgbClr val="000000"/>
               </a:solidFill>
@@ -22564,7 +23515,7 @@
               <a:buNone/>
             </a:pPr>
             <a:r>
-              <a:rPr lang="es-419" sz="1400" b="0" i="0" u="none" strike="noStrike" cap="none">
+              <a:rPr lang="es-419" sz="1400" b="0" i="0" u="none" strike="noStrike" cap="none" dirty="0" err="1">
                 <a:solidFill>
                   <a:srgbClr val="C792EA"/>
                 </a:solidFill>
@@ -22579,7 +23530,7 @@
               <a:t>from</a:t>
             </a:r>
             <a:r>
-              <a:rPr lang="es-419" sz="1400" b="0" i="0" u="none" strike="noStrike" cap="none">
+              <a:rPr lang="es-419" sz="1400" b="0" i="0" u="none" strike="noStrike" cap="none" dirty="0">
                 <a:solidFill>
                   <a:srgbClr val="BFC7D5"/>
                 </a:solidFill>
@@ -22591,10 +23542,40 @@
                 <a:cs typeface="Consolas"/>
                 <a:sym typeface="Consolas"/>
               </a:rPr>
-              <a:t> app.database </a:t>
-            </a:r>
-            <a:r>
-              <a:rPr lang="es-419" sz="1400" b="0" i="0" u="none" strike="noStrike" cap="none">
+              <a:t> </a:t>
+            </a:r>
+            <a:r>
+              <a:rPr lang="es-419" sz="1400" b="0" i="0" u="none" strike="noStrike" cap="none" dirty="0" err="1">
+                <a:solidFill>
+                  <a:srgbClr val="BFC7D5"/>
+                </a:solidFill>
+                <a:highlight>
+                  <a:srgbClr val="292D3E"/>
+                </a:highlight>
+                <a:latin typeface="Consolas"/>
+                <a:ea typeface="Consolas"/>
+                <a:cs typeface="Consolas"/>
+                <a:sym typeface="Consolas"/>
+              </a:rPr>
+              <a:t>app.database</a:t>
+            </a:r>
+            <a:r>
+              <a:rPr lang="es-419" sz="1400" b="0" i="0" u="none" strike="noStrike" cap="none" dirty="0">
+                <a:solidFill>
+                  <a:srgbClr val="BFC7D5"/>
+                </a:solidFill>
+                <a:highlight>
+                  <a:srgbClr val="292D3E"/>
+                </a:highlight>
+                <a:latin typeface="Consolas"/>
+                <a:ea typeface="Consolas"/>
+                <a:cs typeface="Consolas"/>
+                <a:sym typeface="Consolas"/>
+              </a:rPr>
+              <a:t> </a:t>
+            </a:r>
+            <a:r>
+              <a:rPr lang="es-419" sz="1400" b="0" i="0" u="none" strike="noStrike" cap="none" dirty="0" err="1">
                 <a:solidFill>
                   <a:srgbClr val="C792EA"/>
                 </a:solidFill>
@@ -22609,7 +23590,7 @@
               <a:t>import</a:t>
             </a:r>
             <a:r>
-              <a:rPr lang="es-419" sz="1400" b="0" i="0" u="none" strike="noStrike" cap="none">
+              <a:rPr lang="es-419" sz="1400" b="0" i="0" u="none" strike="noStrike" cap="none" dirty="0">
                 <a:solidFill>
                   <a:srgbClr val="BFC7D5"/>
                 </a:solidFill>
@@ -22621,9 +23602,24 @@
                 <a:cs typeface="Consolas"/>
                 <a:sym typeface="Consolas"/>
               </a:rPr>
-              <a:t> init_app</a:t>
-            </a:r>
-            <a:endParaRPr sz="1400" b="0" i="0" u="none" strike="noStrike" cap="none">
+              <a:t> </a:t>
+            </a:r>
+            <a:r>
+              <a:rPr lang="es-419" sz="1400" b="0" i="0" u="none" strike="noStrike" cap="none" dirty="0" err="1">
+                <a:solidFill>
+                  <a:srgbClr val="BFC7D5"/>
+                </a:solidFill>
+                <a:highlight>
+                  <a:srgbClr val="292D3E"/>
+                </a:highlight>
+                <a:latin typeface="Consolas"/>
+                <a:ea typeface="Consolas"/>
+                <a:cs typeface="Consolas"/>
+                <a:sym typeface="Consolas"/>
+              </a:rPr>
+              <a:t>init_app</a:t>
+            </a:r>
+            <a:endParaRPr sz="1400" b="0" i="0" u="none" strike="noStrike" cap="none" dirty="0">
               <a:solidFill>
                 <a:srgbClr val="BFC7D5"/>
               </a:solidFill>
@@ -22655,7 +23651,7 @@
               <a:buNone/>
             </a:pPr>
             <a:r>
-              <a:rPr lang="es-419" sz="1400" b="0" i="0" u="none" strike="noStrike" cap="none">
+              <a:rPr lang="es-419" sz="1400" b="0" i="0" u="none" strike="noStrike" cap="none" dirty="0" err="1">
                 <a:solidFill>
                   <a:srgbClr val="C792EA"/>
                 </a:solidFill>
@@ -22670,7 +23666,7 @@
               <a:t>from</a:t>
             </a:r>
             <a:r>
-              <a:rPr lang="es-419" sz="1400" b="0" i="0" u="none" strike="noStrike" cap="none">
+              <a:rPr lang="es-419" sz="1400" b="0" i="0" u="none" strike="noStrike" cap="none" dirty="0">
                 <a:solidFill>
                   <a:srgbClr val="BFC7D5"/>
                 </a:solidFill>
@@ -22682,10 +23678,40 @@
                 <a:cs typeface="Consolas"/>
                 <a:sym typeface="Consolas"/>
               </a:rPr>
-              <a:t> app.views </a:t>
-            </a:r>
-            <a:r>
-              <a:rPr lang="es-419" sz="1400" b="0" i="0" u="none" strike="noStrike" cap="none">
+              <a:t> </a:t>
+            </a:r>
+            <a:r>
+              <a:rPr lang="es-419" sz="1400" b="0" i="0" u="none" strike="noStrike" cap="none" dirty="0" err="1">
+                <a:solidFill>
+                  <a:srgbClr val="BFC7D5"/>
+                </a:solidFill>
+                <a:highlight>
+                  <a:srgbClr val="292D3E"/>
+                </a:highlight>
+                <a:latin typeface="Consolas"/>
+                <a:ea typeface="Consolas"/>
+                <a:cs typeface="Consolas"/>
+                <a:sym typeface="Consolas"/>
+              </a:rPr>
+              <a:t>app.views</a:t>
+            </a:r>
+            <a:r>
+              <a:rPr lang="es-419" sz="1400" b="0" i="0" u="none" strike="noStrike" cap="none" dirty="0">
+                <a:solidFill>
+                  <a:srgbClr val="BFC7D5"/>
+                </a:solidFill>
+                <a:highlight>
+                  <a:srgbClr val="292D3E"/>
+                </a:highlight>
+                <a:latin typeface="Consolas"/>
+                <a:ea typeface="Consolas"/>
+                <a:cs typeface="Consolas"/>
+                <a:sym typeface="Consolas"/>
+              </a:rPr>
+              <a:t> </a:t>
+            </a:r>
+            <a:r>
+              <a:rPr lang="es-419" sz="1400" b="0" i="0" u="none" strike="noStrike" cap="none" dirty="0" err="1">
                 <a:solidFill>
                   <a:srgbClr val="C792EA"/>
                 </a:solidFill>
@@ -22700,7 +23726,7 @@
               <a:t>import</a:t>
             </a:r>
             <a:r>
-              <a:rPr lang="es-419" sz="1400" b="0" i="0" u="none" strike="noStrike" cap="none">
+              <a:rPr lang="es-419" sz="1400" b="0" i="0" u="none" strike="noStrike" cap="none" dirty="0">
                 <a:solidFill>
                   <a:srgbClr val="BFC7D5"/>
                 </a:solidFill>
@@ -22715,7 +23741,7 @@
               <a:t> </a:t>
             </a:r>
             <a:r>
-              <a:rPr lang="es-419" sz="1400" b="0" i="0" u="none" strike="noStrike" cap="none">
+              <a:rPr lang="es-419" sz="1400" b="0" i="0" u="none" strike="noStrike" cap="none" dirty="0">
                 <a:solidFill>
                   <a:srgbClr val="89DDFF"/>
                 </a:solidFill>
@@ -22729,7 +23755,7 @@
               </a:rPr>
               <a:t>*</a:t>
             </a:r>
-            <a:endParaRPr sz="1400" b="0" i="0" u="none" strike="noStrike" cap="none">
+            <a:endParaRPr sz="1400" b="0" i="0" u="none" strike="noStrike" cap="none" dirty="0">
               <a:solidFill>
                 <a:srgbClr val="BFC7D5"/>
               </a:solidFill>
@@ -22761,7 +23787,7 @@
               <a:buNone/>
             </a:pPr>
             <a:br>
-              <a:rPr lang="es-419" sz="1400" b="0" i="0" u="none" strike="noStrike" cap="none">
+              <a:rPr lang="es-419" sz="1400" b="0" i="0" u="none" strike="noStrike" cap="none" dirty="0">
                 <a:solidFill>
                   <a:srgbClr val="BFC7D5"/>
                 </a:solidFill>
@@ -22775,7 +23801,7 @@
               </a:rPr>
             </a:br>
             <a:r>
-              <a:rPr lang="es-419" sz="1400" b="0" i="0" u="none" strike="noStrike" cap="none">
+              <a:rPr lang="es-419" sz="1400" b="0" i="0" u="none" strike="noStrike" cap="none" dirty="0">
                 <a:solidFill>
                   <a:srgbClr val="BFC7D5"/>
                 </a:solidFill>
@@ -22790,7 +23816,7 @@
               <a:t>app </a:t>
             </a:r>
             <a:r>
-              <a:rPr lang="es-419" sz="1400" b="0" i="0" u="none" strike="noStrike" cap="none">
+              <a:rPr lang="es-419" sz="1400" b="0" i="0" u="none" strike="noStrike" cap="none" dirty="0">
                 <a:solidFill>
                   <a:srgbClr val="C792EA"/>
                 </a:solidFill>
@@ -22805,7 +23831,7 @@
               <a:t>=</a:t>
             </a:r>
             <a:r>
-              <a:rPr lang="es-419" sz="1400" b="0" i="0" u="none" strike="noStrike" cap="none">
+              <a:rPr lang="es-419" sz="1400" b="0" i="0" u="none" strike="noStrike" cap="none" dirty="0">
                 <a:solidFill>
                   <a:srgbClr val="BFC7D5"/>
                 </a:solidFill>
@@ -22820,7 +23846,7 @@
               <a:t> </a:t>
             </a:r>
             <a:r>
-              <a:rPr lang="es-419" sz="1400" b="0" i="0" u="none" strike="noStrike" cap="none">
+              <a:rPr lang="es-419" sz="1400" b="0" i="0" u="none" strike="noStrike" cap="none" dirty="0">
                 <a:solidFill>
                   <a:srgbClr val="B2CCD6"/>
                 </a:solidFill>
@@ -22835,7 +23861,7 @@
               <a:t>Flask</a:t>
             </a:r>
             <a:r>
-              <a:rPr lang="es-419" sz="1400" b="0" i="0" u="none" strike="noStrike" cap="none">
+              <a:rPr lang="es-419" sz="1400" b="0" i="0" u="none" strike="noStrike" cap="none" dirty="0">
                 <a:solidFill>
                   <a:srgbClr val="BFC7D5"/>
                 </a:solidFill>
@@ -22850,7 +23876,7 @@
               <a:t>(</a:t>
             </a:r>
             <a:r>
-              <a:rPr lang="es-419" sz="1400" b="0" i="0" u="none" strike="noStrike" cap="none">
+              <a:rPr lang="es-419" sz="1400" b="0" i="0" u="none" strike="noStrike" cap="none" dirty="0">
                 <a:solidFill>
                   <a:srgbClr val="7986E7"/>
                 </a:solidFill>
@@ -22862,10 +23888,40 @@
                 <a:cs typeface="Consolas"/>
                 <a:sym typeface="Consolas"/>
               </a:rPr>
-              <a:t>__name__</a:t>
-            </a:r>
-            <a:r>
-              <a:rPr lang="es-419" sz="1400" b="0" i="0" u="none" strike="noStrike" cap="none">
+              <a:t>__</a:t>
+            </a:r>
+            <a:r>
+              <a:rPr lang="es-419" sz="1400" b="0" i="0" u="none" strike="noStrike" cap="none" dirty="0" err="1">
+                <a:solidFill>
+                  <a:srgbClr val="7986E7"/>
+                </a:solidFill>
+                <a:highlight>
+                  <a:srgbClr val="292D3E"/>
+                </a:highlight>
+                <a:latin typeface="Consolas"/>
+                <a:ea typeface="Consolas"/>
+                <a:cs typeface="Consolas"/>
+                <a:sym typeface="Consolas"/>
+              </a:rPr>
+              <a:t>name</a:t>
+            </a:r>
+            <a:r>
+              <a:rPr lang="es-419" sz="1400" b="0" i="0" u="none" strike="noStrike" cap="none" dirty="0">
+                <a:solidFill>
+                  <a:srgbClr val="7986E7"/>
+                </a:solidFill>
+                <a:highlight>
+                  <a:srgbClr val="292D3E"/>
+                </a:highlight>
+                <a:latin typeface="Consolas"/>
+                <a:ea typeface="Consolas"/>
+                <a:cs typeface="Consolas"/>
+                <a:sym typeface="Consolas"/>
+              </a:rPr>
+              <a:t>__</a:t>
+            </a:r>
+            <a:r>
+              <a:rPr lang="es-419" sz="1400" b="0" i="0" u="none" strike="noStrike" cap="none" dirty="0">
                 <a:solidFill>
                   <a:srgbClr val="BFC7D5"/>
                 </a:solidFill>
@@ -22879,7 +23935,7 @@
               </a:rPr>
               <a:t>)</a:t>
             </a:r>
-            <a:endParaRPr sz="1400" b="0" i="0" u="none" strike="noStrike" cap="none">
+            <a:endParaRPr sz="1400" b="0" i="0" u="none" strike="noStrike" cap="none" dirty="0">
               <a:solidFill>
                 <a:srgbClr val="000000"/>
               </a:solidFill>
@@ -22908,7 +23964,7 @@
               <a:buNone/>
             </a:pPr>
             <a:br>
-              <a:rPr lang="es-419" sz="1400" b="0" i="0" u="none" strike="noStrike" cap="none">
+              <a:rPr lang="es-419" sz="1400" b="0" i="0" u="none" strike="noStrike" cap="none" dirty="0">
                 <a:solidFill>
                   <a:srgbClr val="BFC7D5"/>
                 </a:solidFill>
@@ -22922,7 +23978,7 @@
               </a:rPr>
             </a:br>
             <a:r>
-              <a:rPr lang="es-419" sz="1400" b="0" i="0" u="none" strike="noStrike" cap="none">
+              <a:rPr lang="es-419" sz="1400" b="0" i="0" u="none" strike="noStrike" cap="none" dirty="0">
                 <a:solidFill>
                   <a:srgbClr val="697098"/>
                 </a:solidFill>
@@ -22937,7 +23993,7 @@
               <a:t>#</a:t>
             </a:r>
             <a:r>
-              <a:rPr lang="es-419" sz="1400" b="0" i="1" u="none" strike="noStrike" cap="none">
+              <a:rPr lang="es-419" sz="1400" b="0" i="1" u="none" strike="noStrike" cap="none" dirty="0">
                 <a:solidFill>
                   <a:srgbClr val="697098"/>
                 </a:solidFill>
@@ -22951,7 +24007,7 @@
               </a:rPr>
               <a:t> Inicializar la base de datos con la aplicación Flask</a:t>
             </a:r>
-            <a:endParaRPr sz="1400" b="0" i="0" u="none" strike="noStrike" cap="none">
+            <a:endParaRPr sz="1400" b="0" i="0" u="none" strike="noStrike" cap="none" dirty="0">
               <a:solidFill>
                 <a:srgbClr val="BFC7D5"/>
               </a:solidFill>
@@ -22983,7 +24039,7 @@
               <a:buNone/>
             </a:pPr>
             <a:r>
-              <a:rPr lang="es-419" sz="1400" b="0" i="0" u="none" strike="noStrike" cap="none">
+              <a:rPr lang="es-419" sz="1400" b="0" i="0" u="none" strike="noStrike" cap="none" dirty="0" err="1">
                 <a:solidFill>
                   <a:srgbClr val="B2CCD6"/>
                 </a:solidFill>
@@ -22998,7 +24054,7 @@
               <a:t>init_app</a:t>
             </a:r>
             <a:r>
-              <a:rPr lang="es-419" sz="1400" b="0" i="0" u="none" strike="noStrike" cap="none">
+              <a:rPr lang="es-419" sz="1400" b="0" i="0" u="none" strike="noStrike" cap="none" dirty="0">
                 <a:solidFill>
                   <a:srgbClr val="BFC7D5"/>
                 </a:solidFill>
@@ -23013,7 +24069,7 @@
               <a:t>(</a:t>
             </a:r>
             <a:r>
-              <a:rPr lang="es-419" sz="1400" b="0" i="0" u="none" strike="noStrike" cap="none">
+              <a:rPr lang="es-419" sz="1400" b="0" i="0" u="none" strike="noStrike" cap="none" dirty="0">
                 <a:solidFill>
                   <a:srgbClr val="7986E7"/>
                 </a:solidFill>
@@ -23028,7 +24084,7 @@
               <a:t>app</a:t>
             </a:r>
             <a:r>
-              <a:rPr lang="es-419" sz="1400" b="0" i="0" u="none" strike="noStrike" cap="none">
+              <a:rPr lang="es-419" sz="1400" b="0" i="0" u="none" strike="noStrike" cap="none" dirty="0">
                 <a:solidFill>
                   <a:srgbClr val="BFC7D5"/>
                 </a:solidFill>
@@ -23042,7 +24098,7 @@
               </a:rPr>
               <a:t>)</a:t>
             </a:r>
-            <a:endParaRPr sz="1400" b="0" i="0" u="none" strike="noStrike" cap="none">
+            <a:endParaRPr sz="1400" b="0" i="0" u="none" strike="noStrike" cap="none" dirty="0">
               <a:solidFill>
                 <a:srgbClr val="000000"/>
               </a:solidFill>
@@ -23920,10 +24976,10 @@
               <a:buNone/>
             </a:pPr>
             <a:r>
-              <a:rPr lang="es-419"/>
+              <a:rPr lang="es-419" dirty="0"/>
               <a:t>¿Qué es Flask?</a:t>
             </a:r>
-            <a:endParaRPr/>
+            <a:endParaRPr dirty="0"/>
           </a:p>
         </p:txBody>
       </p:sp>
@@ -23970,10 +25026,18 @@
               <a:buNone/>
             </a:pPr>
             <a:r>
-              <a:rPr lang="es-419"/>
-              <a:t>Flask es un microframework para Python que permite crear aplicaciones web de manera sencilla y rápida. Es ligero y flexible, ideal para proyectos pequeños y medianos.</a:t>
-            </a:r>
-            <a:endParaRPr/>
+              <a:rPr lang="es-419" dirty="0"/>
+              <a:t>Flask es un </a:t>
+            </a:r>
+            <a:r>
+              <a:rPr lang="es-419" dirty="0" err="1"/>
+              <a:t>microframework</a:t>
+            </a:r>
+            <a:r>
+              <a:rPr lang="es-419" dirty="0"/>
+              <a:t> para Python que permite crear aplicaciones web de manera sencilla y rápida. Es ligero y flexible, ideal para proyectos pequeños y medianos.</a:t>
+            </a:r>
+            <a:endParaRPr dirty="0"/>
           </a:p>
           <a:p>
             <a:pPr marL="0" lvl="0" indent="0" algn="l" rtl="0">
@@ -23989,7 +25053,7 @@
               <a:buSzPct val="108108"/>
               <a:buNone/>
             </a:pPr>
-            <a:endParaRPr/>
+            <a:endParaRPr dirty="0"/>
           </a:p>
           <a:p>
             <a:pPr marL="0" lvl="0" indent="0" algn="l" rtl="0">
@@ -24006,10 +25070,10 @@
               <a:buNone/>
             </a:pPr>
             <a:r>
-              <a:rPr lang="es-419" sz="1900" b="1"/>
+              <a:rPr lang="es-419" sz="1900" b="1" dirty="0"/>
               <a:t>Características:</a:t>
             </a:r>
-            <a:endParaRPr b="1"/>
+            <a:endParaRPr b="1" dirty="0"/>
           </a:p>
           <a:p>
             <a:pPr marL="285750" lvl="0" indent="-285784" algn="l" rtl="0">
@@ -24027,10 +25091,14 @@
               <a:buChar char="•"/>
             </a:pPr>
             <a:r>
-              <a:rPr lang="es-419"/>
-              <a:t>Microframework: es ligero y no incluye componentes adicionales por defecto. Esto permite a los desarrolladores elegir las bibliotecas y herramientas que necesitan. Por ej.: no incluye ORM o validación de formularios por defecto.</a:t>
-            </a:r>
-            <a:endParaRPr/>
+              <a:rPr lang="es-419" dirty="0" err="1"/>
+              <a:t>Microframework</a:t>
+            </a:r>
+            <a:r>
+              <a:rPr lang="es-419" dirty="0"/>
+              <a:t>: es ligero y no incluye componentes adicionales por defecto. Esto permite a los desarrolladores elegir las bibliotecas y herramientas que necesitan. Por ej.: no incluye ORM o validación de formularios por defecto.</a:t>
+            </a:r>
+            <a:endParaRPr dirty="0"/>
           </a:p>
           <a:p>
             <a:pPr marL="285750" lvl="0" indent="-285784" algn="l" rtl="0">
@@ -24048,10 +25116,10 @@
               <a:buChar char="•"/>
             </a:pPr>
             <a:r>
-              <a:rPr lang="es-419"/>
+              <a:rPr lang="es-419" dirty="0"/>
               <a:t>Extensible: Permite agregar extensiones según las necesidades del proyecto.</a:t>
             </a:r>
-            <a:endParaRPr/>
+            <a:endParaRPr dirty="0"/>
           </a:p>
           <a:p>
             <a:pPr marL="285750" lvl="0" indent="-285784" algn="l" rtl="0">
@@ -24069,10 +25137,10 @@
               <a:buChar char="•"/>
             </a:pPr>
             <a:r>
-              <a:rPr lang="es-419"/>
+              <a:rPr lang="es-419" dirty="0"/>
               <a:t>WSGI: Flask está basado en WSGI (Web Server Gateway Interface), que es un estándar para las aplicaciones web de Python. WSGI actúa como un intermediario entre el servidor web y la aplicación web.</a:t>
             </a:r>
-            <a:endParaRPr/>
+            <a:endParaRPr dirty="0"/>
           </a:p>
           <a:p>
             <a:pPr marL="285750" lvl="0" indent="-177800" algn="l" rtl="0">
@@ -24089,7 +25157,7 @@
               <a:buFont typeface="Arial"/>
               <a:buNone/>
             </a:pPr>
-            <a:endParaRPr/>
+            <a:endParaRPr dirty="0"/>
           </a:p>
           <a:p>
             <a:pPr marL="0" lvl="0" indent="0" algn="l" rtl="0">
@@ -24105,7 +25173,7 @@
               <a:buSzPct val="108108"/>
               <a:buNone/>
             </a:pPr>
-            <a:endParaRPr/>
+            <a:endParaRPr dirty="0"/>
           </a:p>
         </p:txBody>
       </p:sp>
@@ -24177,10 +25245,10 @@
               <a:buNone/>
             </a:pPr>
             <a:r>
-              <a:rPr lang="es-419"/>
+              <a:rPr lang="es-419" dirty="0"/>
               <a:t>Cómo funciona Flask</a:t>
             </a:r>
-            <a:endParaRPr/>
+            <a:endParaRPr dirty="0"/>
           </a:p>
         </p:txBody>
       </p:sp>
@@ -24312,7 +25380,7 @@
               <a:buNone/>
             </a:pPr>
             <a:r>
-              <a:rPr lang="es-419" sz="1400" b="1" i="0" u="none" strike="noStrike" cap="none">
+              <a:rPr lang="es-419" sz="1400" b="1" i="0" u="none" strike="noStrike" cap="none" dirty="0">
                 <a:solidFill>
                   <a:schemeClr val="dk2"/>
                 </a:solidFill>
@@ -24323,7 +25391,7 @@
               </a:rPr>
               <a:t>Rutas y Vistas:</a:t>
             </a:r>
-            <a:endParaRPr sz="1400" b="0" i="0" u="none" strike="noStrike" cap="none">
+            <a:endParaRPr sz="1400" b="0" i="0" u="none" strike="noStrike" cap="none" dirty="0">
               <a:solidFill>
                 <a:srgbClr val="000000"/>
               </a:solidFill>
@@ -24352,7 +25420,7 @@
               <a:buChar char="●"/>
             </a:pPr>
             <a:r>
-              <a:rPr lang="es-419" sz="1400" b="0" i="0" u="none" strike="noStrike" cap="none">
+              <a:rPr lang="es-419" sz="1400" b="0" i="0" u="none" strike="noStrike" cap="none" dirty="0">
                 <a:solidFill>
                   <a:schemeClr val="dk2"/>
                 </a:solidFill>
@@ -24363,7 +25431,7 @@
               </a:rPr>
               <a:t>Rutas: Una ruta es una URL específica que se asocia con una función en la aplicación Flask. Estas funciones se denominan "vistas".</a:t>
             </a:r>
-            <a:endParaRPr sz="1400" b="0" i="0" u="none" strike="noStrike" cap="none">
+            <a:endParaRPr sz="1400" b="0" i="0" u="none" strike="noStrike" cap="none" dirty="0">
               <a:solidFill>
                 <a:srgbClr val="000000"/>
               </a:solidFill>
@@ -24392,7 +25460,7 @@
               <a:buChar char="●"/>
             </a:pPr>
             <a:r>
-              <a:rPr lang="es-419" sz="1400" b="0" i="0" u="none" strike="noStrike" cap="none">
+              <a:rPr lang="es-419" sz="1400" b="0" i="0" u="none" strike="noStrike" cap="none" dirty="0">
                 <a:solidFill>
                   <a:schemeClr val="dk2"/>
                 </a:solidFill>
@@ -24403,7 +25471,7 @@
               </a:rPr>
               <a:t>Vistas: Las vistas son funciones Python que reciben solicitudes HTTP y devuelven respuestas HTTP. Las respuestas pueden ser de diferentes tipos, como HTML, JSON, texto plano, etc.</a:t>
             </a:r>
-            <a:endParaRPr sz="1400" b="0" i="0" u="none" strike="noStrike" cap="none">
+            <a:endParaRPr sz="1400" b="0" i="0" u="none" strike="noStrike" cap="none" dirty="0">
               <a:solidFill>
                 <a:srgbClr val="000000"/>
               </a:solidFill>
@@ -24432,7 +25500,7 @@
               <a:buNone/>
             </a:pPr>
             <a:r>
-              <a:rPr lang="es-419" sz="1400" b="1" i="0" u="none" strike="noStrike" cap="none">
+              <a:rPr lang="es-419" sz="1400" b="1" i="0" u="none" strike="noStrike" cap="none" dirty="0">
                 <a:solidFill>
                   <a:schemeClr val="dk2"/>
                 </a:solidFill>
@@ -24443,7 +25511,7 @@
               </a:rPr>
               <a:t>Contexto de Aplicación y Solicitud:</a:t>
             </a:r>
-            <a:endParaRPr sz="1400" b="0" i="0" u="none" strike="noStrike" cap="none">
+            <a:endParaRPr sz="1400" b="0" i="0" u="none" strike="noStrike" cap="none" dirty="0">
               <a:solidFill>
                 <a:srgbClr val="000000"/>
               </a:solidFill>
@@ -24472,7 +25540,7 @@
               <a:buChar char="●"/>
             </a:pPr>
             <a:r>
-              <a:rPr lang="es-419" sz="1400" b="0" i="0" u="none" strike="noStrike" cap="none">
+              <a:rPr lang="es-419" sz="1400" b="0" i="0" u="none" strike="noStrike" cap="none" dirty="0">
                 <a:solidFill>
                   <a:schemeClr val="dk2"/>
                 </a:solidFill>
@@ -24483,7 +25551,7 @@
               </a:rPr>
               <a:t>Contexto de Aplicación: Contiene información sobre la configuración y el estado de la aplicación.</a:t>
             </a:r>
-            <a:endParaRPr sz="1400" b="0" i="0" u="none" strike="noStrike" cap="none">
+            <a:endParaRPr sz="1400" b="0" i="0" u="none" strike="noStrike" cap="none" dirty="0">
               <a:solidFill>
                 <a:srgbClr val="000000"/>
               </a:solidFill>
@@ -24512,7 +25580,7 @@
               <a:buChar char="●"/>
             </a:pPr>
             <a:r>
-              <a:rPr lang="es-419" sz="1400" b="0" i="0" u="none" strike="noStrike" cap="none">
+              <a:rPr lang="es-419" sz="1400" b="0" i="0" u="none" strike="noStrike" cap="none" dirty="0">
                 <a:solidFill>
                   <a:schemeClr val="dk2"/>
                 </a:solidFill>
@@ -24523,7 +25591,7 @@
               </a:rPr>
               <a:t>Contexto de Solicitud: Contiene datos específicos de una solicitud HTTP, como datos de formularios, cookies y archivos.</a:t>
             </a:r>
-            <a:endParaRPr sz="1400" b="0" i="0" u="none" strike="noStrike" cap="none">
+            <a:endParaRPr sz="1400" b="0" i="0" u="none" strike="noStrike" cap="none" dirty="0">
               <a:solidFill>
                 <a:srgbClr val="000000"/>
               </a:solidFill>
@@ -24551,7 +25619,7 @@
               <a:buFont typeface="Arial"/>
               <a:buNone/>
             </a:pPr>
-            <a:endParaRPr sz="1400" b="0" i="0" u="none" strike="noStrike" cap="none">
+            <a:endParaRPr sz="1400" b="0" i="0" u="none" strike="noStrike" cap="none" dirty="0">
               <a:solidFill>
                 <a:schemeClr val="dk2"/>
               </a:solidFill>
@@ -24579,7 +25647,7 @@
               <a:buFont typeface="Montserrat"/>
               <a:buNone/>
             </a:pPr>
-            <a:endParaRPr sz="1400" b="0" i="0" u="none" strike="noStrike" cap="none">
+            <a:endParaRPr sz="1400" b="0" i="0" u="none" strike="noStrike" cap="none" dirty="0">
               <a:solidFill>
                 <a:schemeClr val="dk2"/>
               </a:solidFill>
@@ -24659,10 +25727,10 @@
               <a:buNone/>
             </a:pPr>
             <a:r>
-              <a:rPr lang="es-419"/>
+              <a:rPr lang="es-419" dirty="0"/>
               <a:t>Cómo funciona Flask</a:t>
             </a:r>
-            <a:endParaRPr/>
+            <a:endParaRPr dirty="0"/>
           </a:p>
         </p:txBody>
       </p:sp>
@@ -24711,7 +25779,7 @@
               <a:buNone/>
             </a:pPr>
             <a:r>
-              <a:rPr lang="es-419" sz="1400" b="0" i="0" u="none" strike="noStrike" cap="none">
+              <a:rPr lang="es-419" sz="1400" b="0" i="0" u="none" strike="noStrike" cap="none" dirty="0" err="1">
                 <a:solidFill>
                   <a:srgbClr val="C792EA"/>
                 </a:solidFill>
@@ -24726,7 +25794,7 @@
               <a:t>from</a:t>
             </a:r>
             <a:r>
-              <a:rPr lang="es-419" sz="1400" b="0" i="0" u="none" strike="noStrike" cap="none">
+              <a:rPr lang="es-419" sz="1400" b="0" i="0" u="none" strike="noStrike" cap="none" dirty="0">
                 <a:solidFill>
                   <a:srgbClr val="BFC7D5"/>
                 </a:solidFill>
@@ -24738,10 +25806,40 @@
                 <a:cs typeface="Consolas"/>
                 <a:sym typeface="Consolas"/>
               </a:rPr>
-              <a:t> flask </a:t>
-            </a:r>
-            <a:r>
-              <a:rPr lang="es-419" sz="1400" b="0" i="0" u="none" strike="noStrike" cap="none">
+              <a:t> </a:t>
+            </a:r>
+            <a:r>
+              <a:rPr lang="es-419" sz="1400" b="0" i="0" u="none" strike="noStrike" cap="none" dirty="0" err="1">
+                <a:solidFill>
+                  <a:srgbClr val="BFC7D5"/>
+                </a:solidFill>
+                <a:highlight>
+                  <a:srgbClr val="292D3E"/>
+                </a:highlight>
+                <a:latin typeface="Consolas"/>
+                <a:ea typeface="Consolas"/>
+                <a:cs typeface="Consolas"/>
+                <a:sym typeface="Consolas"/>
+              </a:rPr>
+              <a:t>flask</a:t>
+            </a:r>
+            <a:r>
+              <a:rPr lang="es-419" sz="1400" b="0" i="0" u="none" strike="noStrike" cap="none" dirty="0">
+                <a:solidFill>
+                  <a:srgbClr val="BFC7D5"/>
+                </a:solidFill>
+                <a:highlight>
+                  <a:srgbClr val="292D3E"/>
+                </a:highlight>
+                <a:latin typeface="Consolas"/>
+                <a:ea typeface="Consolas"/>
+                <a:cs typeface="Consolas"/>
+                <a:sym typeface="Consolas"/>
+              </a:rPr>
+              <a:t> </a:t>
+            </a:r>
+            <a:r>
+              <a:rPr lang="es-419" sz="1400" b="0" i="0" u="none" strike="noStrike" cap="none" dirty="0" err="1">
                 <a:solidFill>
                   <a:srgbClr val="C792EA"/>
                 </a:solidFill>
@@ -24756,7 +25854,7 @@
               <a:t>import</a:t>
             </a:r>
             <a:r>
-              <a:rPr lang="es-419" sz="1400" b="0" i="0" u="none" strike="noStrike" cap="none">
+              <a:rPr lang="es-419" sz="1400" b="0" i="0" u="none" strike="noStrike" cap="none" dirty="0">
                 <a:solidFill>
                   <a:srgbClr val="BFC7D5"/>
                 </a:solidFill>
@@ -24770,7 +25868,7 @@
               </a:rPr>
               <a:t> Flask</a:t>
             </a:r>
-            <a:endParaRPr sz="1400" b="0" i="0" u="none" strike="noStrike" cap="none">
+            <a:endParaRPr sz="1400" b="0" i="0" u="none" strike="noStrike" cap="none" dirty="0">
               <a:solidFill>
                 <a:srgbClr val="000000"/>
               </a:solidFill>
@@ -24799,7 +25897,7 @@
               <a:buNone/>
             </a:pPr>
             <a:br>
-              <a:rPr lang="es-419" sz="1400" b="0" i="0" u="none" strike="noStrike" cap="none">
+              <a:rPr lang="es-419" sz="1400" b="0" i="0" u="none" strike="noStrike" cap="none" dirty="0">
                 <a:solidFill>
                   <a:srgbClr val="BFC7D5"/>
                 </a:solidFill>
@@ -24813,7 +25911,7 @@
               </a:rPr>
             </a:br>
             <a:r>
-              <a:rPr lang="es-419" sz="1400" b="0" i="0" u="none" strike="noStrike" cap="none">
+              <a:rPr lang="es-419" sz="1400" b="0" i="0" u="none" strike="noStrike" cap="none" dirty="0">
                 <a:solidFill>
                   <a:srgbClr val="BFC7D5"/>
                 </a:solidFill>
@@ -24828,7 +25926,7 @@
               <a:t>app </a:t>
             </a:r>
             <a:r>
-              <a:rPr lang="es-419" sz="1400" b="0" i="0" u="none" strike="noStrike" cap="none">
+              <a:rPr lang="es-419" sz="1400" b="0" i="0" u="none" strike="noStrike" cap="none" dirty="0">
                 <a:solidFill>
                   <a:srgbClr val="C792EA"/>
                 </a:solidFill>
@@ -24843,7 +25941,7 @@
               <a:t>=</a:t>
             </a:r>
             <a:r>
-              <a:rPr lang="es-419" sz="1400" b="0" i="0" u="none" strike="noStrike" cap="none">
+              <a:rPr lang="es-419" sz="1400" b="0" i="0" u="none" strike="noStrike" cap="none" dirty="0">
                 <a:solidFill>
                   <a:srgbClr val="BFC7D5"/>
                 </a:solidFill>
@@ -24858,7 +25956,7 @@
               <a:t> </a:t>
             </a:r>
             <a:r>
-              <a:rPr lang="es-419" sz="1400" b="0" i="0" u="none" strike="noStrike" cap="none">
+              <a:rPr lang="es-419" sz="1400" b="0" i="0" u="none" strike="noStrike" cap="none" dirty="0">
                 <a:solidFill>
                   <a:srgbClr val="B2CCD6"/>
                 </a:solidFill>
@@ -24873,7 +25971,7 @@
               <a:t>Flask</a:t>
             </a:r>
             <a:r>
-              <a:rPr lang="es-419" sz="1400" b="0" i="0" u="none" strike="noStrike" cap="none">
+              <a:rPr lang="es-419" sz="1400" b="0" i="0" u="none" strike="noStrike" cap="none" dirty="0">
                 <a:solidFill>
                   <a:srgbClr val="BFC7D5"/>
                 </a:solidFill>
@@ -24888,7 +25986,7 @@
               <a:t>(</a:t>
             </a:r>
             <a:r>
-              <a:rPr lang="es-419" sz="1400" b="0" i="0" u="none" strike="noStrike" cap="none">
+              <a:rPr lang="es-419" sz="1400" b="0" i="0" u="none" strike="noStrike" cap="none" dirty="0">
                 <a:solidFill>
                   <a:srgbClr val="7986E7"/>
                 </a:solidFill>
@@ -24900,10 +25998,40 @@
                 <a:cs typeface="Consolas"/>
                 <a:sym typeface="Consolas"/>
               </a:rPr>
-              <a:t>__name__</a:t>
-            </a:r>
-            <a:r>
-              <a:rPr lang="es-419" sz="1400" b="0" i="0" u="none" strike="noStrike" cap="none">
+              <a:t>__</a:t>
+            </a:r>
+            <a:r>
+              <a:rPr lang="es-419" sz="1400" b="0" i="0" u="none" strike="noStrike" cap="none" dirty="0" err="1">
+                <a:solidFill>
+                  <a:srgbClr val="7986E7"/>
+                </a:solidFill>
+                <a:highlight>
+                  <a:srgbClr val="292D3E"/>
+                </a:highlight>
+                <a:latin typeface="Consolas"/>
+                <a:ea typeface="Consolas"/>
+                <a:cs typeface="Consolas"/>
+                <a:sym typeface="Consolas"/>
+              </a:rPr>
+              <a:t>name</a:t>
+            </a:r>
+            <a:r>
+              <a:rPr lang="es-419" sz="1400" b="0" i="0" u="none" strike="noStrike" cap="none" dirty="0">
+                <a:solidFill>
+                  <a:srgbClr val="7986E7"/>
+                </a:solidFill>
+                <a:highlight>
+                  <a:srgbClr val="292D3E"/>
+                </a:highlight>
+                <a:latin typeface="Consolas"/>
+                <a:ea typeface="Consolas"/>
+                <a:cs typeface="Consolas"/>
+                <a:sym typeface="Consolas"/>
+              </a:rPr>
+              <a:t>__</a:t>
+            </a:r>
+            <a:r>
+              <a:rPr lang="es-419" sz="1400" b="0" i="0" u="none" strike="noStrike" cap="none" dirty="0">
                 <a:solidFill>
                   <a:srgbClr val="BFC7D5"/>
                 </a:solidFill>
@@ -24917,7 +26045,7 @@
               </a:rPr>
               <a:t>)</a:t>
             </a:r>
-            <a:endParaRPr sz="1400" b="0" i="0" u="none" strike="noStrike" cap="none">
+            <a:endParaRPr sz="1400" b="0" i="0" u="none" strike="noStrike" cap="none" dirty="0">
               <a:solidFill>
                 <a:srgbClr val="000000"/>
               </a:solidFill>
@@ -24946,7 +26074,7 @@
               <a:buNone/>
             </a:pPr>
             <a:br>
-              <a:rPr lang="es-419" sz="1400" b="0" i="0" u="none" strike="noStrike" cap="none">
+              <a:rPr lang="es-419" sz="1400" b="0" i="0" u="none" strike="noStrike" cap="none" dirty="0">
                 <a:solidFill>
                   <a:srgbClr val="BFC7D5"/>
                 </a:solidFill>
@@ -24960,7 +26088,7 @@
               </a:rPr>
             </a:br>
             <a:r>
-              <a:rPr lang="es-419" sz="1400" b="0" i="0" u="none" strike="noStrike" cap="none">
+              <a:rPr lang="es-419" sz="1400" b="0" i="0" u="none" strike="noStrike" cap="none" dirty="0">
                 <a:solidFill>
                   <a:srgbClr val="FFCB6B"/>
                 </a:solidFill>
@@ -24975,7 +26103,7 @@
               <a:t>@app.route</a:t>
             </a:r>
             <a:r>
-              <a:rPr lang="es-419" sz="1400" b="0" i="0" u="none" strike="noStrike" cap="none">
+              <a:rPr lang="es-419" sz="1400" b="0" i="0" u="none" strike="noStrike" cap="none" dirty="0">
                 <a:solidFill>
                   <a:srgbClr val="BFC7D5"/>
                 </a:solidFill>
@@ -24990,7 +26118,7 @@
               <a:t>(</a:t>
             </a:r>
             <a:r>
-              <a:rPr lang="es-419" sz="1400" b="0" i="0" u="none" strike="noStrike" cap="none">
+              <a:rPr lang="es-419" sz="1400" b="0" i="0" u="none" strike="noStrike" cap="none" dirty="0">
                 <a:solidFill>
                   <a:srgbClr val="D9F5DD"/>
                 </a:solidFill>
@@ -25005,7 +26133,7 @@
               <a:t>'</a:t>
             </a:r>
             <a:r>
-              <a:rPr lang="es-419" sz="1400" b="0" i="0" u="none" strike="noStrike" cap="none">
+              <a:rPr lang="es-419" sz="1400" b="0" i="0" u="none" strike="noStrike" cap="none" dirty="0">
                 <a:solidFill>
                   <a:srgbClr val="C3E88D"/>
                 </a:solidFill>
@@ -25020,7 +26148,7 @@
               <a:t>/</a:t>
             </a:r>
             <a:r>
-              <a:rPr lang="es-419" sz="1400" b="0" i="0" u="none" strike="noStrike" cap="none">
+              <a:rPr lang="es-419" sz="1400" b="0" i="0" u="none" strike="noStrike" cap="none" dirty="0">
                 <a:solidFill>
                   <a:srgbClr val="D9F5DD"/>
                 </a:solidFill>
@@ -25035,7 +26163,7 @@
               <a:t>'</a:t>
             </a:r>
             <a:r>
-              <a:rPr lang="es-419" sz="1400" b="0" i="0" u="none" strike="noStrike" cap="none">
+              <a:rPr lang="es-419" sz="1400" b="0" i="0" u="none" strike="noStrike" cap="none" dirty="0">
                 <a:solidFill>
                   <a:srgbClr val="BFC7D5"/>
                 </a:solidFill>
@@ -25049,7 +26177,7 @@
               </a:rPr>
               <a:t>)</a:t>
             </a:r>
-            <a:endParaRPr sz="1400" b="0" i="0" u="none" strike="noStrike" cap="none">
+            <a:endParaRPr sz="1400" b="0" i="0" u="none" strike="noStrike" cap="none" dirty="0">
               <a:solidFill>
                 <a:srgbClr val="000000"/>
               </a:solidFill>
@@ -25078,7 +26206,7 @@
               <a:buNone/>
             </a:pPr>
             <a:r>
-              <a:rPr lang="es-419" sz="1400" b="0" i="0" u="none" strike="noStrike" cap="none">
+              <a:rPr lang="es-419" sz="1400" b="0" i="0" u="none" strike="noStrike" cap="none" dirty="0" err="1">
                 <a:solidFill>
                   <a:srgbClr val="C792EA"/>
                 </a:solidFill>
@@ -25093,7 +26221,7 @@
               <a:t>def</a:t>
             </a:r>
             <a:r>
-              <a:rPr lang="es-419" sz="1400" b="0" i="0" u="none" strike="noStrike" cap="none">
+              <a:rPr lang="es-419" sz="1400" b="0" i="0" u="none" strike="noStrike" cap="none" dirty="0">
                 <a:solidFill>
                   <a:srgbClr val="BFC7D5"/>
                 </a:solidFill>
@@ -25108,7 +26236,7 @@
               <a:t> </a:t>
             </a:r>
             <a:r>
-              <a:rPr lang="es-419" sz="1400" b="0" i="0" u="none" strike="noStrike" cap="none">
+              <a:rPr lang="es-419" sz="1400" b="0" i="0" u="none" strike="noStrike" cap="none" dirty="0">
                 <a:solidFill>
                   <a:srgbClr val="82AAFF"/>
                 </a:solidFill>
@@ -25123,7 +26251,7 @@
               <a:t>home</a:t>
             </a:r>
             <a:r>
-              <a:rPr lang="es-419" sz="1400" b="0" i="0" u="none" strike="noStrike" cap="none">
+              <a:rPr lang="es-419" sz="1400" b="0" i="0" u="none" strike="noStrike" cap="none" dirty="0">
                 <a:solidFill>
                   <a:srgbClr val="D9F5DD"/>
                 </a:solidFill>
@@ -25138,7 +26266,7 @@
               <a:t>()</a:t>
             </a:r>
             <a:r>
-              <a:rPr lang="es-419" sz="1400" b="0" i="0" u="none" strike="noStrike" cap="none">
+              <a:rPr lang="es-419" sz="1400" b="0" i="0" u="none" strike="noStrike" cap="none" dirty="0">
                 <a:solidFill>
                   <a:srgbClr val="BFC7D5"/>
                 </a:solidFill>
@@ -25152,7 +26280,7 @@
               </a:rPr>
               <a:t>:</a:t>
             </a:r>
-            <a:endParaRPr sz="1400" b="0" i="0" u="none" strike="noStrike" cap="none">
+            <a:endParaRPr sz="1400" b="0" i="0" u="none" strike="noStrike" cap="none" dirty="0">
               <a:solidFill>
                 <a:srgbClr val="000000"/>
               </a:solidFill>
@@ -25181,7 +26309,7 @@
               <a:buNone/>
             </a:pPr>
             <a:r>
-              <a:rPr lang="es-419" sz="1400" b="0" i="0" u="none" strike="noStrike" cap="none">
+              <a:rPr lang="es-419" sz="1400" b="0" i="0" u="none" strike="noStrike" cap="none" dirty="0">
                 <a:solidFill>
                   <a:srgbClr val="BFC7D5"/>
                 </a:solidFill>
@@ -25196,7 +26324,7 @@
               <a:t>    </a:t>
             </a:r>
             <a:r>
-              <a:rPr lang="es-419" sz="1400" b="0" i="0" u="none" strike="noStrike" cap="none">
+              <a:rPr lang="es-419" sz="1400" b="0" i="0" u="none" strike="noStrike" cap="none" dirty="0" err="1">
                 <a:solidFill>
                   <a:srgbClr val="C792EA"/>
                 </a:solidFill>
@@ -25211,7 +26339,7 @@
               <a:t>return</a:t>
             </a:r>
             <a:r>
-              <a:rPr lang="es-419" sz="1400" b="0" i="0" u="none" strike="noStrike" cap="none">
+              <a:rPr lang="es-419" sz="1400" b="0" i="0" u="none" strike="noStrike" cap="none" dirty="0">
                 <a:solidFill>
                   <a:srgbClr val="BFC7D5"/>
                 </a:solidFill>
@@ -25226,7 +26354,7 @@
               <a:t> </a:t>
             </a:r>
             <a:r>
-              <a:rPr lang="es-419" sz="1400" b="0" i="0" u="none" strike="noStrike" cap="none">
+              <a:rPr lang="es-419" sz="1400" b="0" i="0" u="none" strike="noStrike" cap="none" dirty="0">
                 <a:solidFill>
                   <a:srgbClr val="D9F5DD"/>
                 </a:solidFill>
@@ -25241,7 +26369,7 @@
               <a:t>'</a:t>
             </a:r>
             <a:r>
-              <a:rPr lang="es-419" sz="1400" b="0" i="0" u="none" strike="noStrike" cap="none">
+              <a:rPr lang="es-419" sz="1400" b="0" i="0" u="none" strike="noStrike" cap="none" dirty="0">
                 <a:solidFill>
                   <a:srgbClr val="C3E88D"/>
                 </a:solidFill>
@@ -25256,7 +26384,7 @@
               <a:t>¡Hola, mundo!</a:t>
             </a:r>
             <a:r>
-              <a:rPr lang="es-419" sz="1400" b="0" i="0" u="none" strike="noStrike" cap="none">
+              <a:rPr lang="es-419" sz="1400" b="0" i="0" u="none" strike="noStrike" cap="none" dirty="0">
                 <a:solidFill>
                   <a:srgbClr val="D9F5DD"/>
                 </a:solidFill>
@@ -25270,7 +26398,7 @@
               </a:rPr>
               <a:t>'</a:t>
             </a:r>
-            <a:endParaRPr sz="1400" b="0" i="0" u="none" strike="noStrike" cap="none">
+            <a:endParaRPr sz="1400" b="0" i="0" u="none" strike="noStrike" cap="none" dirty="0">
               <a:solidFill>
                 <a:srgbClr val="BFC7D5"/>
               </a:solidFill>
@@ -25302,7 +26430,7 @@
               <a:buNone/>
             </a:pPr>
             <a:br>
-              <a:rPr lang="es-419" sz="1400" b="0" i="0" u="none" strike="noStrike" cap="none">
+              <a:rPr lang="es-419" sz="1400" b="0" i="0" u="none" strike="noStrike" cap="none" dirty="0">
                 <a:solidFill>
                   <a:srgbClr val="BFC7D5"/>
                 </a:solidFill>
@@ -25316,7 +26444,7 @@
               </a:rPr>
             </a:br>
             <a:r>
-              <a:rPr lang="es-419" sz="1400" b="0" i="0" u="none" strike="noStrike" cap="none">
+              <a:rPr lang="es-419" sz="1400" b="0" i="0" u="none" strike="noStrike" cap="none" dirty="0" err="1">
                 <a:solidFill>
                   <a:srgbClr val="C792EA"/>
                 </a:solidFill>
@@ -25331,7 +26459,7 @@
               <a:t>if</a:t>
             </a:r>
             <a:r>
-              <a:rPr lang="es-419" sz="1400" b="0" i="0" u="none" strike="noStrike" cap="none">
+              <a:rPr lang="es-419" sz="1400" b="0" i="0" u="none" strike="noStrike" cap="none" dirty="0">
                 <a:solidFill>
                   <a:srgbClr val="BFC7D5"/>
                 </a:solidFill>
@@ -25343,10 +26471,40 @@
                 <a:cs typeface="Consolas"/>
                 <a:sym typeface="Consolas"/>
               </a:rPr>
-              <a:t> __name__ </a:t>
-            </a:r>
-            <a:r>
-              <a:rPr lang="es-419" sz="1400" b="0" i="0" u="none" strike="noStrike" cap="none">
+              <a:t> __</a:t>
+            </a:r>
+            <a:r>
+              <a:rPr lang="es-419" sz="1400" b="0" i="0" u="none" strike="noStrike" cap="none" dirty="0" err="1">
+                <a:solidFill>
+                  <a:srgbClr val="BFC7D5"/>
+                </a:solidFill>
+                <a:highlight>
+                  <a:srgbClr val="292D3E"/>
+                </a:highlight>
+                <a:latin typeface="Consolas"/>
+                <a:ea typeface="Consolas"/>
+                <a:cs typeface="Consolas"/>
+                <a:sym typeface="Consolas"/>
+              </a:rPr>
+              <a:t>name</a:t>
+            </a:r>
+            <a:r>
+              <a:rPr lang="es-419" sz="1400" b="0" i="0" u="none" strike="noStrike" cap="none" dirty="0">
+                <a:solidFill>
+                  <a:srgbClr val="BFC7D5"/>
+                </a:solidFill>
+                <a:highlight>
+                  <a:srgbClr val="292D3E"/>
+                </a:highlight>
+                <a:latin typeface="Consolas"/>
+                <a:ea typeface="Consolas"/>
+                <a:cs typeface="Consolas"/>
+                <a:sym typeface="Consolas"/>
+              </a:rPr>
+              <a:t>__ </a:t>
+            </a:r>
+            <a:r>
+              <a:rPr lang="es-419" sz="1400" b="0" i="0" u="none" strike="noStrike" cap="none" dirty="0">
                 <a:solidFill>
                   <a:srgbClr val="C792EA"/>
                 </a:solidFill>
@@ -25361,7 +26519,7 @@
               <a:t>==</a:t>
             </a:r>
             <a:r>
-              <a:rPr lang="es-419" sz="1400" b="0" i="0" u="none" strike="noStrike" cap="none">
+              <a:rPr lang="es-419" sz="1400" b="0" i="0" u="none" strike="noStrike" cap="none" dirty="0">
                 <a:solidFill>
                   <a:srgbClr val="BFC7D5"/>
                 </a:solidFill>
@@ -25376,7 +26534,7 @@
               <a:t> </a:t>
             </a:r>
             <a:r>
-              <a:rPr lang="es-419" sz="1400" b="0" i="0" u="none" strike="noStrike" cap="none">
+              <a:rPr lang="es-419" sz="1400" b="0" i="0" u="none" strike="noStrike" cap="none" dirty="0">
                 <a:solidFill>
                   <a:srgbClr val="D9F5DD"/>
                 </a:solidFill>
@@ -25391,7 +26549,7 @@
               <a:t>'</a:t>
             </a:r>
             <a:r>
-              <a:rPr lang="es-419" sz="1400" b="0" i="0" u="none" strike="noStrike" cap="none">
+              <a:rPr lang="es-419" sz="1400" b="0" i="0" u="none" strike="noStrike" cap="none" dirty="0">
                 <a:solidFill>
                   <a:srgbClr val="C3E88D"/>
                 </a:solidFill>
@@ -25403,10 +26561,40 @@
                 <a:cs typeface="Consolas"/>
                 <a:sym typeface="Consolas"/>
               </a:rPr>
-              <a:t>__main__</a:t>
-            </a:r>
-            <a:r>
-              <a:rPr lang="es-419" sz="1400" b="0" i="0" u="none" strike="noStrike" cap="none">
+              <a:t>__</a:t>
+            </a:r>
+            <a:r>
+              <a:rPr lang="es-419" sz="1400" b="0" i="0" u="none" strike="noStrike" cap="none" dirty="0" err="1">
+                <a:solidFill>
+                  <a:srgbClr val="C3E88D"/>
+                </a:solidFill>
+                <a:highlight>
+                  <a:srgbClr val="292D3E"/>
+                </a:highlight>
+                <a:latin typeface="Consolas"/>
+                <a:ea typeface="Consolas"/>
+                <a:cs typeface="Consolas"/>
+                <a:sym typeface="Consolas"/>
+              </a:rPr>
+              <a:t>main</a:t>
+            </a:r>
+            <a:r>
+              <a:rPr lang="es-419" sz="1400" b="0" i="0" u="none" strike="noStrike" cap="none" dirty="0">
+                <a:solidFill>
+                  <a:srgbClr val="C3E88D"/>
+                </a:solidFill>
+                <a:highlight>
+                  <a:srgbClr val="292D3E"/>
+                </a:highlight>
+                <a:latin typeface="Consolas"/>
+                <a:ea typeface="Consolas"/>
+                <a:cs typeface="Consolas"/>
+                <a:sym typeface="Consolas"/>
+              </a:rPr>
+              <a:t>__</a:t>
+            </a:r>
+            <a:r>
+              <a:rPr lang="es-419" sz="1400" b="0" i="0" u="none" strike="noStrike" cap="none" dirty="0">
                 <a:solidFill>
                   <a:srgbClr val="D9F5DD"/>
                 </a:solidFill>
@@ -25421,7 +26609,7 @@
               <a:t>'</a:t>
             </a:r>
             <a:r>
-              <a:rPr lang="es-419" sz="1400" b="0" i="0" u="none" strike="noStrike" cap="none">
+              <a:rPr lang="es-419" sz="1400" b="0" i="0" u="none" strike="noStrike" cap="none" dirty="0">
                 <a:solidFill>
                   <a:srgbClr val="BFC7D5"/>
                 </a:solidFill>
@@ -25435,7 +26623,7 @@
               </a:rPr>
               <a:t>:</a:t>
             </a:r>
-            <a:endParaRPr sz="1400" b="0" i="0" u="none" strike="noStrike" cap="none">
+            <a:endParaRPr sz="1400" b="0" i="0" u="none" strike="noStrike" cap="none" dirty="0">
               <a:solidFill>
                 <a:srgbClr val="000000"/>
               </a:solidFill>
@@ -25464,7 +26652,7 @@
               <a:buNone/>
             </a:pPr>
             <a:r>
-              <a:rPr lang="es-419" sz="1400" b="0" i="0" u="none" strike="noStrike" cap="none">
+              <a:rPr lang="es-419" sz="1400" b="0" i="0" u="none" strike="noStrike" cap="none" dirty="0">
                 <a:solidFill>
                   <a:srgbClr val="BFC7D5"/>
                 </a:solidFill>
@@ -25476,10 +26664,25 @@
                 <a:cs typeface="Consolas"/>
                 <a:sym typeface="Consolas"/>
               </a:rPr>
-              <a:t>    app.</a:t>
-            </a:r>
-            <a:r>
-              <a:rPr lang="es-419" sz="1400" b="0" i="0" u="none" strike="noStrike" cap="none">
+              <a:t>    </a:t>
+            </a:r>
+            <a:r>
+              <a:rPr lang="es-419" sz="1400" b="0" i="0" u="none" strike="noStrike" cap="none" dirty="0" err="1">
+                <a:solidFill>
+                  <a:srgbClr val="BFC7D5"/>
+                </a:solidFill>
+                <a:highlight>
+                  <a:srgbClr val="292D3E"/>
+                </a:highlight>
+                <a:latin typeface="Consolas"/>
+                <a:ea typeface="Consolas"/>
+                <a:cs typeface="Consolas"/>
+                <a:sym typeface="Consolas"/>
+              </a:rPr>
+              <a:t>app.</a:t>
+            </a:r>
+            <a:r>
+              <a:rPr lang="es-419" sz="1400" b="0" i="0" u="none" strike="noStrike" cap="none" dirty="0" err="1">
                 <a:solidFill>
                   <a:srgbClr val="B2CCD6"/>
                 </a:solidFill>
@@ -25494,7 +26697,7 @@
               <a:t>run</a:t>
             </a:r>
             <a:r>
-              <a:rPr lang="es-419" sz="1400" b="0" i="0" u="none" strike="noStrike" cap="none">
+              <a:rPr lang="es-419" sz="1400" b="0" i="0" u="none" strike="noStrike" cap="none" dirty="0">
                 <a:solidFill>
                   <a:srgbClr val="BFC7D5"/>
                 </a:solidFill>
@@ -25509,7 +26712,7 @@
               <a:t>(</a:t>
             </a:r>
             <a:r>
-              <a:rPr lang="es-419" sz="1400" b="0" i="0" u="none" strike="noStrike" cap="none">
+              <a:rPr lang="es-419" sz="1400" b="0" i="0" u="none" strike="noStrike" cap="none" dirty="0" err="1">
                 <a:solidFill>
                   <a:srgbClr val="7986E7"/>
                 </a:solidFill>
@@ -25524,7 +26727,7 @@
               <a:t>debug</a:t>
             </a:r>
             <a:r>
-              <a:rPr lang="es-419" sz="1400" b="0" i="0" u="none" strike="noStrike" cap="none">
+              <a:rPr lang="es-419" sz="1400" b="0" i="0" u="none" strike="noStrike" cap="none" dirty="0">
                 <a:solidFill>
                   <a:srgbClr val="C792EA"/>
                 </a:solidFill>
@@ -25539,7 +26742,7 @@
               <a:t>=</a:t>
             </a:r>
             <a:r>
-              <a:rPr lang="es-419" sz="1400" b="0" i="0" u="none" strike="noStrike" cap="none">
+              <a:rPr lang="es-419" sz="1400" b="0" i="0" u="none" strike="noStrike" cap="none" dirty="0">
                 <a:solidFill>
                   <a:srgbClr val="FF5874"/>
                 </a:solidFill>
@@ -25554,7 +26757,7 @@
               <a:t>True</a:t>
             </a:r>
             <a:r>
-              <a:rPr lang="es-419" sz="1400" b="0" i="0" u="none" strike="noStrike" cap="none">
+              <a:rPr lang="es-419" sz="1400" b="0" i="0" u="none" strike="noStrike" cap="none" dirty="0">
                 <a:solidFill>
                   <a:srgbClr val="BFC7D5"/>
                 </a:solidFill>
@@ -25568,7 +26771,7 @@
               </a:rPr>
               <a:t>)</a:t>
             </a:r>
-            <a:endParaRPr sz="1400" b="0" i="0" u="none" strike="noStrike" cap="none">
+            <a:endParaRPr sz="1400" b="0" i="0" u="none" strike="noStrike" cap="none" dirty="0">
               <a:solidFill>
                 <a:srgbClr val="000000"/>
               </a:solidFill>
@@ -25651,10 +26854,10 @@
               <a:buNone/>
             </a:pPr>
             <a:r>
-              <a:rPr lang="es-419" sz="1200"/>
+              <a:rPr lang="es-419" sz="1200" dirty="0"/>
               <a:t>Flask nos permitirá crear aplicaciones web rápidamente siguiendo un patrón de diseño MVT</a:t>
             </a:r>
-            <a:endParaRPr/>
+            <a:endParaRPr dirty="0"/>
           </a:p>
           <a:p>
             <a:pPr marL="0" lvl="0" indent="0" algn="l" rtl="0">
@@ -25673,7 +26876,7 @@
               <a:buSzPts val="733"/>
               <a:buNone/>
             </a:pPr>
-            <a:endParaRPr sz="1200"/>
+            <a:endParaRPr sz="1200" dirty="0"/>
           </a:p>
           <a:p>
             <a:pPr marL="0" lvl="0" indent="0" algn="l" rtl="0">
@@ -25693,14 +26896,14 @@
               <a:buNone/>
             </a:pPr>
             <a:r>
-              <a:rPr lang="es-419" sz="1200" b="1"/>
+              <a:rPr lang="es-419" sz="1200" b="1" dirty="0" err="1"/>
               <a:t>Model</a:t>
             </a:r>
             <a:r>
-              <a:rPr lang="es-419" sz="1200"/>
+              <a:rPr lang="es-419" sz="1200" dirty="0"/>
               <a:t>: la capa de acceso a la base de datos (ORM).</a:t>
             </a:r>
-            <a:endParaRPr/>
+            <a:endParaRPr dirty="0"/>
           </a:p>
           <a:p>
             <a:pPr marL="0" lvl="0" indent="0" algn="l" rtl="0">
@@ -25719,7 +26922,7 @@
               <a:buSzPts val="733"/>
               <a:buNone/>
             </a:pPr>
-            <a:endParaRPr sz="1200"/>
+            <a:endParaRPr sz="1200" dirty="0"/>
           </a:p>
           <a:p>
             <a:pPr marL="0" lvl="0" indent="0" algn="l" rtl="0">
@@ -25739,14 +26942,14 @@
               <a:buNone/>
             </a:pPr>
             <a:r>
-              <a:rPr lang="es-419" sz="1200" b="1"/>
+              <a:rPr lang="es-419" sz="1200" b="1" dirty="0"/>
               <a:t>View</a:t>
             </a:r>
             <a:r>
-              <a:rPr lang="es-419" sz="1200"/>
+              <a:rPr lang="es-419" sz="1200" dirty="0"/>
               <a:t>: la capa de la lógica de negocio.</a:t>
             </a:r>
-            <a:endParaRPr/>
+            <a:endParaRPr dirty="0"/>
           </a:p>
           <a:p>
             <a:pPr marL="0" lvl="0" indent="0" algn="l" rtl="0">
@@ -25765,7 +26968,7 @@
               <a:buSzPts val="733"/>
               <a:buNone/>
             </a:pPr>
-            <a:endParaRPr sz="1200"/>
+            <a:endParaRPr sz="1200" dirty="0"/>
           </a:p>
           <a:p>
             <a:pPr marL="0" lvl="0" indent="0" algn="l" rtl="0">
@@ -25785,14 +26988,22 @@
               <a:buNone/>
             </a:pPr>
             <a:r>
-              <a:rPr lang="es-419" sz="1200" b="1"/>
+              <a:rPr lang="es-419" sz="1200" b="1" dirty="0" err="1"/>
               <a:t>Template</a:t>
             </a:r>
             <a:r>
-              <a:rPr lang="es-419" sz="1200"/>
-              <a:t>: (Plantilla), la capa de presentación. En una API Rest no se implementa</a:t>
-            </a:r>
-            <a:endParaRPr/>
+              <a:rPr lang="es-419" sz="1200" dirty="0"/>
+              <a:t>: (Plantilla), la capa de presentación. En una API </a:t>
+            </a:r>
+            <a:r>
+              <a:rPr lang="es-419" sz="1200" dirty="0" err="1"/>
+              <a:t>Rest</a:t>
+            </a:r>
+            <a:r>
+              <a:rPr lang="es-419" sz="1200" dirty="0"/>
+              <a:t> no se implementa</a:t>
+            </a:r>
+            <a:endParaRPr dirty="0"/>
           </a:p>
           <a:p>
             <a:pPr marL="0" lvl="0" indent="0" algn="l" rtl="0">
@@ -25808,7 +27019,7 @@
               <a:buSzPts val="1800"/>
               <a:buNone/>
             </a:pPr>
-            <a:endParaRPr sz="1200"/>
+            <a:endParaRPr sz="1200" dirty="0"/>
           </a:p>
         </p:txBody>
       </p:sp>
